--- a/Presentation.pptx
+++ b/Presentation.pptx
@@ -6,6 +6,8 @@
   </p:sldMasterIdLst>
   <p:sldIdLst>
     <p:sldId id="256" r:id="rId2"/>
+    <p:sldId id="257" r:id="rId3"/>
+    <p:sldId id="258" r:id="rId4"/>
   </p:sldIdLst>
   <p:sldSz cx="12192000" cy="6858000"/>
   <p:notesSz cx="6858000" cy="9144000"/>
@@ -104,6 +106,11 @@
       </a:defRPr>
     </a:lvl9pPr>
   </p:defaultTextStyle>
+  <p:extLst>
+    <p:ext uri="{EFAFB233-063F-42B5-8137-9DF3F51BA10A}">
+      <p15:sldGuideLst xmlns:p15="http://schemas.microsoft.com/office/powerpoint/2012/main"/>
+    </p:ext>
+  </p:extLst>
 </p:presentation>
 </file>
 
@@ -3427,7 +3434,7 @@
         <p:spPr>
           <a:xfrm>
             <a:off x="575534" y="1688951"/>
-            <a:ext cx="9893542" cy="3385542"/>
+            <a:ext cx="9893542" cy="4031873"/>
           </a:xfrm>
           <a:prstGeom prst="rect">
             <a:avLst/>
@@ -3441,6 +3448,15 @@
           <a:lstStyle/>
           <a:p>
             <a:r>
+              <a:rPr lang="en-IN" sz="1600" b="1" dirty="0"/>
+              <a:t>Overview</a:t>
+            </a:r>
+          </a:p>
+          <a:p>
+            <a:endParaRPr lang="en-IN" sz="1400" b="1" u="sng" dirty="0"/>
+          </a:p>
+          <a:p>
+            <a:r>
               <a:rPr lang="en-IN" sz="1400" dirty="0"/>
               <a:t>The company lends loans to urban customers, for the loan provided to the customer there are two probable outcomes:</a:t>
             </a:r>
@@ -3449,7 +3465,7 @@
             <a:endParaRPr lang="en-IN" sz="1400" dirty="0"/>
           </a:p>
           <a:p>
-            <a:pPr marL="285750" indent="-285750">
+            <a:pPr marL="742950" lvl="1" indent="-285750">
               <a:buFont typeface="Arial" panose="020B0604020202020204" pitchFamily="34" charset="0"/>
               <a:buChar char="•"/>
             </a:pPr>
@@ -3459,7 +3475,7 @@
             </a:r>
           </a:p>
           <a:p>
-            <a:pPr marL="285750" indent="-285750">
+            <a:pPr marL="742950" lvl="1" indent="-285750">
               <a:buFont typeface="Arial" panose="020B0604020202020204" pitchFamily="34" charset="0"/>
               <a:buChar char="•"/>
             </a:pPr>
@@ -3485,7 +3501,7 @@
             <a:endParaRPr lang="en-US" sz="1400" dirty="0"/>
           </a:p>
           <a:p>
-            <a:pPr marL="285750" indent="-285750">
+            <a:pPr marL="742950" lvl="1" indent="-285750">
               <a:buFont typeface="Arial" panose="020B0604020202020204" pitchFamily="34" charset="0"/>
               <a:buChar char="•"/>
             </a:pPr>
@@ -3519,9 +3535,12 @@
           </a:p>
           <a:p>
             <a:r>
-              <a:rPr lang="en-US" sz="1400" dirty="0"/>
-              <a:t>Data Analyzed:</a:t>
-            </a:r>
+              <a:rPr lang="en-US" sz="1600" b="1" dirty="0"/>
+              <a:t>Data Analyzed</a:t>
+            </a:r>
+          </a:p>
+          <a:p>
+            <a:endParaRPr lang="en-US" sz="1400" b="1" u="sng" dirty="0"/>
           </a:p>
           <a:p>
             <a:r>
@@ -3530,15 +3549,7 @@
             </a:r>
             <a:r>
               <a:rPr lang="en-IN" sz="1400" dirty="0"/>
-              <a:t>for all loans issued through the time period </a:t>
-            </a:r>
-            <a:r>
-              <a:rPr lang="en-IN" sz="1400"/>
-              <a:t>2007 to </a:t>
-            </a:r>
-            <a:r>
-              <a:rPr lang="en-IN" sz="1400" dirty="0"/>
-              <a:t>2011.</a:t>
+              <a:t>for all loans issued through the time period 2007 to 2011.</a:t>
             </a:r>
             <a:endParaRPr lang="en-US" sz="1400" dirty="0"/>
           </a:p>
@@ -3551,6 +3562,362 @@
     <p:extLst>
       <p:ext uri="{BB962C8B-B14F-4D97-AF65-F5344CB8AC3E}">
         <p14:creationId xmlns:p14="http://schemas.microsoft.com/office/powerpoint/2010/main" val="963095462"/>
+      </p:ext>
+    </p:extLst>
+  </p:cSld>
+  <p:clrMapOvr>
+    <a:masterClrMapping/>
+  </p:clrMapOvr>
+</p:sld>
+</file>
+
+<file path=ppt/slides/slide2.xml><?xml version="1.0" encoding="utf-8"?>
+<p:sld xmlns:a="http://schemas.openxmlformats.org/drawingml/2006/main" xmlns:r="http://schemas.openxmlformats.org/officeDocument/2006/relationships" xmlns:p="http://schemas.openxmlformats.org/presentationml/2006/main">
+  <p:cSld>
+    <p:spTree>
+      <p:nvGrpSpPr>
+        <p:cNvPr id="1" name=""/>
+        <p:cNvGrpSpPr/>
+        <p:nvPr/>
+      </p:nvGrpSpPr>
+      <p:grpSpPr>
+        <a:xfrm>
+          <a:off x="0" y="0"/>
+          <a:ext cx="0" cy="0"/>
+          <a:chOff x="0" y="0"/>
+          <a:chExt cx="0" cy="0"/>
+        </a:xfrm>
+      </p:grpSpPr>
+      <p:sp>
+        <p:nvSpPr>
+          <p:cNvPr id="5" name="TextBox 4">
+            <a:extLst>
+              <a:ext uri="{FF2B5EF4-FFF2-40B4-BE49-F238E27FC236}">
+                <a16:creationId xmlns:a16="http://schemas.microsoft.com/office/drawing/2014/main" id="{06E7B33A-015F-796F-C44B-B0196244ACA7}"/>
+              </a:ext>
+            </a:extLst>
+          </p:cNvPr>
+          <p:cNvSpPr txBox="1"/>
+          <p:nvPr/>
+        </p:nvSpPr>
+        <p:spPr>
+          <a:xfrm>
+            <a:off x="392655" y="277913"/>
+            <a:ext cx="6099586" cy="461665"/>
+          </a:xfrm>
+          <a:prstGeom prst="rect">
+            <a:avLst/>
+          </a:prstGeom>
+          <a:noFill/>
+        </p:spPr>
+        <p:txBody>
+          <a:bodyPr wrap="square">
+            <a:spAutoFit/>
+          </a:bodyPr>
+          <a:lstStyle/>
+          <a:p>
+            <a:pPr>
+              <a:buNone/>
+            </a:pPr>
+            <a:r>
+              <a:rPr lang="en-IN" sz="2400" b="1" dirty="0">
+                <a:solidFill>
+                  <a:srgbClr val="000000"/>
+                </a:solidFill>
+                <a:effectLst/>
+                <a:latin typeface="Times New Roman" panose="02020603050405020304" pitchFamily="18" charset="0"/>
+              </a:rPr>
+              <a:t>Data Preparation</a:t>
+            </a:r>
+            <a:endParaRPr lang="en-IN" sz="2400" dirty="0">
+              <a:solidFill>
+                <a:srgbClr val="000000"/>
+              </a:solidFill>
+              <a:effectLst/>
+              <a:latin typeface="Times New Roman" panose="02020603050405020304" pitchFamily="18" charset="0"/>
+            </a:endParaRPr>
+          </a:p>
+        </p:txBody>
+      </p:sp>
+      <p:sp>
+        <p:nvSpPr>
+          <p:cNvPr id="6" name="TextBox 5">
+            <a:extLst>
+              <a:ext uri="{FF2B5EF4-FFF2-40B4-BE49-F238E27FC236}">
+                <a16:creationId xmlns:a16="http://schemas.microsoft.com/office/drawing/2014/main" id="{6047D282-9E60-3196-2929-323535127823}"/>
+              </a:ext>
+            </a:extLst>
+          </p:cNvPr>
+          <p:cNvSpPr txBox="1"/>
+          <p:nvPr/>
+        </p:nvSpPr>
+        <p:spPr>
+          <a:xfrm>
+            <a:off x="559398" y="1215614"/>
+            <a:ext cx="10671586" cy="4924425"/>
+          </a:xfrm>
+          <a:prstGeom prst="rect">
+            <a:avLst/>
+          </a:prstGeom>
+          <a:noFill/>
+        </p:spPr>
+        <p:txBody>
+          <a:bodyPr wrap="square" rtlCol="0">
+            <a:spAutoFit/>
+          </a:bodyPr>
+          <a:lstStyle/>
+          <a:p>
+            <a:r>
+              <a:rPr lang="en-US" sz="1600" b="1" dirty="0"/>
+              <a:t>Data Cleansing</a:t>
+            </a:r>
+          </a:p>
+          <a:p>
+            <a:endParaRPr lang="en-US" sz="1600" b="1" dirty="0"/>
+          </a:p>
+          <a:p>
+            <a:pPr marL="742950" lvl="1" indent="-285750">
+              <a:buFont typeface="Arial" panose="020B0604020202020204" pitchFamily="34" charset="0"/>
+              <a:buChar char="•"/>
+            </a:pPr>
+            <a:r>
+              <a:rPr lang="en-US" sz="1400" dirty="0"/>
+              <a:t>Data has </a:t>
+            </a:r>
+            <a:r>
+              <a:rPr lang="en-IN" sz="1400" dirty="0"/>
+              <a:t>39717 rows and 111 columns</a:t>
+            </a:r>
+          </a:p>
+          <a:p>
+            <a:pPr marL="742950" lvl="1" indent="-285750">
+              <a:buFont typeface="Arial" panose="020B0604020202020204" pitchFamily="34" charset="0"/>
+              <a:buChar char="•"/>
+            </a:pPr>
+            <a:r>
+              <a:rPr lang="en-IN" sz="1400" dirty="0"/>
+              <a:t>For the sake of having a clearer view we set a threshold of 75% non-null values to keep it in scope of analysis</a:t>
+            </a:r>
+          </a:p>
+          <a:p>
+            <a:pPr marL="742950" lvl="1" indent="-285750">
+              <a:buFont typeface="Arial" panose="020B0604020202020204" pitchFamily="34" charset="0"/>
+              <a:buChar char="•"/>
+            </a:pPr>
+            <a:r>
+              <a:rPr lang="en-IN" sz="1400" dirty="0"/>
+              <a:t>On deleting columns with more than 75% null values, 55 columns remain in the scope of analysis</a:t>
+            </a:r>
+          </a:p>
+          <a:p>
+            <a:pPr marL="285750" indent="-285750">
+              <a:buFont typeface="Arial" panose="020B0604020202020204" pitchFamily="34" charset="0"/>
+              <a:buChar char="•"/>
+            </a:pPr>
+            <a:endParaRPr lang="en-IN" sz="1400" dirty="0"/>
+          </a:p>
+          <a:p>
+            <a:pPr marL="742950" lvl="1" indent="-285750">
+              <a:buFont typeface="Arial" panose="020B0604020202020204" pitchFamily="34" charset="0"/>
+              <a:buChar char="•"/>
+            </a:pPr>
+            <a:r>
+              <a:rPr lang="en-IN" sz="1400" dirty="0"/>
+              <a:t>On taking a deeper look at the columns 8 more columns can be dropped,</a:t>
+            </a:r>
+          </a:p>
+          <a:p>
+            <a:pPr marL="1085850" lvl="2" indent="-171450">
+              <a:buFont typeface="Arial" panose="020B0604020202020204" pitchFamily="34" charset="0"/>
+              <a:buChar char="•"/>
+            </a:pPr>
+            <a:r>
+              <a:rPr lang="en-IN" sz="1200" dirty="0"/>
+              <a:t>['pymnt_plan','initial_list_status','collections_12_mths_ex_med','policy_code','application_type','acc_now_delinq','chargeoff_within_12_mths','tax_liens’]</a:t>
+            </a:r>
+          </a:p>
+          <a:p>
+            <a:pPr marL="1085850" lvl="2" indent="-171450">
+              <a:buFont typeface="Arial" panose="020B0604020202020204" pitchFamily="34" charset="0"/>
+              <a:buChar char="•"/>
+            </a:pPr>
+            <a:r>
+              <a:rPr lang="en-IN" sz="1400" dirty="0"/>
+              <a:t>Because all of these columns has one single value in all rows.</a:t>
+            </a:r>
+          </a:p>
+          <a:p>
+            <a:pPr marL="285750" indent="-285750">
+              <a:buFont typeface="Arial" panose="020B0604020202020204" pitchFamily="34" charset="0"/>
+              <a:buChar char="•"/>
+            </a:pPr>
+            <a:endParaRPr lang="en-IN" sz="1400" dirty="0"/>
+          </a:p>
+          <a:p>
+            <a:r>
+              <a:rPr lang="en-IN" sz="1600" b="1" dirty="0"/>
+              <a:t>Null value processing and Derived Columns</a:t>
+            </a:r>
+          </a:p>
+          <a:p>
+            <a:pPr lvl="1"/>
+            <a:endParaRPr lang="en-IN" sz="1400" dirty="0"/>
+          </a:p>
+          <a:p>
+            <a:pPr marL="742950" lvl="1" indent="-285750">
+              <a:buFont typeface="Arial" panose="020B0604020202020204" pitchFamily="34" charset="0"/>
+              <a:buChar char="•"/>
+            </a:pPr>
+            <a:r>
+              <a:rPr lang="en-IN" sz="1400" dirty="0"/>
+              <a:t>Columns: term, </a:t>
+            </a:r>
+            <a:r>
+              <a:rPr lang="en-IN" sz="1400" dirty="0" err="1"/>
+              <a:t>int_rate</a:t>
+            </a:r>
+            <a:r>
+              <a:rPr lang="en-IN" sz="1400" dirty="0"/>
+              <a:t>, </a:t>
+            </a:r>
+            <a:r>
+              <a:rPr lang="en-IN" sz="1400" dirty="0" err="1"/>
+              <a:t>revol_util</a:t>
+            </a:r>
+            <a:r>
+              <a:rPr lang="en-IN" sz="1400" dirty="0"/>
+              <a:t> are object in data set and are be converted to numeric types int64 and float64</a:t>
+            </a:r>
+          </a:p>
+          <a:p>
+            <a:pPr marL="742950" lvl="1" indent="-285750">
+              <a:buFont typeface="Arial" panose="020B0604020202020204" pitchFamily="34" charset="0"/>
+              <a:buChar char="•"/>
+            </a:pPr>
+            <a:r>
+              <a:rPr lang="en-IN" sz="1400" dirty="0" err="1"/>
+              <a:t>emp_length_int</a:t>
+            </a:r>
+            <a:r>
+              <a:rPr lang="en-IN" sz="1400" dirty="0"/>
+              <a:t> (int64) is created from </a:t>
+            </a:r>
+            <a:r>
+              <a:rPr lang="en-IN" sz="1400" dirty="0" err="1"/>
+              <a:t>emp_length</a:t>
+            </a:r>
+            <a:r>
+              <a:rPr lang="en-IN" sz="1400" dirty="0"/>
+              <a:t> (object)</a:t>
+            </a:r>
+          </a:p>
+          <a:p>
+            <a:pPr marL="742950" lvl="1" indent="-285750">
+              <a:buFont typeface="Arial" panose="020B0604020202020204" pitchFamily="34" charset="0"/>
+              <a:buChar char="•"/>
+            </a:pPr>
+            <a:r>
+              <a:rPr lang="en-IN" sz="1400" dirty="0" err="1"/>
+              <a:t>earliest_cr_line</a:t>
+            </a:r>
+            <a:r>
+              <a:rPr lang="en-IN" sz="1400" dirty="0"/>
+              <a:t> is MON_YER (JAN-07) kind of date in data set, converted it to year</a:t>
+            </a:r>
+          </a:p>
+          <a:p>
+            <a:pPr marL="742950" lvl="1" indent="-285750">
+              <a:buFont typeface="Arial" panose="020B0604020202020204" pitchFamily="34" charset="0"/>
+              <a:buChar char="•"/>
+            </a:pPr>
+            <a:r>
+              <a:rPr lang="en-IN" sz="1400" dirty="0" err="1"/>
+              <a:t>pub_rec_bankruptcies</a:t>
+            </a:r>
+            <a:r>
+              <a:rPr lang="en-IN" sz="1400" dirty="0"/>
+              <a:t> </a:t>
+            </a:r>
+            <a:r>
+              <a:rPr lang="en-IN" sz="1400" dirty="0" err="1"/>
+              <a:t>nll</a:t>
+            </a:r>
+            <a:r>
+              <a:rPr lang="en-IN" sz="1400" dirty="0"/>
+              <a:t> values are filled with 0</a:t>
+            </a:r>
+          </a:p>
+          <a:p>
+            <a:pPr marL="742950" lvl="1" indent="-285750">
+              <a:buFont typeface="Arial" panose="020B0604020202020204" pitchFamily="34" charset="0"/>
+              <a:buChar char="•"/>
+            </a:pPr>
+            <a:endParaRPr lang="en-IN" sz="1400" dirty="0"/>
+          </a:p>
+          <a:p>
+            <a:pPr marL="742950" lvl="1" indent="-285750">
+              <a:buFont typeface="Arial" panose="020B0604020202020204" pitchFamily="34" charset="0"/>
+              <a:buChar char="•"/>
+            </a:pPr>
+            <a:endParaRPr lang="en-IN" sz="1400" dirty="0"/>
+          </a:p>
+          <a:p>
+            <a:pPr marL="742950" lvl="1" indent="-285750">
+              <a:buFont typeface="Arial" panose="020B0604020202020204" pitchFamily="34" charset="0"/>
+              <a:buChar char="•"/>
+            </a:pPr>
+            <a:endParaRPr lang="en-IN" sz="1400" dirty="0"/>
+          </a:p>
+          <a:p>
+            <a:pPr marL="628650" lvl="1" indent="-171450">
+              <a:buFont typeface="Arial" panose="020B0604020202020204" pitchFamily="34" charset="0"/>
+              <a:buChar char="•"/>
+            </a:pPr>
+            <a:endParaRPr lang="en-IN" sz="1400" dirty="0"/>
+          </a:p>
+          <a:p>
+            <a:pPr marL="628650" lvl="1" indent="-171450">
+              <a:buFont typeface="Arial" panose="020B0604020202020204" pitchFamily="34" charset="0"/>
+              <a:buChar char="•"/>
+            </a:pPr>
+            <a:endParaRPr lang="en-IN" sz="1400" dirty="0"/>
+          </a:p>
+        </p:txBody>
+      </p:sp>
+    </p:spTree>
+    <p:extLst>
+      <p:ext uri="{BB962C8B-B14F-4D97-AF65-F5344CB8AC3E}">
+        <p14:creationId xmlns:p14="http://schemas.microsoft.com/office/powerpoint/2010/main" val="2122701782"/>
+      </p:ext>
+    </p:extLst>
+  </p:cSld>
+  <p:clrMapOvr>
+    <a:masterClrMapping/>
+  </p:clrMapOvr>
+</p:sld>
+</file>
+
+<file path=ppt/slides/slide3.xml><?xml version="1.0" encoding="utf-8"?>
+<p:sld xmlns:a="http://schemas.openxmlformats.org/drawingml/2006/main" xmlns:r="http://schemas.openxmlformats.org/officeDocument/2006/relationships" xmlns:p="http://schemas.openxmlformats.org/presentationml/2006/main">
+  <p:cSld>
+    <p:spTree>
+      <p:nvGrpSpPr>
+        <p:cNvPr id="1" name=""/>
+        <p:cNvGrpSpPr/>
+        <p:nvPr/>
+      </p:nvGrpSpPr>
+      <p:grpSpPr>
+        <a:xfrm>
+          <a:off x="0" y="0"/>
+          <a:ext cx="0" cy="0"/>
+          <a:chOff x="0" y="0"/>
+          <a:chExt cx="0" cy="0"/>
+        </a:xfrm>
+      </p:grpSpPr>
+    </p:spTree>
+    <p:extLst>
+      <p:ext uri="{BB962C8B-B14F-4D97-AF65-F5344CB8AC3E}">
+        <p14:creationId xmlns:p14="http://schemas.microsoft.com/office/powerpoint/2010/main" val="4172811056"/>
       </p:ext>
     </p:extLst>
   </p:cSld>

--- a/Presentation.pptx
+++ b/Presentation.pptx
@@ -8,6 +8,13 @@
     <p:sldId id="256" r:id="rId2"/>
     <p:sldId id="257" r:id="rId3"/>
     <p:sldId id="258" r:id="rId4"/>
+    <p:sldId id="259" r:id="rId5"/>
+    <p:sldId id="260" r:id="rId6"/>
+    <p:sldId id="261" r:id="rId7"/>
+    <p:sldId id="262" r:id="rId8"/>
+    <p:sldId id="263" r:id="rId9"/>
+    <p:sldId id="265" r:id="rId10"/>
+    <p:sldId id="264" r:id="rId11"/>
   </p:sldIdLst>
   <p:sldSz cx="12192000" cy="6858000"/>
   <p:notesSz cx="6858000" cy="9144000"/>
@@ -3571,6 +3578,71 @@
 </p:sld>
 </file>
 
+<file path=ppt/slides/slide10.xml><?xml version="1.0" encoding="utf-8"?>
+<p:sld xmlns:a="http://schemas.openxmlformats.org/drawingml/2006/main" xmlns:r="http://schemas.openxmlformats.org/officeDocument/2006/relationships" xmlns:p="http://schemas.openxmlformats.org/presentationml/2006/main">
+  <p:cSld>
+    <p:spTree>
+      <p:nvGrpSpPr>
+        <p:cNvPr id="1" name=""/>
+        <p:cNvGrpSpPr/>
+        <p:nvPr/>
+      </p:nvGrpSpPr>
+      <p:grpSpPr>
+        <a:xfrm>
+          <a:off x="0" y="0"/>
+          <a:ext cx="0" cy="0"/>
+          <a:chOff x="0" y="0"/>
+          <a:chExt cx="0" cy="0"/>
+        </a:xfrm>
+      </p:grpSpPr>
+      <p:sp>
+        <p:nvSpPr>
+          <p:cNvPr id="4" name="TextBox 3">
+            <a:extLst>
+              <a:ext uri="{FF2B5EF4-FFF2-40B4-BE49-F238E27FC236}">
+                <a16:creationId xmlns:a16="http://schemas.microsoft.com/office/drawing/2014/main" id="{3BB8BA09-9AF8-43B5-937E-6A82DFE4DEEB}"/>
+              </a:ext>
+            </a:extLst>
+          </p:cNvPr>
+          <p:cNvSpPr txBox="1"/>
+          <p:nvPr/>
+        </p:nvSpPr>
+        <p:spPr>
+          <a:xfrm>
+            <a:off x="283029" y="315686"/>
+            <a:ext cx="1790875" cy="461665"/>
+          </a:xfrm>
+          <a:prstGeom prst="rect">
+            <a:avLst/>
+          </a:prstGeom>
+          <a:noFill/>
+        </p:spPr>
+        <p:txBody>
+          <a:bodyPr wrap="none" rtlCol="0">
+            <a:spAutoFit/>
+          </a:bodyPr>
+          <a:lstStyle/>
+          <a:p>
+            <a:r>
+              <a:rPr lang="en-US" sz="2400" b="1" dirty="0"/>
+              <a:t>Conclusion</a:t>
+            </a:r>
+          </a:p>
+        </p:txBody>
+      </p:sp>
+    </p:spTree>
+    <p:extLst>
+      <p:ext uri="{BB962C8B-B14F-4D97-AF65-F5344CB8AC3E}">
+        <p14:creationId xmlns:p14="http://schemas.microsoft.com/office/powerpoint/2010/main" val="2450946700"/>
+      </p:ext>
+    </p:extLst>
+  </p:cSld>
+  <p:clrMapOvr>
+    <a:masterClrMapping/>
+  </p:clrMapOvr>
+</p:sld>
+</file>
+
 <file path=ppt/slides/slide2.xml><?xml version="1.0" encoding="utf-8"?>
 <p:sld xmlns:a="http://schemas.openxmlformats.org/drawingml/2006/main" xmlns:r="http://schemas.openxmlformats.org/officeDocument/2006/relationships" xmlns:p="http://schemas.openxmlformats.org/presentationml/2006/main">
   <p:cSld>
@@ -3653,7 +3725,7 @@
         </p:nvSpPr>
         <p:spPr>
           <a:xfrm>
-            <a:off x="559398" y="1215614"/>
+            <a:off x="360382" y="1151068"/>
             <a:ext cx="10671586" cy="4924425"/>
           </a:xfrm>
           <a:prstGeom prst="rect">
@@ -3914,10 +3986,1840 @@
           <a:chExt cx="0" cy="0"/>
         </a:xfrm>
       </p:grpSpPr>
+      <p:sp>
+        <p:nvSpPr>
+          <p:cNvPr id="6" name="TextBox 5">
+            <a:extLst>
+              <a:ext uri="{FF2B5EF4-FFF2-40B4-BE49-F238E27FC236}">
+                <a16:creationId xmlns:a16="http://schemas.microsoft.com/office/drawing/2014/main" id="{EA1037F7-0295-538F-E251-A65546440075}"/>
+              </a:ext>
+            </a:extLst>
+          </p:cNvPr>
+          <p:cNvSpPr txBox="1"/>
+          <p:nvPr/>
+        </p:nvSpPr>
+        <p:spPr>
+          <a:xfrm>
+            <a:off x="297836" y="112208"/>
+            <a:ext cx="2862002" cy="461665"/>
+          </a:xfrm>
+          <a:prstGeom prst="rect">
+            <a:avLst/>
+          </a:prstGeom>
+          <a:noFill/>
+        </p:spPr>
+        <p:txBody>
+          <a:bodyPr wrap="none" rtlCol="0">
+            <a:spAutoFit/>
+          </a:bodyPr>
+          <a:lstStyle/>
+          <a:p>
+            <a:r>
+              <a:rPr lang="en-US" sz="2400" b="1" dirty="0"/>
+              <a:t>Univariate Analysis</a:t>
+            </a:r>
+          </a:p>
+        </p:txBody>
+      </p:sp>
+      <p:sp>
+        <p:nvSpPr>
+          <p:cNvPr id="8" name="TextBox 7">
+            <a:extLst>
+              <a:ext uri="{FF2B5EF4-FFF2-40B4-BE49-F238E27FC236}">
+                <a16:creationId xmlns:a16="http://schemas.microsoft.com/office/drawing/2014/main" id="{ED388A41-C9EA-F124-5BAC-DDCC7654431A}"/>
+              </a:ext>
+            </a:extLst>
+          </p:cNvPr>
+          <p:cNvSpPr txBox="1"/>
+          <p:nvPr/>
+        </p:nvSpPr>
+        <p:spPr>
+          <a:xfrm>
+            <a:off x="393068" y="600165"/>
+            <a:ext cx="10822193" cy="2092881"/>
+          </a:xfrm>
+          <a:prstGeom prst="rect">
+            <a:avLst/>
+          </a:prstGeom>
+          <a:noFill/>
+        </p:spPr>
+        <p:txBody>
+          <a:bodyPr wrap="square" rtlCol="0">
+            <a:spAutoFit/>
+          </a:bodyPr>
+          <a:lstStyle/>
+          <a:p>
+            <a:r>
+              <a:rPr lang="en-IN" sz="1400" dirty="0"/>
+              <a:t>Looked at distributions of single variables.</a:t>
+            </a:r>
+          </a:p>
+          <a:p>
+            <a:pPr marL="742950" lvl="1" indent="-285750">
+              <a:buFont typeface="Arial" panose="020B0604020202020204" pitchFamily="34" charset="0"/>
+              <a:buChar char="•"/>
+            </a:pPr>
+            <a:r>
+              <a:rPr lang="en-IN" sz="1400" dirty="0"/>
+              <a:t>Loan Amount Distribution (Histogram): Most loans are $5,000-$15,000, peaking at $10,000. Few above $30,000.</a:t>
+            </a:r>
+          </a:p>
+          <a:p>
+            <a:pPr marL="742950" lvl="1" indent="-285750">
+              <a:buFont typeface="Arial" panose="020B0604020202020204" pitchFamily="34" charset="0"/>
+              <a:buChar char="•"/>
+            </a:pPr>
+            <a:r>
+              <a:rPr lang="en-IN" sz="1400" dirty="0"/>
+              <a:t>Interest Rate Distribution (Histogram): Rates cluster 10-15%, some up to 25%. Shows varied risk pricing</a:t>
+            </a:r>
+          </a:p>
+          <a:p>
+            <a:pPr marL="742950" lvl="1" indent="-285750">
+              <a:buFont typeface="Arial" panose="020B0604020202020204" pitchFamily="34" charset="0"/>
+              <a:buChar char="•"/>
+            </a:pPr>
+            <a:r>
+              <a:rPr lang="en-IN" sz="1400" dirty="0"/>
+              <a:t>Log Annual Income Distribution (Histogram): Peaks around 11 (about $60,000), normal shape after log transform.</a:t>
+            </a:r>
+          </a:p>
+          <a:p>
+            <a:pPr marL="742950" lvl="1" indent="-285750">
+              <a:buFont typeface="Arial" panose="020B0604020202020204" pitchFamily="34" charset="0"/>
+              <a:buChar char="•"/>
+            </a:pPr>
+            <a:r>
+              <a:rPr lang="en-IN" sz="1400" dirty="0"/>
+              <a:t>Home Ownership (Count Plot): Renters highest (~18,000), then mortgage (~16,000), own (~3,000), others negligible.</a:t>
+            </a:r>
+          </a:p>
+          <a:p>
+            <a:pPr marL="742950" lvl="1" indent="-285750">
+              <a:buFont typeface="Arial" panose="020B0604020202020204" pitchFamily="34" charset="0"/>
+              <a:buChar char="•"/>
+            </a:pPr>
+            <a:r>
+              <a:rPr lang="en-IN" sz="1400" dirty="0"/>
+              <a:t>Loan Grade (Count Plot): B most common (~12,000), then A, C decreasing to G</a:t>
+            </a:r>
+          </a:p>
+          <a:p>
+            <a:pPr marL="742950" lvl="1" indent="-285750">
+              <a:buFont typeface="Arial" panose="020B0604020202020204" pitchFamily="34" charset="0"/>
+              <a:buChar char="•"/>
+            </a:pPr>
+            <a:r>
+              <a:rPr lang="en-IN" sz="1400" dirty="0"/>
+              <a:t>26 columns are found to have outliers, summary of outliers is shown in python notebook</a:t>
+            </a:r>
+          </a:p>
+          <a:p>
+            <a:pPr lvl="1"/>
+            <a:endParaRPr lang="en-IN" sz="1400" dirty="0"/>
+          </a:p>
+          <a:p>
+            <a:endParaRPr lang="en-US" dirty="0"/>
+          </a:p>
+        </p:txBody>
+      </p:sp>
+      <p:pic>
+        <p:nvPicPr>
+          <p:cNvPr id="9" name="Picture 8">
+            <a:extLst>
+              <a:ext uri="{FF2B5EF4-FFF2-40B4-BE49-F238E27FC236}">
+                <a16:creationId xmlns:a16="http://schemas.microsoft.com/office/drawing/2014/main" id="{81E9983C-0B69-FAF9-299C-22D87BD8B789}"/>
+              </a:ext>
+            </a:extLst>
+          </p:cNvPr>
+          <p:cNvPicPr>
+            <a:picLocks noChangeAspect="1"/>
+          </p:cNvPicPr>
+          <p:nvPr/>
+        </p:nvPicPr>
+        <p:blipFill>
+          <a:blip r:embed="rId2"/>
+          <a:stretch>
+            <a:fillRect/>
+          </a:stretch>
+        </p:blipFill>
+        <p:spPr>
+          <a:xfrm>
+            <a:off x="297836" y="2440868"/>
+            <a:ext cx="3093142" cy="2111486"/>
+          </a:xfrm>
+          <a:prstGeom prst="rect">
+            <a:avLst/>
+          </a:prstGeom>
+        </p:spPr>
+      </p:pic>
+      <p:pic>
+        <p:nvPicPr>
+          <p:cNvPr id="10" name="Picture 9">
+            <a:extLst>
+              <a:ext uri="{FF2B5EF4-FFF2-40B4-BE49-F238E27FC236}">
+                <a16:creationId xmlns:a16="http://schemas.microsoft.com/office/drawing/2014/main" id="{7B9F61B6-745A-94E4-48B8-9F91BA9369EF}"/>
+              </a:ext>
+            </a:extLst>
+          </p:cNvPr>
+          <p:cNvPicPr>
+            <a:picLocks noChangeAspect="1"/>
+          </p:cNvPicPr>
+          <p:nvPr/>
+        </p:nvPicPr>
+        <p:blipFill>
+          <a:blip r:embed="rId3"/>
+          <a:stretch>
+            <a:fillRect/>
+          </a:stretch>
+        </p:blipFill>
+        <p:spPr>
+          <a:xfrm>
+            <a:off x="3652539" y="2440592"/>
+            <a:ext cx="3313340" cy="2237704"/>
+          </a:xfrm>
+          <a:prstGeom prst="rect">
+            <a:avLst/>
+          </a:prstGeom>
+        </p:spPr>
+      </p:pic>
+      <p:pic>
+        <p:nvPicPr>
+          <p:cNvPr id="11" name="Picture 10">
+            <a:extLst>
+              <a:ext uri="{FF2B5EF4-FFF2-40B4-BE49-F238E27FC236}">
+                <a16:creationId xmlns:a16="http://schemas.microsoft.com/office/drawing/2014/main" id="{80DD41B6-1408-C03F-3089-D2A3D74ECD6D}"/>
+              </a:ext>
+            </a:extLst>
+          </p:cNvPr>
+          <p:cNvPicPr>
+            <a:picLocks noChangeAspect="1"/>
+          </p:cNvPicPr>
+          <p:nvPr/>
+        </p:nvPicPr>
+        <p:blipFill>
+          <a:blip r:embed="rId4"/>
+          <a:stretch>
+            <a:fillRect/>
+          </a:stretch>
+        </p:blipFill>
+        <p:spPr>
+          <a:xfrm>
+            <a:off x="7425617" y="2440592"/>
+            <a:ext cx="3496235" cy="2290287"/>
+          </a:xfrm>
+          <a:prstGeom prst="rect">
+            <a:avLst/>
+          </a:prstGeom>
+        </p:spPr>
+      </p:pic>
+      <p:pic>
+        <p:nvPicPr>
+          <p:cNvPr id="12" name="Picture 11">
+            <a:extLst>
+              <a:ext uri="{FF2B5EF4-FFF2-40B4-BE49-F238E27FC236}">
+                <a16:creationId xmlns:a16="http://schemas.microsoft.com/office/drawing/2014/main" id="{903DBF99-F8BE-052E-E3F0-3484A7BBF5F2}"/>
+              </a:ext>
+            </a:extLst>
+          </p:cNvPr>
+          <p:cNvPicPr>
+            <a:picLocks noChangeAspect="1"/>
+          </p:cNvPicPr>
+          <p:nvPr/>
+        </p:nvPicPr>
+        <p:blipFill>
+          <a:blip r:embed="rId5"/>
+          <a:stretch>
+            <a:fillRect/>
+          </a:stretch>
+        </p:blipFill>
+        <p:spPr>
+          <a:xfrm>
+            <a:off x="522160" y="4730879"/>
+            <a:ext cx="3129983" cy="2068667"/>
+          </a:xfrm>
+          <a:prstGeom prst="rect">
+            <a:avLst/>
+          </a:prstGeom>
+        </p:spPr>
+      </p:pic>
+      <p:pic>
+        <p:nvPicPr>
+          <p:cNvPr id="13" name="Picture 12">
+            <a:extLst>
+              <a:ext uri="{FF2B5EF4-FFF2-40B4-BE49-F238E27FC236}">
+                <a16:creationId xmlns:a16="http://schemas.microsoft.com/office/drawing/2014/main" id="{02CA535B-C546-C3AC-3222-BE9BA287E513}"/>
+              </a:ext>
+            </a:extLst>
+          </p:cNvPr>
+          <p:cNvPicPr>
+            <a:picLocks noChangeAspect="1"/>
+          </p:cNvPicPr>
+          <p:nvPr/>
+        </p:nvPicPr>
+        <p:blipFill>
+          <a:blip r:embed="rId6"/>
+          <a:stretch>
+            <a:fillRect/>
+          </a:stretch>
+        </p:blipFill>
+        <p:spPr>
+          <a:xfrm>
+            <a:off x="7829105" y="4678296"/>
+            <a:ext cx="3092747" cy="2121250"/>
+          </a:xfrm>
+          <a:prstGeom prst="rect">
+            <a:avLst/>
+          </a:prstGeom>
+        </p:spPr>
+      </p:pic>
     </p:spTree>
     <p:extLst>
       <p:ext uri="{BB962C8B-B14F-4D97-AF65-F5344CB8AC3E}">
         <p14:creationId xmlns:p14="http://schemas.microsoft.com/office/powerpoint/2010/main" val="4172811056"/>
+      </p:ext>
+    </p:extLst>
+  </p:cSld>
+  <p:clrMapOvr>
+    <a:masterClrMapping/>
+  </p:clrMapOvr>
+</p:sld>
+</file>
+
+<file path=ppt/slides/slide4.xml><?xml version="1.0" encoding="utf-8"?>
+<p:sld xmlns:a="http://schemas.openxmlformats.org/drawingml/2006/main" xmlns:r="http://schemas.openxmlformats.org/officeDocument/2006/relationships" xmlns:p="http://schemas.openxmlformats.org/presentationml/2006/main">
+  <p:cSld>
+    <p:spTree>
+      <p:nvGrpSpPr>
+        <p:cNvPr id="1" name=""/>
+        <p:cNvGrpSpPr/>
+        <p:nvPr/>
+      </p:nvGrpSpPr>
+      <p:grpSpPr>
+        <a:xfrm>
+          <a:off x="0" y="0"/>
+          <a:ext cx="0" cy="0"/>
+          <a:chOff x="0" y="0"/>
+          <a:chExt cx="0" cy="0"/>
+        </a:xfrm>
+      </p:grpSpPr>
+      <p:sp>
+        <p:nvSpPr>
+          <p:cNvPr id="5" name="TextBox 4">
+            <a:extLst>
+              <a:ext uri="{FF2B5EF4-FFF2-40B4-BE49-F238E27FC236}">
+                <a16:creationId xmlns:a16="http://schemas.microsoft.com/office/drawing/2014/main" id="{0B10A6FD-8B9E-72AA-7936-34C4ED2B265D}"/>
+              </a:ext>
+            </a:extLst>
+          </p:cNvPr>
+          <p:cNvSpPr txBox="1"/>
+          <p:nvPr/>
+        </p:nvSpPr>
+        <p:spPr>
+          <a:xfrm>
+            <a:off x="203498" y="78959"/>
+            <a:ext cx="11526819" cy="1723549"/>
+          </a:xfrm>
+          <a:prstGeom prst="rect">
+            <a:avLst/>
+          </a:prstGeom>
+          <a:noFill/>
+        </p:spPr>
+        <p:txBody>
+          <a:bodyPr wrap="square">
+            <a:spAutoFit/>
+          </a:bodyPr>
+          <a:lstStyle/>
+          <a:p>
+            <a:pPr>
+              <a:buNone/>
+            </a:pPr>
+            <a:r>
+              <a:rPr lang="en-IN" sz="2400" b="1" dirty="0"/>
+              <a:t>Segmented Univariate Analysis</a:t>
+            </a:r>
+          </a:p>
+          <a:p>
+            <a:pPr>
+              <a:buNone/>
+            </a:pPr>
+            <a:endParaRPr lang="en-IN" sz="2400" b="1" dirty="0">
+              <a:solidFill>
+                <a:srgbClr val="000000"/>
+              </a:solidFill>
+              <a:latin typeface="Times New Roman" panose="02020603050405020304" pitchFamily="18" charset="0"/>
+            </a:endParaRPr>
+          </a:p>
+          <a:p>
+            <a:pPr>
+              <a:buNone/>
+            </a:pPr>
+            <a:r>
+              <a:rPr lang="en-IN" sz="1600" b="1" dirty="0"/>
+              <a:t>Distributions split by groups like default status or grade.</a:t>
+            </a:r>
+          </a:p>
+          <a:p>
+            <a:pPr marL="742950" lvl="1" indent="-285750">
+              <a:buFont typeface="Arial" panose="020B0604020202020204" pitchFamily="34" charset="0"/>
+              <a:buChar char="•"/>
+            </a:pPr>
+            <a:r>
+              <a:rPr lang="en-IN" sz="1400" dirty="0"/>
+              <a:t>Loan Amount by Default (Box Plot): Defaulters took larger loans (median ~$12,000) than non-defaulters (~$10,000).</a:t>
+            </a:r>
+            <a:endParaRPr lang="en-IN" sz="1600" b="1" dirty="0"/>
+          </a:p>
+          <a:p>
+            <a:pPr marL="742950" lvl="1" indent="-285750">
+              <a:buFont typeface="Arial" panose="020B0604020202020204" pitchFamily="34" charset="0"/>
+              <a:buChar char="•"/>
+            </a:pPr>
+            <a:r>
+              <a:rPr lang="en-IN" sz="1400" dirty="0"/>
+              <a:t>DTI by Default (Box Plot): Defaulters show higher DTI (median ~17) vs ~15 for paid.</a:t>
+            </a:r>
+          </a:p>
+          <a:p>
+            <a:pPr marL="742950" lvl="1" indent="-285750">
+              <a:buFont typeface="Arial" panose="020B0604020202020204" pitchFamily="34" charset="0"/>
+              <a:buChar char="•"/>
+            </a:pPr>
+            <a:r>
+              <a:rPr lang="en-IN" sz="1400" dirty="0"/>
+              <a:t>Interest Rate by Default (Box Plot): Defaulters had higher rates (median ~15%) vs ~11% for paid.</a:t>
+            </a:r>
+          </a:p>
+        </p:txBody>
+      </p:sp>
+      <p:pic>
+        <p:nvPicPr>
+          <p:cNvPr id="6" name="Picture 5">
+            <a:extLst>
+              <a:ext uri="{FF2B5EF4-FFF2-40B4-BE49-F238E27FC236}">
+                <a16:creationId xmlns:a16="http://schemas.microsoft.com/office/drawing/2014/main" id="{418DAA31-92A9-F643-38CC-EFA12BFC5433}"/>
+              </a:ext>
+            </a:extLst>
+          </p:cNvPr>
+          <p:cNvPicPr>
+            <a:picLocks noChangeAspect="1"/>
+          </p:cNvPicPr>
+          <p:nvPr/>
+        </p:nvPicPr>
+        <p:blipFill>
+          <a:blip r:embed="rId2"/>
+          <a:stretch>
+            <a:fillRect/>
+          </a:stretch>
+        </p:blipFill>
+        <p:spPr>
+          <a:xfrm>
+            <a:off x="203498" y="2117539"/>
+            <a:ext cx="3570119" cy="2333056"/>
+          </a:xfrm>
+          <a:prstGeom prst="rect">
+            <a:avLst/>
+          </a:prstGeom>
+        </p:spPr>
+      </p:pic>
+      <p:pic>
+        <p:nvPicPr>
+          <p:cNvPr id="7" name="Picture 6">
+            <a:extLst>
+              <a:ext uri="{FF2B5EF4-FFF2-40B4-BE49-F238E27FC236}">
+                <a16:creationId xmlns:a16="http://schemas.microsoft.com/office/drawing/2014/main" id="{7A656612-0508-3AE2-989F-D17C5645A779}"/>
+              </a:ext>
+            </a:extLst>
+          </p:cNvPr>
+          <p:cNvPicPr>
+            <a:picLocks noChangeAspect="1"/>
+          </p:cNvPicPr>
+          <p:nvPr/>
+        </p:nvPicPr>
+        <p:blipFill>
+          <a:blip r:embed="rId3"/>
+          <a:stretch>
+            <a:fillRect/>
+          </a:stretch>
+        </p:blipFill>
+        <p:spPr>
+          <a:xfrm>
+            <a:off x="3962400" y="2019300"/>
+            <a:ext cx="3531112" cy="2333056"/>
+          </a:xfrm>
+          <a:prstGeom prst="rect">
+            <a:avLst/>
+          </a:prstGeom>
+        </p:spPr>
+      </p:pic>
+      <p:pic>
+        <p:nvPicPr>
+          <p:cNvPr id="8" name="Picture 7">
+            <a:extLst>
+              <a:ext uri="{FF2B5EF4-FFF2-40B4-BE49-F238E27FC236}">
+                <a16:creationId xmlns:a16="http://schemas.microsoft.com/office/drawing/2014/main" id="{08FEB2A2-D205-AAFF-0E7E-62CFB587D8EE}"/>
+              </a:ext>
+            </a:extLst>
+          </p:cNvPr>
+          <p:cNvPicPr>
+            <a:picLocks noChangeAspect="1"/>
+          </p:cNvPicPr>
+          <p:nvPr/>
+        </p:nvPicPr>
+        <p:blipFill>
+          <a:blip r:embed="rId4"/>
+          <a:stretch>
+            <a:fillRect/>
+          </a:stretch>
+        </p:blipFill>
+        <p:spPr>
+          <a:xfrm>
+            <a:off x="7913914" y="2019301"/>
+            <a:ext cx="3429392" cy="2340182"/>
+          </a:xfrm>
+          <a:prstGeom prst="rect">
+            <a:avLst/>
+          </a:prstGeom>
+        </p:spPr>
+      </p:pic>
+    </p:spTree>
+    <p:extLst>
+      <p:ext uri="{BB962C8B-B14F-4D97-AF65-F5344CB8AC3E}">
+        <p14:creationId xmlns:p14="http://schemas.microsoft.com/office/powerpoint/2010/main" val="2070090503"/>
+      </p:ext>
+    </p:extLst>
+  </p:cSld>
+  <p:clrMapOvr>
+    <a:masterClrMapping/>
+  </p:clrMapOvr>
+</p:sld>
+</file>
+
+<file path=ppt/slides/slide5.xml><?xml version="1.0" encoding="utf-8"?>
+<p:sld xmlns:a="http://schemas.openxmlformats.org/drawingml/2006/main" xmlns:r="http://schemas.openxmlformats.org/officeDocument/2006/relationships" xmlns:p="http://schemas.openxmlformats.org/presentationml/2006/main">
+  <p:cSld>
+    <p:spTree>
+      <p:nvGrpSpPr>
+        <p:cNvPr id="1" name=""/>
+        <p:cNvGrpSpPr/>
+        <p:nvPr/>
+      </p:nvGrpSpPr>
+      <p:grpSpPr>
+        <a:xfrm>
+          <a:off x="0" y="0"/>
+          <a:ext cx="0" cy="0"/>
+          <a:chOff x="0" y="0"/>
+          <a:chExt cx="0" cy="0"/>
+        </a:xfrm>
+      </p:grpSpPr>
+      <p:sp>
+        <p:nvSpPr>
+          <p:cNvPr id="5" name="TextBox 4">
+            <a:extLst>
+              <a:ext uri="{FF2B5EF4-FFF2-40B4-BE49-F238E27FC236}">
+                <a16:creationId xmlns:a16="http://schemas.microsoft.com/office/drawing/2014/main" id="{FEA38BBA-A912-CF21-2702-BC752B70D90A}"/>
+              </a:ext>
+            </a:extLst>
+          </p:cNvPr>
+          <p:cNvSpPr txBox="1"/>
+          <p:nvPr/>
+        </p:nvSpPr>
+        <p:spPr>
+          <a:xfrm>
+            <a:off x="152400" y="16800"/>
+            <a:ext cx="6096000" cy="461665"/>
+          </a:xfrm>
+          <a:prstGeom prst="rect">
+            <a:avLst/>
+          </a:prstGeom>
+          <a:noFill/>
+        </p:spPr>
+        <p:txBody>
+          <a:bodyPr wrap="square">
+            <a:spAutoFit/>
+          </a:bodyPr>
+          <a:lstStyle/>
+          <a:p>
+            <a:r>
+              <a:rPr lang="en-IN" sz="2400" b="1" dirty="0"/>
+              <a:t>Bivariate Analysis</a:t>
+            </a:r>
+          </a:p>
+        </p:txBody>
+      </p:sp>
+      <p:sp>
+        <p:nvSpPr>
+          <p:cNvPr id="6" name="TextBox 5">
+            <a:extLst>
+              <a:ext uri="{FF2B5EF4-FFF2-40B4-BE49-F238E27FC236}">
+                <a16:creationId xmlns:a16="http://schemas.microsoft.com/office/drawing/2014/main" id="{8517EC36-6F7F-79E4-F46C-49DC6C68FD47}"/>
+              </a:ext>
+            </a:extLst>
+          </p:cNvPr>
+          <p:cNvSpPr txBox="1"/>
+          <p:nvPr/>
+        </p:nvSpPr>
+        <p:spPr>
+          <a:xfrm>
+            <a:off x="152400" y="412644"/>
+            <a:ext cx="11778343" cy="2492990"/>
+          </a:xfrm>
+          <a:prstGeom prst="rect">
+            <a:avLst/>
+          </a:prstGeom>
+          <a:noFill/>
+        </p:spPr>
+        <p:txBody>
+          <a:bodyPr wrap="square" rtlCol="0">
+            <a:spAutoFit/>
+          </a:bodyPr>
+          <a:lstStyle/>
+          <a:p>
+            <a:r>
+              <a:rPr lang="en-US" sz="1600" b="1" dirty="0"/>
+              <a:t>Quantitative Variables</a:t>
+            </a:r>
+          </a:p>
+          <a:p>
+            <a:pPr marL="742950" lvl="1" indent="-285750">
+              <a:buFont typeface="Arial" panose="020B0604020202020204" pitchFamily="34" charset="0"/>
+              <a:buChar char="•"/>
+            </a:pPr>
+            <a:r>
+              <a:rPr lang="en-IN" sz="1400" dirty="0"/>
+              <a:t>'</a:t>
+            </a:r>
+            <a:r>
+              <a:rPr lang="en-IN" sz="1400" dirty="0" err="1"/>
+              <a:t>int_rate</a:t>
+            </a:r>
+            <a:r>
+              <a:rPr lang="en-IN" sz="1400" dirty="0"/>
+              <a:t>':</a:t>
+            </a:r>
+          </a:p>
+          <a:p>
+            <a:pPr marL="1200150" lvl="2" indent="-285750">
+              <a:buFont typeface="Arial" panose="020B0604020202020204" pitchFamily="34" charset="0"/>
+              <a:buChar char="•"/>
+            </a:pPr>
+            <a:r>
+              <a:rPr lang="en-IN" sz="1400" dirty="0"/>
+              <a:t>Highest frequency of loans observed in interest range of 10-12.5 % interest rates</a:t>
+            </a:r>
+          </a:p>
+          <a:p>
+            <a:pPr marL="1200150" lvl="2" indent="-285750">
+              <a:buFont typeface="Arial" panose="020B0604020202020204" pitchFamily="34" charset="0"/>
+              <a:buChar char="•"/>
+            </a:pPr>
+            <a:r>
+              <a:rPr lang="en-IN" sz="1400" dirty="0"/>
+              <a:t>Highest loan defaults observed by interest rate range 22.5-25(38%), 20-22.5(33%), 17.5-20 (26%), 15-17.5(22%)</a:t>
+            </a:r>
+          </a:p>
+          <a:p>
+            <a:pPr marL="1200150" lvl="2" indent="-285750">
+              <a:buFont typeface="Arial" panose="020B0604020202020204" pitchFamily="34" charset="0"/>
+              <a:buChar char="•"/>
+            </a:pPr>
+            <a:r>
+              <a:rPr lang="en-IN" sz="1400" dirty="0"/>
+              <a:t>Loans from 15-25 % interest rates are most defaulted</a:t>
+            </a:r>
+          </a:p>
+          <a:p>
+            <a:pPr marL="742950" lvl="1" indent="-285750">
+              <a:buFont typeface="Arial" panose="020B0604020202020204" pitchFamily="34" charset="0"/>
+              <a:buChar char="•"/>
+            </a:pPr>
+            <a:r>
+              <a:rPr lang="en-IN" sz="1400" dirty="0"/>
+              <a:t>'</a:t>
+            </a:r>
+            <a:r>
+              <a:rPr lang="en-IN" sz="1400" dirty="0" err="1"/>
+              <a:t>revol_util</a:t>
+            </a:r>
+            <a:r>
+              <a:rPr lang="en-IN" sz="1400" dirty="0"/>
+              <a:t>':</a:t>
+            </a:r>
+          </a:p>
+          <a:p>
+            <a:pPr marL="1200150" lvl="2" indent="-285750">
+              <a:buFont typeface="Arial" panose="020B0604020202020204" pitchFamily="34" charset="0"/>
+              <a:buChar char="•"/>
+            </a:pPr>
+            <a:r>
+              <a:rPr lang="en-IN" sz="1400" dirty="0"/>
+              <a:t>More charge offs(compared to general data pattern) is observed in range of 50-95</a:t>
+            </a:r>
+          </a:p>
+          <a:p>
+            <a:pPr marL="1200150" lvl="2" indent="-285750">
+              <a:buFont typeface="Arial" panose="020B0604020202020204" pitchFamily="34" charset="0"/>
+              <a:buChar char="•"/>
+            </a:pPr>
+            <a:r>
+              <a:rPr lang="en-IN" sz="1400" dirty="0"/>
+              <a:t>A high revolving balance on a loan means you are carrying over a large p  debt from one month to the next on a revolving credit account, such as a credit card or a revolving line of credit. Instead of paying your balance in full, you are only making minimum payments</a:t>
+            </a:r>
+          </a:p>
+          <a:p>
+            <a:pPr marL="1200150" lvl="2" indent="-285750">
+              <a:buFont typeface="Arial" panose="020B0604020202020204" pitchFamily="34" charset="0"/>
+              <a:buChar char="•"/>
+            </a:pPr>
+            <a:r>
+              <a:rPr lang="en-IN" sz="1400" dirty="0" err="1"/>
+              <a:t>revol_util</a:t>
+            </a:r>
+            <a:r>
+              <a:rPr lang="en-IN" sz="1400" dirty="0"/>
+              <a:t> = </a:t>
+            </a:r>
+            <a:r>
+              <a:rPr lang="en-IN" sz="1400" dirty="0" err="1"/>
+              <a:t>revol_bal</a:t>
+            </a:r>
+            <a:r>
+              <a:rPr lang="en-IN" sz="1400" dirty="0"/>
+              <a:t>/</a:t>
+            </a:r>
+            <a:r>
+              <a:rPr lang="en-IN" sz="1400" dirty="0" err="1"/>
+              <a:t>total_credit</a:t>
+            </a:r>
+            <a:endParaRPr lang="en-IN" sz="1400" dirty="0"/>
+          </a:p>
+          <a:p>
+            <a:endParaRPr lang="en-US" sz="1400" b="1" dirty="0"/>
+          </a:p>
+        </p:txBody>
+      </p:sp>
+      <p:pic>
+        <p:nvPicPr>
+          <p:cNvPr id="11" name="Picture 10">
+            <a:extLst>
+              <a:ext uri="{FF2B5EF4-FFF2-40B4-BE49-F238E27FC236}">
+                <a16:creationId xmlns:a16="http://schemas.microsoft.com/office/drawing/2014/main" id="{7A3959AC-26F0-96F1-0F0F-A10249465862}"/>
+              </a:ext>
+            </a:extLst>
+          </p:cNvPr>
+          <p:cNvPicPr>
+            <a:picLocks noChangeAspect="1"/>
+          </p:cNvPicPr>
+          <p:nvPr/>
+        </p:nvPicPr>
+        <p:blipFill>
+          <a:blip r:embed="rId2"/>
+          <a:stretch>
+            <a:fillRect/>
+          </a:stretch>
+        </p:blipFill>
+        <p:spPr>
+          <a:xfrm>
+            <a:off x="7543802" y="2695782"/>
+            <a:ext cx="2895599" cy="2245977"/>
+          </a:xfrm>
+          <a:prstGeom prst="rect">
+            <a:avLst/>
+          </a:prstGeom>
+        </p:spPr>
+      </p:pic>
+      <p:pic>
+        <p:nvPicPr>
+          <p:cNvPr id="12" name="Picture 11">
+            <a:extLst>
+              <a:ext uri="{FF2B5EF4-FFF2-40B4-BE49-F238E27FC236}">
+                <a16:creationId xmlns:a16="http://schemas.microsoft.com/office/drawing/2014/main" id="{597A0CDA-2AE2-63B4-017B-ED0905B3F88C}"/>
+              </a:ext>
+            </a:extLst>
+          </p:cNvPr>
+          <p:cNvPicPr>
+            <a:picLocks noChangeAspect="1"/>
+          </p:cNvPicPr>
+          <p:nvPr/>
+        </p:nvPicPr>
+        <p:blipFill>
+          <a:blip r:embed="rId3"/>
+          <a:stretch>
+            <a:fillRect/>
+          </a:stretch>
+        </p:blipFill>
+        <p:spPr>
+          <a:xfrm>
+            <a:off x="4000501" y="2710889"/>
+            <a:ext cx="2895599" cy="2230870"/>
+          </a:xfrm>
+          <a:prstGeom prst="rect">
+            <a:avLst/>
+          </a:prstGeom>
+        </p:spPr>
+      </p:pic>
+      <p:pic>
+        <p:nvPicPr>
+          <p:cNvPr id="13" name="Picture 12">
+            <a:extLst>
+              <a:ext uri="{FF2B5EF4-FFF2-40B4-BE49-F238E27FC236}">
+                <a16:creationId xmlns:a16="http://schemas.microsoft.com/office/drawing/2014/main" id="{1BD49124-3B71-F927-9335-F4F9B398835A}"/>
+              </a:ext>
+            </a:extLst>
+          </p:cNvPr>
+          <p:cNvPicPr>
+            <a:picLocks noChangeAspect="1"/>
+          </p:cNvPicPr>
+          <p:nvPr/>
+        </p:nvPicPr>
+        <p:blipFill>
+          <a:blip r:embed="rId4"/>
+          <a:stretch>
+            <a:fillRect/>
+          </a:stretch>
+        </p:blipFill>
+        <p:spPr>
+          <a:xfrm>
+            <a:off x="325055" y="2710888"/>
+            <a:ext cx="2875345" cy="2230871"/>
+          </a:xfrm>
+          <a:prstGeom prst="rect">
+            <a:avLst/>
+          </a:prstGeom>
+        </p:spPr>
+      </p:pic>
+      <p:pic>
+        <p:nvPicPr>
+          <p:cNvPr id="14" name="Picture 13">
+            <a:extLst>
+              <a:ext uri="{FF2B5EF4-FFF2-40B4-BE49-F238E27FC236}">
+                <a16:creationId xmlns:a16="http://schemas.microsoft.com/office/drawing/2014/main" id="{64231C9A-6157-2BC8-8ADC-E98C5D2EF104}"/>
+              </a:ext>
+            </a:extLst>
+          </p:cNvPr>
+          <p:cNvPicPr>
+            <a:picLocks noChangeAspect="1"/>
+          </p:cNvPicPr>
+          <p:nvPr/>
+        </p:nvPicPr>
+        <p:blipFill>
+          <a:blip r:embed="rId5"/>
+          <a:stretch>
+            <a:fillRect/>
+          </a:stretch>
+        </p:blipFill>
+        <p:spPr>
+          <a:xfrm>
+            <a:off x="544286" y="4941760"/>
+            <a:ext cx="2656114" cy="2087612"/>
+          </a:xfrm>
+          <a:prstGeom prst="rect">
+            <a:avLst/>
+          </a:prstGeom>
+        </p:spPr>
+      </p:pic>
+      <p:pic>
+        <p:nvPicPr>
+          <p:cNvPr id="15" name="Picture 14">
+            <a:extLst>
+              <a:ext uri="{FF2B5EF4-FFF2-40B4-BE49-F238E27FC236}">
+                <a16:creationId xmlns:a16="http://schemas.microsoft.com/office/drawing/2014/main" id="{15150063-8EF0-EB93-DC88-2492AA45446A}"/>
+              </a:ext>
+            </a:extLst>
+          </p:cNvPr>
+          <p:cNvPicPr>
+            <a:picLocks noChangeAspect="1"/>
+          </p:cNvPicPr>
+          <p:nvPr/>
+        </p:nvPicPr>
+        <p:blipFill>
+          <a:blip r:embed="rId6"/>
+          <a:stretch>
+            <a:fillRect/>
+          </a:stretch>
+        </p:blipFill>
+        <p:spPr>
+          <a:xfrm>
+            <a:off x="4347014" y="4941759"/>
+            <a:ext cx="2660773" cy="2087612"/>
+          </a:xfrm>
+          <a:prstGeom prst="rect">
+            <a:avLst/>
+          </a:prstGeom>
+        </p:spPr>
+      </p:pic>
+      <p:pic>
+        <p:nvPicPr>
+          <p:cNvPr id="16" name="Picture 15">
+            <a:extLst>
+              <a:ext uri="{FF2B5EF4-FFF2-40B4-BE49-F238E27FC236}">
+                <a16:creationId xmlns:a16="http://schemas.microsoft.com/office/drawing/2014/main" id="{CE2691ED-2595-5CA3-AA5A-F26A5359D936}"/>
+              </a:ext>
+            </a:extLst>
+          </p:cNvPr>
+          <p:cNvPicPr>
+            <a:picLocks noChangeAspect="1"/>
+          </p:cNvPicPr>
+          <p:nvPr/>
+        </p:nvPicPr>
+        <p:blipFill>
+          <a:blip r:embed="rId7"/>
+          <a:stretch>
+            <a:fillRect/>
+          </a:stretch>
+        </p:blipFill>
+        <p:spPr>
+          <a:xfrm>
+            <a:off x="8042714" y="4941759"/>
+            <a:ext cx="2549088" cy="2069421"/>
+          </a:xfrm>
+          <a:prstGeom prst="rect">
+            <a:avLst/>
+          </a:prstGeom>
+        </p:spPr>
+      </p:pic>
+    </p:spTree>
+    <p:extLst>
+      <p:ext uri="{BB962C8B-B14F-4D97-AF65-F5344CB8AC3E}">
+        <p14:creationId xmlns:p14="http://schemas.microsoft.com/office/powerpoint/2010/main" val="3240793984"/>
+      </p:ext>
+    </p:extLst>
+  </p:cSld>
+  <p:clrMapOvr>
+    <a:masterClrMapping/>
+  </p:clrMapOvr>
+</p:sld>
+</file>
+
+<file path=ppt/slides/slide6.xml><?xml version="1.0" encoding="utf-8"?>
+<p:sld xmlns:a="http://schemas.openxmlformats.org/drawingml/2006/main" xmlns:r="http://schemas.openxmlformats.org/officeDocument/2006/relationships" xmlns:p="http://schemas.openxmlformats.org/presentationml/2006/main">
+  <p:cSld>
+    <p:spTree>
+      <p:nvGrpSpPr>
+        <p:cNvPr id="1" name=""/>
+        <p:cNvGrpSpPr/>
+        <p:nvPr/>
+      </p:nvGrpSpPr>
+      <p:grpSpPr>
+        <a:xfrm>
+          <a:off x="0" y="0"/>
+          <a:ext cx="0" cy="0"/>
+          <a:chOff x="0" y="0"/>
+          <a:chExt cx="0" cy="0"/>
+        </a:xfrm>
+      </p:grpSpPr>
+      <p:sp>
+        <p:nvSpPr>
+          <p:cNvPr id="7" name="TextBox 6">
+            <a:extLst>
+              <a:ext uri="{FF2B5EF4-FFF2-40B4-BE49-F238E27FC236}">
+                <a16:creationId xmlns:a16="http://schemas.microsoft.com/office/drawing/2014/main" id="{B21FFE52-F027-D459-1549-9141BD0D1441}"/>
+              </a:ext>
+            </a:extLst>
+          </p:cNvPr>
+          <p:cNvSpPr txBox="1"/>
+          <p:nvPr/>
+        </p:nvSpPr>
+        <p:spPr>
+          <a:xfrm>
+            <a:off x="293914" y="475480"/>
+            <a:ext cx="11658600" cy="5047536"/>
+          </a:xfrm>
+          <a:prstGeom prst="rect">
+            <a:avLst/>
+          </a:prstGeom>
+          <a:noFill/>
+        </p:spPr>
+        <p:txBody>
+          <a:bodyPr wrap="square" rtlCol="0">
+            <a:spAutoFit/>
+          </a:bodyPr>
+          <a:lstStyle/>
+          <a:p>
+            <a:r>
+              <a:rPr lang="en-US" sz="1400" b="1" dirty="0"/>
+              <a:t>-   'term’</a:t>
+            </a:r>
+          </a:p>
+          <a:p>
+            <a:pPr marL="742950" lvl="1" indent="-285750">
+              <a:buFont typeface="Arial" panose="020B0604020202020204" pitchFamily="34" charset="0"/>
+              <a:buChar char="•"/>
+            </a:pPr>
+            <a:r>
+              <a:rPr lang="en-US" sz="1400" dirty="0"/>
+              <a:t>60 Month term loan is more charged off</a:t>
+            </a:r>
+          </a:p>
+          <a:p>
+            <a:pPr marL="742950" lvl="1" indent="-285750">
+              <a:buFont typeface="Arial" panose="020B0604020202020204" pitchFamily="34" charset="0"/>
+              <a:buChar char="•"/>
+            </a:pPr>
+            <a:r>
+              <a:rPr lang="en-US" sz="1400" dirty="0"/>
+              <a:t>General trend is people opt for 36 month loan more hence 36 month loans are more in number as well as more charged off</a:t>
+            </a:r>
+          </a:p>
+          <a:p>
+            <a:pPr marL="742950" lvl="1" indent="-285750">
+              <a:buFont typeface="Arial" panose="020B0604020202020204" pitchFamily="34" charset="0"/>
+              <a:buChar char="•"/>
+            </a:pPr>
+            <a:r>
+              <a:rPr lang="en-US" sz="1400" dirty="0"/>
+              <a:t>General trend is people opt for 36 month loan more hence 36 month loans are more in number as well as more charged off</a:t>
+            </a:r>
+          </a:p>
+          <a:p>
+            <a:pPr marL="742950" lvl="1" indent="-285750">
+              <a:buFont typeface="Arial" panose="020B0604020202020204" pitchFamily="34" charset="0"/>
+              <a:buChar char="•"/>
+            </a:pPr>
+            <a:r>
+              <a:rPr lang="en-US" sz="1400" dirty="0"/>
+              <a:t>But Although 60 month loans are opted less but whoever opts it has more chances of defaulting</a:t>
+            </a:r>
+          </a:p>
+          <a:p>
+            <a:pPr marL="742950" lvl="1" indent="-285750">
+              <a:buFont typeface="Arial" panose="020B0604020202020204" pitchFamily="34" charset="0"/>
+              <a:buChar char="•"/>
+            </a:pPr>
+            <a:r>
+              <a:rPr lang="en-US" sz="1400" dirty="0"/>
+              <a:t>in terms of </a:t>
+            </a:r>
+            <a:r>
+              <a:rPr lang="en-US" sz="1400" dirty="0" err="1"/>
+              <a:t>approx</a:t>
+            </a:r>
+            <a:r>
+              <a:rPr lang="en-US" sz="1400" dirty="0"/>
+              <a:t> ratio </a:t>
+            </a:r>
+            <a:r>
+              <a:rPr lang="en-US" sz="1400" b="1" dirty="0"/>
+              <a:t>36M - 3000/30000 (10%), 60M - 2500/10000 (25%)</a:t>
+            </a:r>
+          </a:p>
+          <a:p>
+            <a:r>
+              <a:rPr lang="en-US" sz="1400" dirty="0"/>
+              <a:t>-   </a:t>
+            </a:r>
+            <a:r>
+              <a:rPr lang="en-US" sz="1400" b="1" dirty="0"/>
+              <a:t>'grade'</a:t>
+            </a:r>
+          </a:p>
+          <a:p>
+            <a:pPr marL="742950" lvl="1" indent="-285750">
+              <a:buFont typeface="Arial" panose="020B0604020202020204" pitchFamily="34" charset="0"/>
+              <a:buChar char="•"/>
+            </a:pPr>
+            <a:r>
+              <a:rPr lang="en-US" sz="1400" dirty="0"/>
+              <a:t>General trend of loans given is B &gt; A &gt; C &gt; D &gt; E &gt; F &gt; G</a:t>
+            </a:r>
+          </a:p>
+          <a:p>
+            <a:pPr marL="742950" lvl="1" indent="-285750">
+              <a:buFont typeface="Arial" panose="020B0604020202020204" pitchFamily="34" charset="0"/>
+              <a:buChar char="•"/>
+            </a:pPr>
+            <a:r>
+              <a:rPr lang="en-US" sz="1400" dirty="0"/>
+              <a:t>Charge off % by grade </a:t>
+            </a:r>
+            <a:r>
+              <a:rPr lang="en-US" sz="1400" b="1" dirty="0"/>
+              <a:t>G(32) &gt; F(30%) &gt; E(25%) &gt; D (21%) &gt; C (16.6%) &gt; B (11.8%) &gt; A (6%)</a:t>
+            </a:r>
+          </a:p>
+          <a:p>
+            <a:pPr marL="742950" lvl="1" indent="-285750">
+              <a:buFont typeface="Arial" panose="020B0604020202020204" pitchFamily="34" charset="0"/>
+              <a:buChar char="•"/>
+            </a:pPr>
+            <a:r>
+              <a:rPr lang="en-US" sz="1400" dirty="0"/>
+              <a:t>80% grade G loans (worst performing) are of 60 months</a:t>
+            </a:r>
+          </a:p>
+          <a:p>
+            <a:pPr marL="742950" lvl="1" indent="-285750">
+              <a:buFont typeface="Arial" panose="020B0604020202020204" pitchFamily="34" charset="0"/>
+              <a:buChar char="•"/>
+            </a:pPr>
+            <a:r>
+              <a:rPr lang="en-US" sz="1400" dirty="0"/>
+              <a:t>mean </a:t>
+            </a:r>
+            <a:r>
+              <a:rPr lang="en-US" sz="1400" dirty="0" err="1"/>
+              <a:t>revol_util</a:t>
+            </a:r>
+            <a:r>
+              <a:rPr lang="en-US" sz="1400" dirty="0"/>
+              <a:t> for grade G loans is 71.4</a:t>
+            </a:r>
+          </a:p>
+          <a:p>
+            <a:pPr marL="742950" lvl="1" indent="-285750">
+              <a:buFont typeface="Arial" panose="020B0604020202020204" pitchFamily="34" charset="0"/>
+              <a:buChar char="•"/>
+            </a:pPr>
+            <a:endParaRPr lang="en-US" sz="1400" dirty="0"/>
+          </a:p>
+          <a:p>
+            <a:r>
+              <a:rPr lang="en-US" sz="1400" dirty="0"/>
+              <a:t>-   </a:t>
+            </a:r>
+            <a:r>
+              <a:rPr lang="en-US" sz="1400" b="1" dirty="0"/>
+              <a:t>'</a:t>
+            </a:r>
+            <a:r>
+              <a:rPr lang="en-US" sz="1400" b="1" dirty="0" err="1"/>
+              <a:t>home_ownership</a:t>
+            </a:r>
+            <a:r>
+              <a:rPr lang="en-US" sz="1400" b="1" dirty="0"/>
+              <a:t>'</a:t>
+            </a:r>
+          </a:p>
+          <a:p>
+            <a:pPr marL="742950" lvl="1" indent="-285750">
+              <a:buFont typeface="Arial" panose="020B0604020202020204" pitchFamily="34" charset="0"/>
+              <a:buChar char="•"/>
+            </a:pPr>
+            <a:r>
+              <a:rPr lang="en-US" sz="1400" dirty="0"/>
+              <a:t>Most charge offs are done by </a:t>
+            </a:r>
+            <a:r>
+              <a:rPr lang="en-US" sz="1400" b="1" dirty="0"/>
+              <a:t>'OTHER' category with 18.4% </a:t>
+            </a:r>
+            <a:r>
+              <a:rPr lang="en-US" sz="1400" dirty="0"/>
+              <a:t>charge off</a:t>
+            </a:r>
+          </a:p>
+          <a:p>
+            <a:pPr marL="742950" lvl="1" indent="-285750">
+              <a:buFont typeface="Arial" panose="020B0604020202020204" pitchFamily="34" charset="0"/>
+              <a:buChar char="•"/>
+            </a:pPr>
+            <a:r>
+              <a:rPr lang="en-US" sz="1400" dirty="0"/>
+              <a:t>OTHER is a confusing category, there is also a NONE, this </a:t>
+            </a:r>
+            <a:r>
+              <a:rPr lang="en-US" sz="1400" b="1" dirty="0"/>
+              <a:t>needs to be clarified if it is conclusive enough.</a:t>
+            </a:r>
+          </a:p>
+          <a:p>
+            <a:r>
+              <a:rPr lang="en-US" sz="1400" dirty="0"/>
+              <a:t>-  </a:t>
+            </a:r>
+            <a:r>
+              <a:rPr lang="en-US" sz="1400" b="1" dirty="0"/>
+              <a:t> 'purpose'</a:t>
+            </a:r>
+          </a:p>
+          <a:p>
+            <a:pPr marL="742950" lvl="1" indent="-285750">
+              <a:buFont typeface="Arial" panose="020B0604020202020204" pitchFamily="34" charset="0"/>
+              <a:buChar char="•"/>
+            </a:pPr>
+            <a:r>
+              <a:rPr lang="en-US" sz="1400" dirty="0"/>
+              <a:t>Most charge offs done by loans with purpose</a:t>
+            </a:r>
+            <a:r>
+              <a:rPr lang="en-US" sz="1400" b="1" dirty="0"/>
+              <a:t>: </a:t>
+            </a:r>
+            <a:r>
+              <a:rPr lang="en-US" sz="1400" b="1" dirty="0" err="1"/>
+              <a:t>small_business</a:t>
+            </a:r>
+            <a:r>
+              <a:rPr lang="en-US" sz="1400" b="1" dirty="0"/>
+              <a:t> with 25% charge offs</a:t>
+            </a:r>
+          </a:p>
+          <a:p>
+            <a:endParaRPr lang="en-US" sz="1400" dirty="0"/>
+          </a:p>
+          <a:p>
+            <a:r>
+              <a:rPr lang="en-US" sz="1400" dirty="0"/>
+              <a:t>-   </a:t>
+            </a:r>
+            <a:r>
+              <a:rPr lang="en-US" sz="1400" b="1" dirty="0"/>
+              <a:t>'</a:t>
+            </a:r>
+            <a:r>
+              <a:rPr lang="en-US" sz="1400" b="1" dirty="0" err="1"/>
+              <a:t>addr_state</a:t>
+            </a:r>
+            <a:r>
+              <a:rPr lang="en-US" sz="1400" b="1" dirty="0"/>
+              <a:t>'</a:t>
+            </a:r>
+          </a:p>
+          <a:p>
+            <a:pPr marL="742950" lvl="1" indent="-285750">
+              <a:buFont typeface="Arial" panose="020B0604020202020204" pitchFamily="34" charset="0"/>
+              <a:buChar char="•"/>
+            </a:pPr>
+            <a:r>
+              <a:rPr lang="en-US" sz="1400" dirty="0"/>
+              <a:t>Most </a:t>
+            </a:r>
+            <a:r>
+              <a:rPr lang="en-US" sz="1400" dirty="0" err="1"/>
+              <a:t>charege</a:t>
+            </a:r>
+            <a:r>
+              <a:rPr lang="en-US" sz="1400" dirty="0"/>
+              <a:t> offs by </a:t>
+            </a:r>
+            <a:r>
+              <a:rPr lang="en-US" sz="1400" b="1" dirty="0"/>
+              <a:t>state - NV at 22% </a:t>
+            </a:r>
+            <a:r>
+              <a:rPr lang="en-US" sz="1400" dirty="0"/>
+              <a:t>deviation from general pattern </a:t>
+            </a:r>
+            <a:r>
+              <a:rPr lang="en-US" sz="1400" dirty="0" err="1"/>
+              <a:t>fo</a:t>
+            </a:r>
+            <a:r>
+              <a:rPr lang="en-US" sz="1400" dirty="0"/>
+              <a:t> 12-17 percent</a:t>
+            </a:r>
+          </a:p>
+          <a:p>
+            <a:endParaRPr lang="en-US" sz="1400" dirty="0"/>
+          </a:p>
+          <a:p>
+            <a:pPr marL="285750" indent="-285750">
+              <a:buFontTx/>
+              <a:buChar char="-"/>
+            </a:pPr>
+            <a:r>
+              <a:rPr lang="en-US" sz="1400" b="1" dirty="0"/>
+              <a:t>'</a:t>
+            </a:r>
+            <a:r>
+              <a:rPr lang="en-US" sz="1400" b="1" dirty="0" err="1"/>
+              <a:t>earliest_cr_line</a:t>
+            </a:r>
+            <a:r>
+              <a:rPr lang="en-US" sz="1400" b="1" dirty="0"/>
+              <a:t>’</a:t>
+            </a:r>
+          </a:p>
+          <a:p>
+            <a:pPr marL="742950" lvl="1" indent="-285750">
+              <a:buFont typeface="Arial" panose="020B0604020202020204" pitchFamily="34" charset="0"/>
+              <a:buChar char="•"/>
+            </a:pPr>
+            <a:r>
+              <a:rPr lang="en-US" sz="1400" dirty="0"/>
+              <a:t>Most defaulting customer started their credit relations </a:t>
+            </a:r>
+            <a:r>
+              <a:rPr lang="en-US" sz="1400" b="1" dirty="0"/>
+              <a:t>in 2007 (20%), 2006(19%), 1973 (18%)</a:t>
+            </a:r>
+          </a:p>
+        </p:txBody>
+      </p:sp>
+      <p:sp>
+        <p:nvSpPr>
+          <p:cNvPr id="9" name="TextBox 8">
+            <a:extLst>
+              <a:ext uri="{FF2B5EF4-FFF2-40B4-BE49-F238E27FC236}">
+                <a16:creationId xmlns:a16="http://schemas.microsoft.com/office/drawing/2014/main" id="{BAE471D5-BE78-B475-EACD-E8098A762254}"/>
+              </a:ext>
+            </a:extLst>
+          </p:cNvPr>
+          <p:cNvSpPr txBox="1"/>
+          <p:nvPr/>
+        </p:nvSpPr>
+        <p:spPr>
+          <a:xfrm>
+            <a:off x="293914" y="0"/>
+            <a:ext cx="2426755" cy="646331"/>
+          </a:xfrm>
+          <a:prstGeom prst="rect">
+            <a:avLst/>
+          </a:prstGeom>
+          <a:noFill/>
+        </p:spPr>
+        <p:txBody>
+          <a:bodyPr wrap="none" rtlCol="0">
+            <a:spAutoFit/>
+          </a:bodyPr>
+          <a:lstStyle/>
+          <a:p>
+            <a:r>
+              <a:rPr lang="en-US" b="1" dirty="0"/>
+              <a:t>Categorical Variables</a:t>
+            </a:r>
+          </a:p>
+          <a:p>
+            <a:endParaRPr lang="en-US" dirty="0"/>
+          </a:p>
+        </p:txBody>
+      </p:sp>
+    </p:spTree>
+    <p:extLst>
+      <p:ext uri="{BB962C8B-B14F-4D97-AF65-F5344CB8AC3E}">
+        <p14:creationId xmlns:p14="http://schemas.microsoft.com/office/powerpoint/2010/main" val="1214522842"/>
+      </p:ext>
+    </p:extLst>
+  </p:cSld>
+  <p:clrMapOvr>
+    <a:masterClrMapping/>
+  </p:clrMapOvr>
+</p:sld>
+</file>
+
+<file path=ppt/slides/slide7.xml><?xml version="1.0" encoding="utf-8"?>
+<p:sld xmlns:a="http://schemas.openxmlformats.org/drawingml/2006/main" xmlns:r="http://schemas.openxmlformats.org/officeDocument/2006/relationships" xmlns:p="http://schemas.openxmlformats.org/presentationml/2006/main">
+  <p:cSld>
+    <p:spTree>
+      <p:nvGrpSpPr>
+        <p:cNvPr id="1" name=""/>
+        <p:cNvGrpSpPr/>
+        <p:nvPr/>
+      </p:nvGrpSpPr>
+      <p:grpSpPr>
+        <a:xfrm>
+          <a:off x="0" y="0"/>
+          <a:ext cx="0" cy="0"/>
+          <a:chOff x="0" y="0"/>
+          <a:chExt cx="0" cy="0"/>
+        </a:xfrm>
+      </p:grpSpPr>
+      <p:sp>
+        <p:nvSpPr>
+          <p:cNvPr id="5" name="TextBox 4">
+            <a:extLst>
+              <a:ext uri="{FF2B5EF4-FFF2-40B4-BE49-F238E27FC236}">
+                <a16:creationId xmlns:a16="http://schemas.microsoft.com/office/drawing/2014/main" id="{F9975C7E-9D2B-5A75-A9DC-98CFBCAC5CB6}"/>
+              </a:ext>
+            </a:extLst>
+          </p:cNvPr>
+          <p:cNvSpPr txBox="1"/>
+          <p:nvPr/>
+        </p:nvSpPr>
+        <p:spPr>
+          <a:xfrm>
+            <a:off x="555171" y="239486"/>
+            <a:ext cx="910377" cy="369332"/>
+          </a:xfrm>
+          <a:prstGeom prst="rect">
+            <a:avLst/>
+          </a:prstGeom>
+          <a:noFill/>
+        </p:spPr>
+        <p:txBody>
+          <a:bodyPr wrap="none" rtlCol="0">
+            <a:spAutoFit/>
+          </a:bodyPr>
+          <a:lstStyle/>
+          <a:p>
+            <a:r>
+              <a:rPr lang="en-US" dirty="0"/>
+              <a:t>Graphs</a:t>
+            </a:r>
+          </a:p>
+        </p:txBody>
+      </p:sp>
+      <p:pic>
+        <p:nvPicPr>
+          <p:cNvPr id="6" name="Picture 5">
+            <a:extLst>
+              <a:ext uri="{FF2B5EF4-FFF2-40B4-BE49-F238E27FC236}">
+                <a16:creationId xmlns:a16="http://schemas.microsoft.com/office/drawing/2014/main" id="{E9F37BCF-A891-B0C9-8674-899CA9FD9F4C}"/>
+              </a:ext>
+            </a:extLst>
+          </p:cNvPr>
+          <p:cNvPicPr>
+            <a:picLocks noChangeAspect="1"/>
+          </p:cNvPicPr>
+          <p:nvPr/>
+        </p:nvPicPr>
+        <p:blipFill>
+          <a:blip r:embed="rId2"/>
+          <a:stretch>
+            <a:fillRect/>
+          </a:stretch>
+        </p:blipFill>
+        <p:spPr>
+          <a:xfrm>
+            <a:off x="0" y="761219"/>
+            <a:ext cx="2982685" cy="2233082"/>
+          </a:xfrm>
+          <a:prstGeom prst="rect">
+            <a:avLst/>
+          </a:prstGeom>
+        </p:spPr>
+      </p:pic>
+      <p:pic>
+        <p:nvPicPr>
+          <p:cNvPr id="7" name="Picture 6">
+            <a:extLst>
+              <a:ext uri="{FF2B5EF4-FFF2-40B4-BE49-F238E27FC236}">
+                <a16:creationId xmlns:a16="http://schemas.microsoft.com/office/drawing/2014/main" id="{0D247022-25A9-334E-1CEE-E93CE79E9476}"/>
+              </a:ext>
+            </a:extLst>
+          </p:cNvPr>
+          <p:cNvPicPr>
+            <a:picLocks noChangeAspect="1"/>
+          </p:cNvPicPr>
+          <p:nvPr/>
+        </p:nvPicPr>
+        <p:blipFill>
+          <a:blip r:embed="rId3"/>
+          <a:stretch>
+            <a:fillRect/>
+          </a:stretch>
+        </p:blipFill>
+        <p:spPr>
+          <a:xfrm>
+            <a:off x="3264807" y="761219"/>
+            <a:ext cx="2831193" cy="2137323"/>
+          </a:xfrm>
+          <a:prstGeom prst="rect">
+            <a:avLst/>
+          </a:prstGeom>
+        </p:spPr>
+      </p:pic>
+      <p:pic>
+        <p:nvPicPr>
+          <p:cNvPr id="8" name="Picture 7">
+            <a:extLst>
+              <a:ext uri="{FF2B5EF4-FFF2-40B4-BE49-F238E27FC236}">
+                <a16:creationId xmlns:a16="http://schemas.microsoft.com/office/drawing/2014/main" id="{29F299A2-3423-1D4F-DEA3-B37F649B801D}"/>
+              </a:ext>
+            </a:extLst>
+          </p:cNvPr>
+          <p:cNvPicPr>
+            <a:picLocks noChangeAspect="1"/>
+          </p:cNvPicPr>
+          <p:nvPr/>
+        </p:nvPicPr>
+        <p:blipFill>
+          <a:blip r:embed="rId4"/>
+          <a:stretch>
+            <a:fillRect/>
+          </a:stretch>
+        </p:blipFill>
+        <p:spPr>
+          <a:xfrm>
+            <a:off x="36646" y="3429000"/>
+            <a:ext cx="3704560" cy="2089328"/>
+          </a:xfrm>
+          <a:prstGeom prst="rect">
+            <a:avLst/>
+          </a:prstGeom>
+        </p:spPr>
+      </p:pic>
+      <p:pic>
+        <p:nvPicPr>
+          <p:cNvPr id="9" name="Picture 8">
+            <a:extLst>
+              <a:ext uri="{FF2B5EF4-FFF2-40B4-BE49-F238E27FC236}">
+                <a16:creationId xmlns:a16="http://schemas.microsoft.com/office/drawing/2014/main" id="{813C157B-5B02-F502-9CB2-108840EFA5E8}"/>
+              </a:ext>
+            </a:extLst>
+          </p:cNvPr>
+          <p:cNvPicPr>
+            <a:picLocks noChangeAspect="1"/>
+          </p:cNvPicPr>
+          <p:nvPr/>
+        </p:nvPicPr>
+        <p:blipFill>
+          <a:blip r:embed="rId5"/>
+          <a:stretch>
+            <a:fillRect/>
+          </a:stretch>
+        </p:blipFill>
+        <p:spPr>
+          <a:xfrm>
+            <a:off x="4142424" y="3446125"/>
+            <a:ext cx="3594311" cy="2072203"/>
+          </a:xfrm>
+          <a:prstGeom prst="rect">
+            <a:avLst/>
+          </a:prstGeom>
+        </p:spPr>
+      </p:pic>
+      <p:pic>
+        <p:nvPicPr>
+          <p:cNvPr id="10" name="Picture 9">
+            <a:extLst>
+              <a:ext uri="{FF2B5EF4-FFF2-40B4-BE49-F238E27FC236}">
+                <a16:creationId xmlns:a16="http://schemas.microsoft.com/office/drawing/2014/main" id="{0831B36D-4DA9-A1E3-F801-E360AE28F449}"/>
+              </a:ext>
+            </a:extLst>
+          </p:cNvPr>
+          <p:cNvPicPr>
+            <a:picLocks noChangeAspect="1"/>
+          </p:cNvPicPr>
+          <p:nvPr/>
+        </p:nvPicPr>
+        <p:blipFill>
+          <a:blip r:embed="rId6"/>
+          <a:stretch>
+            <a:fillRect/>
+          </a:stretch>
+        </p:blipFill>
+        <p:spPr>
+          <a:xfrm>
+            <a:off x="8137953" y="3429000"/>
+            <a:ext cx="3651274" cy="2072203"/>
+          </a:xfrm>
+          <a:prstGeom prst="rect">
+            <a:avLst/>
+          </a:prstGeom>
+        </p:spPr>
+      </p:pic>
+      <p:pic>
+        <p:nvPicPr>
+          <p:cNvPr id="11" name="Picture 10">
+            <a:extLst>
+              <a:ext uri="{FF2B5EF4-FFF2-40B4-BE49-F238E27FC236}">
+                <a16:creationId xmlns:a16="http://schemas.microsoft.com/office/drawing/2014/main" id="{F506992A-1A8E-F833-FFD3-D435658585C6}"/>
+              </a:ext>
+            </a:extLst>
+          </p:cNvPr>
+          <p:cNvPicPr>
+            <a:picLocks noChangeAspect="1"/>
+          </p:cNvPicPr>
+          <p:nvPr/>
+        </p:nvPicPr>
+        <p:blipFill>
+          <a:blip r:embed="rId7"/>
+          <a:stretch>
+            <a:fillRect/>
+          </a:stretch>
+        </p:blipFill>
+        <p:spPr>
+          <a:xfrm>
+            <a:off x="7206342" y="424152"/>
+            <a:ext cx="3362779" cy="2588321"/>
+          </a:xfrm>
+          <a:prstGeom prst="rect">
+            <a:avLst/>
+          </a:prstGeom>
+        </p:spPr>
+      </p:pic>
+    </p:spTree>
+    <p:extLst>
+      <p:ext uri="{BB962C8B-B14F-4D97-AF65-F5344CB8AC3E}">
+        <p14:creationId xmlns:p14="http://schemas.microsoft.com/office/powerpoint/2010/main" val="647899411"/>
+      </p:ext>
+    </p:extLst>
+  </p:cSld>
+  <p:clrMapOvr>
+    <a:masterClrMapping/>
+  </p:clrMapOvr>
+</p:sld>
+</file>
+
+<file path=ppt/slides/slide8.xml><?xml version="1.0" encoding="utf-8"?>
+<p:sld xmlns:a="http://schemas.openxmlformats.org/drawingml/2006/main" xmlns:r="http://schemas.openxmlformats.org/officeDocument/2006/relationships" xmlns:p="http://schemas.openxmlformats.org/presentationml/2006/main">
+  <p:cSld>
+    <p:spTree>
+      <p:nvGrpSpPr>
+        <p:cNvPr id="1" name=""/>
+        <p:cNvGrpSpPr/>
+        <p:nvPr/>
+      </p:nvGrpSpPr>
+      <p:grpSpPr>
+        <a:xfrm>
+          <a:off x="0" y="0"/>
+          <a:ext cx="0" cy="0"/>
+          <a:chOff x="0" y="0"/>
+          <a:chExt cx="0" cy="0"/>
+        </a:xfrm>
+      </p:grpSpPr>
+      <p:pic>
+        <p:nvPicPr>
+          <p:cNvPr id="9" name="Picture 8">
+            <a:extLst>
+              <a:ext uri="{FF2B5EF4-FFF2-40B4-BE49-F238E27FC236}">
+                <a16:creationId xmlns:a16="http://schemas.microsoft.com/office/drawing/2014/main" id="{0363F0A2-C836-2054-DAFB-379E6F0132E1}"/>
+              </a:ext>
+            </a:extLst>
+          </p:cNvPr>
+          <p:cNvPicPr>
+            <a:picLocks noChangeAspect="1"/>
+          </p:cNvPicPr>
+          <p:nvPr/>
+        </p:nvPicPr>
+        <p:blipFill>
+          <a:blip r:embed="rId2"/>
+          <a:stretch>
+            <a:fillRect/>
+          </a:stretch>
+        </p:blipFill>
+        <p:spPr>
+          <a:xfrm>
+            <a:off x="0" y="233570"/>
+            <a:ext cx="5170714" cy="2699312"/>
+          </a:xfrm>
+          <a:prstGeom prst="rect">
+            <a:avLst/>
+          </a:prstGeom>
+        </p:spPr>
+      </p:pic>
+      <p:pic>
+        <p:nvPicPr>
+          <p:cNvPr id="10" name="Picture 9">
+            <a:extLst>
+              <a:ext uri="{FF2B5EF4-FFF2-40B4-BE49-F238E27FC236}">
+                <a16:creationId xmlns:a16="http://schemas.microsoft.com/office/drawing/2014/main" id="{8340E38B-E7EE-6F7B-8BA1-EB781ED2F995}"/>
+              </a:ext>
+            </a:extLst>
+          </p:cNvPr>
+          <p:cNvPicPr>
+            <a:picLocks noChangeAspect="1"/>
+          </p:cNvPicPr>
+          <p:nvPr/>
+        </p:nvPicPr>
+        <p:blipFill>
+          <a:blip r:embed="rId3"/>
+          <a:stretch>
+            <a:fillRect/>
+          </a:stretch>
+        </p:blipFill>
+        <p:spPr>
+          <a:xfrm>
+            <a:off x="6029695" y="395566"/>
+            <a:ext cx="5040582" cy="2537316"/>
+          </a:xfrm>
+          <a:prstGeom prst="rect">
+            <a:avLst/>
+          </a:prstGeom>
+        </p:spPr>
+      </p:pic>
+      <p:pic>
+        <p:nvPicPr>
+          <p:cNvPr id="11" name="Picture 10">
+            <a:extLst>
+              <a:ext uri="{FF2B5EF4-FFF2-40B4-BE49-F238E27FC236}">
+                <a16:creationId xmlns:a16="http://schemas.microsoft.com/office/drawing/2014/main" id="{70B3AD5B-8D42-7478-FB34-E2A089D107B2}"/>
+              </a:ext>
+            </a:extLst>
+          </p:cNvPr>
+          <p:cNvPicPr>
+            <a:picLocks noChangeAspect="1"/>
+          </p:cNvPicPr>
+          <p:nvPr/>
+        </p:nvPicPr>
+        <p:blipFill>
+          <a:blip r:embed="rId4"/>
+          <a:stretch>
+            <a:fillRect/>
+          </a:stretch>
+        </p:blipFill>
+        <p:spPr>
+          <a:xfrm>
+            <a:off x="3015343" y="3522305"/>
+            <a:ext cx="5464629" cy="2626833"/>
+          </a:xfrm>
+          <a:prstGeom prst="rect">
+            <a:avLst/>
+          </a:prstGeom>
+        </p:spPr>
+      </p:pic>
+    </p:spTree>
+    <p:extLst>
+      <p:ext uri="{BB962C8B-B14F-4D97-AF65-F5344CB8AC3E}">
+        <p14:creationId xmlns:p14="http://schemas.microsoft.com/office/powerpoint/2010/main" val="4273900342"/>
+      </p:ext>
+    </p:extLst>
+  </p:cSld>
+  <p:clrMapOvr>
+    <a:masterClrMapping/>
+  </p:clrMapOvr>
+</p:sld>
+</file>
+
+<file path=ppt/slides/slide9.xml><?xml version="1.0" encoding="utf-8"?>
+<p:sld xmlns:a="http://schemas.openxmlformats.org/drawingml/2006/main" xmlns:r="http://schemas.openxmlformats.org/officeDocument/2006/relationships" xmlns:p="http://schemas.openxmlformats.org/presentationml/2006/main">
+  <p:cSld>
+    <p:spTree>
+      <p:nvGrpSpPr>
+        <p:cNvPr id="1" name=""/>
+        <p:cNvGrpSpPr/>
+        <p:nvPr/>
+      </p:nvGrpSpPr>
+      <p:grpSpPr>
+        <a:xfrm>
+          <a:off x="0" y="0"/>
+          <a:ext cx="0" cy="0"/>
+          <a:chOff x="0" y="0"/>
+          <a:chExt cx="0" cy="0"/>
+        </a:xfrm>
+      </p:grpSpPr>
+      <p:pic>
+        <p:nvPicPr>
+          <p:cNvPr id="5" name="Picture 4">
+            <a:extLst>
+              <a:ext uri="{FF2B5EF4-FFF2-40B4-BE49-F238E27FC236}">
+                <a16:creationId xmlns:a16="http://schemas.microsoft.com/office/drawing/2014/main" id="{62EC973B-6D88-FF2C-0CB1-43DB11B720A2}"/>
+              </a:ext>
+            </a:extLst>
+          </p:cNvPr>
+          <p:cNvPicPr>
+            <a:picLocks noChangeAspect="1"/>
+          </p:cNvPicPr>
+          <p:nvPr/>
+        </p:nvPicPr>
+        <p:blipFill>
+          <a:blip r:embed="rId2"/>
+          <a:stretch>
+            <a:fillRect/>
+          </a:stretch>
+        </p:blipFill>
+        <p:spPr>
+          <a:xfrm>
+            <a:off x="1292677" y="2572745"/>
+            <a:ext cx="3758293" cy="3772719"/>
+          </a:xfrm>
+          <a:prstGeom prst="rect">
+            <a:avLst/>
+          </a:prstGeom>
+        </p:spPr>
+      </p:pic>
+      <p:pic>
+        <p:nvPicPr>
+          <p:cNvPr id="6" name="Picture 5">
+            <a:extLst>
+              <a:ext uri="{FF2B5EF4-FFF2-40B4-BE49-F238E27FC236}">
+                <a16:creationId xmlns:a16="http://schemas.microsoft.com/office/drawing/2014/main" id="{8C0B31FD-8220-8C98-BA09-6A35D23CF776}"/>
+              </a:ext>
+            </a:extLst>
+          </p:cNvPr>
+          <p:cNvPicPr>
+            <a:picLocks noChangeAspect="1"/>
+          </p:cNvPicPr>
+          <p:nvPr/>
+        </p:nvPicPr>
+        <p:blipFill>
+          <a:blip r:embed="rId3"/>
+          <a:stretch>
+            <a:fillRect/>
+          </a:stretch>
+        </p:blipFill>
+        <p:spPr>
+          <a:xfrm>
+            <a:off x="6096000" y="2572744"/>
+            <a:ext cx="4634143" cy="3772719"/>
+          </a:xfrm>
+          <a:prstGeom prst="rect">
+            <a:avLst/>
+          </a:prstGeom>
+        </p:spPr>
+      </p:pic>
+      <p:sp>
+        <p:nvSpPr>
+          <p:cNvPr id="7" name="TextBox 6">
+            <a:extLst>
+              <a:ext uri="{FF2B5EF4-FFF2-40B4-BE49-F238E27FC236}">
+                <a16:creationId xmlns:a16="http://schemas.microsoft.com/office/drawing/2014/main" id="{FA1DD6CF-3205-5544-C097-D76A268AA658}"/>
+              </a:ext>
+            </a:extLst>
+          </p:cNvPr>
+          <p:cNvSpPr txBox="1"/>
+          <p:nvPr/>
+        </p:nvSpPr>
+        <p:spPr>
+          <a:xfrm>
+            <a:off x="718457" y="381000"/>
+            <a:ext cx="9622972" cy="1200329"/>
+          </a:xfrm>
+          <a:prstGeom prst="rect">
+            <a:avLst/>
+          </a:prstGeom>
+          <a:noFill/>
+        </p:spPr>
+        <p:txBody>
+          <a:bodyPr wrap="square" rtlCol="0">
+            <a:spAutoFit/>
+          </a:bodyPr>
+          <a:lstStyle/>
+          <a:p>
+            <a:pPr marL="285750" indent="-285750">
+              <a:buFont typeface="Arial" panose="020B0604020202020204" pitchFamily="34" charset="0"/>
+              <a:buChar char="•"/>
+            </a:pPr>
+            <a:r>
+              <a:rPr lang="en-US" dirty="0"/>
+              <a:t>Interest rate ranges from, 15-25 has highest default ranges</a:t>
+            </a:r>
+          </a:p>
+          <a:p>
+            <a:pPr marL="285750" indent="-285750">
+              <a:buFont typeface="Arial" panose="020B0604020202020204" pitchFamily="34" charset="0"/>
+              <a:buChar char="•"/>
+            </a:pPr>
+            <a:r>
+              <a:rPr lang="en-US" dirty="0"/>
+              <a:t>May be the interest rates are high due to </a:t>
+            </a:r>
+            <a:r>
+              <a:rPr lang="en-US" dirty="0" err="1"/>
+              <a:t>revol_util</a:t>
+            </a:r>
+            <a:r>
+              <a:rPr lang="en-US" dirty="0"/>
+              <a:t> of customer</a:t>
+            </a:r>
+          </a:p>
+          <a:p>
+            <a:pPr marL="285750" indent="-285750">
+              <a:buFont typeface="Arial" panose="020B0604020202020204" pitchFamily="34" charset="0"/>
+              <a:buChar char="•"/>
+            </a:pPr>
+            <a:r>
+              <a:rPr lang="en-US" dirty="0"/>
+              <a:t>But high interest rates are also observed with high loan amounts</a:t>
+            </a:r>
+          </a:p>
+          <a:p>
+            <a:pPr marL="742950" lvl="1" indent="-285750">
+              <a:buFont typeface="Arial" panose="020B0604020202020204" pitchFamily="34" charset="0"/>
+              <a:buChar char="•"/>
+            </a:pPr>
+            <a:r>
+              <a:rPr lang="en-US" dirty="0"/>
+              <a:t>Loans at higher risk of default are exposing more money at risk</a:t>
+            </a:r>
+          </a:p>
+        </p:txBody>
+      </p:sp>
+    </p:spTree>
+    <p:extLst>
+      <p:ext uri="{BB962C8B-B14F-4D97-AF65-F5344CB8AC3E}">
+        <p14:creationId xmlns:p14="http://schemas.microsoft.com/office/powerpoint/2010/main" val="1732107542"/>
       </p:ext>
     </p:extLst>
   </p:cSld>

--- a/Presentation.pptx
+++ b/Presentation.pptx
@@ -10,11 +10,13 @@
     <p:sldId id="258" r:id="rId4"/>
     <p:sldId id="259" r:id="rId5"/>
     <p:sldId id="260" r:id="rId6"/>
-    <p:sldId id="261" r:id="rId7"/>
-    <p:sldId id="262" r:id="rId8"/>
-    <p:sldId id="263" r:id="rId9"/>
-    <p:sldId id="265" r:id="rId10"/>
-    <p:sldId id="264" r:id="rId11"/>
+    <p:sldId id="267" r:id="rId7"/>
+    <p:sldId id="261" r:id="rId8"/>
+    <p:sldId id="262" r:id="rId9"/>
+    <p:sldId id="266" r:id="rId10"/>
+    <p:sldId id="263" r:id="rId11"/>
+    <p:sldId id="265" r:id="rId12"/>
+    <p:sldId id="264" r:id="rId13"/>
   </p:sldIdLst>
   <p:sldSz cx="12192000" cy="6858000"/>
   <p:notesSz cx="6858000" cy="9144000"/>
@@ -270,7 +272,7 @@
           <a:p>
             <a:fld id="{C3468644-2C69-0646-BFEF-D0A1E2D8E829}" type="datetimeFigureOut">
               <a:rPr lang="en-US" smtClean="0"/>
-              <a:t>10/6/25</a:t>
+              <a:t>10/7/25</a:t>
             </a:fld>
             <a:endParaRPr lang="en-US"/>
           </a:p>
@@ -470,7 +472,7 @@
           <a:p>
             <a:fld id="{C3468644-2C69-0646-BFEF-D0A1E2D8E829}" type="datetimeFigureOut">
               <a:rPr lang="en-US" smtClean="0"/>
-              <a:t>10/6/25</a:t>
+              <a:t>10/7/25</a:t>
             </a:fld>
             <a:endParaRPr lang="en-US"/>
           </a:p>
@@ -680,7 +682,7 @@
           <a:p>
             <a:fld id="{C3468644-2C69-0646-BFEF-D0A1E2D8E829}" type="datetimeFigureOut">
               <a:rPr lang="en-US" smtClean="0"/>
-              <a:t>10/6/25</a:t>
+              <a:t>10/7/25</a:t>
             </a:fld>
             <a:endParaRPr lang="en-US"/>
           </a:p>
@@ -880,7 +882,7 @@
           <a:p>
             <a:fld id="{C3468644-2C69-0646-BFEF-D0A1E2D8E829}" type="datetimeFigureOut">
               <a:rPr lang="en-US" smtClean="0"/>
-              <a:t>10/6/25</a:t>
+              <a:t>10/7/25</a:t>
             </a:fld>
             <a:endParaRPr lang="en-US"/>
           </a:p>
@@ -1156,7 +1158,7 @@
           <a:p>
             <a:fld id="{C3468644-2C69-0646-BFEF-D0A1E2D8E829}" type="datetimeFigureOut">
               <a:rPr lang="en-US" smtClean="0"/>
-              <a:t>10/6/25</a:t>
+              <a:t>10/7/25</a:t>
             </a:fld>
             <a:endParaRPr lang="en-US"/>
           </a:p>
@@ -1424,7 +1426,7 @@
           <a:p>
             <a:fld id="{C3468644-2C69-0646-BFEF-D0A1E2D8E829}" type="datetimeFigureOut">
               <a:rPr lang="en-US" smtClean="0"/>
-              <a:t>10/6/25</a:t>
+              <a:t>10/7/25</a:t>
             </a:fld>
             <a:endParaRPr lang="en-US"/>
           </a:p>
@@ -1839,7 +1841,7 @@
           <a:p>
             <a:fld id="{C3468644-2C69-0646-BFEF-D0A1E2D8E829}" type="datetimeFigureOut">
               <a:rPr lang="en-US" smtClean="0"/>
-              <a:t>10/6/25</a:t>
+              <a:t>10/7/25</a:t>
             </a:fld>
             <a:endParaRPr lang="en-US"/>
           </a:p>
@@ -1981,7 +1983,7 @@
           <a:p>
             <a:fld id="{C3468644-2C69-0646-BFEF-D0A1E2D8E829}" type="datetimeFigureOut">
               <a:rPr lang="en-US" smtClean="0"/>
-              <a:t>10/6/25</a:t>
+              <a:t>10/7/25</a:t>
             </a:fld>
             <a:endParaRPr lang="en-US"/>
           </a:p>
@@ -2094,7 +2096,7 @@
           <a:p>
             <a:fld id="{C3468644-2C69-0646-BFEF-D0A1E2D8E829}" type="datetimeFigureOut">
               <a:rPr lang="en-US" smtClean="0"/>
-              <a:t>10/6/25</a:t>
+              <a:t>10/7/25</a:t>
             </a:fld>
             <a:endParaRPr lang="en-US"/>
           </a:p>
@@ -2407,7 +2409,7 @@
           <a:p>
             <a:fld id="{C3468644-2C69-0646-BFEF-D0A1E2D8E829}" type="datetimeFigureOut">
               <a:rPr lang="en-US" smtClean="0"/>
-              <a:t>10/6/25</a:t>
+              <a:t>10/7/25</a:t>
             </a:fld>
             <a:endParaRPr lang="en-US"/>
           </a:p>
@@ -2696,7 +2698,7 @@
           <a:p>
             <a:fld id="{C3468644-2C69-0646-BFEF-D0A1E2D8E829}" type="datetimeFigureOut">
               <a:rPr lang="en-US" smtClean="0"/>
-              <a:t>10/6/25</a:t>
+              <a:t>10/7/25</a:t>
             </a:fld>
             <a:endParaRPr lang="en-US"/>
           </a:p>
@@ -2939,7 +2941,7 @@
           <a:p>
             <a:fld id="{C3468644-2C69-0646-BFEF-D0A1E2D8E829}" type="datetimeFigureOut">
               <a:rPr lang="en-US" smtClean="0"/>
-              <a:t>10/6/25</a:t>
+              <a:t>10/7/25</a:t>
             </a:fld>
             <a:endParaRPr lang="en-US"/>
           </a:p>
@@ -3440,7 +3442,7 @@
         </p:nvSpPr>
         <p:spPr>
           <a:xfrm>
-            <a:off x="575534" y="1688951"/>
+            <a:off x="727934" y="1413063"/>
             <a:ext cx="9893542" cy="4031873"/>
           </a:xfrm>
           <a:prstGeom prst="rect">
@@ -3501,7 +3503,7 @@
           <a:p>
             <a:r>
               <a:rPr lang="en-US" sz="1400" dirty="0"/>
-              <a:t>To optimize the decision of approving loan in order to:</a:t>
+              <a:t>To optimize the decision of approving loan in order to :</a:t>
             </a:r>
           </a:p>
           <a:p>
@@ -3595,12 +3597,102 @@
           <a:chExt cx="0" cy="0"/>
         </a:xfrm>
       </p:grpSpPr>
-      <p:sp>
-        <p:nvSpPr>
-          <p:cNvPr id="4" name="TextBox 3">
-            <a:extLst>
-              <a:ext uri="{FF2B5EF4-FFF2-40B4-BE49-F238E27FC236}">
-                <a16:creationId xmlns:a16="http://schemas.microsoft.com/office/drawing/2014/main" id="{3BB8BA09-9AF8-43B5-937E-6A82DFE4DEEB}"/>
+      <p:pic>
+        <p:nvPicPr>
+          <p:cNvPr id="9" name="Picture 8">
+            <a:extLst>
+              <a:ext uri="{FF2B5EF4-FFF2-40B4-BE49-F238E27FC236}">
+                <a16:creationId xmlns:a16="http://schemas.microsoft.com/office/drawing/2014/main" id="{0363F0A2-C836-2054-DAFB-379E6F0132E1}"/>
+              </a:ext>
+            </a:extLst>
+          </p:cNvPr>
+          <p:cNvPicPr>
+            <a:picLocks noChangeAspect="1"/>
+          </p:cNvPicPr>
+          <p:nvPr/>
+        </p:nvPicPr>
+        <p:blipFill>
+          <a:blip r:embed="rId2"/>
+          <a:stretch>
+            <a:fillRect/>
+          </a:stretch>
+        </p:blipFill>
+        <p:spPr>
+          <a:xfrm>
+            <a:off x="0" y="233570"/>
+            <a:ext cx="5170714" cy="2699312"/>
+          </a:xfrm>
+          <a:prstGeom prst="rect">
+            <a:avLst/>
+          </a:prstGeom>
+        </p:spPr>
+      </p:pic>
+      <p:pic>
+        <p:nvPicPr>
+          <p:cNvPr id="10" name="Picture 9">
+            <a:extLst>
+              <a:ext uri="{FF2B5EF4-FFF2-40B4-BE49-F238E27FC236}">
+                <a16:creationId xmlns:a16="http://schemas.microsoft.com/office/drawing/2014/main" id="{8340E38B-E7EE-6F7B-8BA1-EB781ED2F995}"/>
+              </a:ext>
+            </a:extLst>
+          </p:cNvPr>
+          <p:cNvPicPr>
+            <a:picLocks noChangeAspect="1"/>
+          </p:cNvPicPr>
+          <p:nvPr/>
+        </p:nvPicPr>
+        <p:blipFill>
+          <a:blip r:embed="rId3"/>
+          <a:stretch>
+            <a:fillRect/>
+          </a:stretch>
+        </p:blipFill>
+        <p:spPr>
+          <a:xfrm>
+            <a:off x="6029695" y="395566"/>
+            <a:ext cx="5040582" cy="2537316"/>
+          </a:xfrm>
+          <a:prstGeom prst="rect">
+            <a:avLst/>
+          </a:prstGeom>
+        </p:spPr>
+      </p:pic>
+      <p:pic>
+        <p:nvPicPr>
+          <p:cNvPr id="11" name="Picture 10">
+            <a:extLst>
+              <a:ext uri="{FF2B5EF4-FFF2-40B4-BE49-F238E27FC236}">
+                <a16:creationId xmlns:a16="http://schemas.microsoft.com/office/drawing/2014/main" id="{70B3AD5B-8D42-7478-FB34-E2A089D107B2}"/>
+              </a:ext>
+            </a:extLst>
+          </p:cNvPr>
+          <p:cNvPicPr>
+            <a:picLocks noChangeAspect="1"/>
+          </p:cNvPicPr>
+          <p:nvPr/>
+        </p:nvPicPr>
+        <p:blipFill>
+          <a:blip r:embed="rId4"/>
+          <a:stretch>
+            <a:fillRect/>
+          </a:stretch>
+        </p:blipFill>
+        <p:spPr>
+          <a:xfrm>
+            <a:off x="2939143" y="3074630"/>
+            <a:ext cx="5464629" cy="2626833"/>
+          </a:xfrm>
+          <a:prstGeom prst="rect">
+            <a:avLst/>
+          </a:prstGeom>
+        </p:spPr>
+      </p:pic>
+      <p:sp>
+        <p:nvSpPr>
+          <p:cNvPr id="2" name="TextBox 1">
+            <a:extLst>
+              <a:ext uri="{FF2B5EF4-FFF2-40B4-BE49-F238E27FC236}">
+                <a16:creationId xmlns:a16="http://schemas.microsoft.com/office/drawing/2014/main" id="{407780C1-93B4-8035-411F-1317D5EE31B8}"/>
               </a:ext>
             </a:extLst>
           </p:cNvPr>
@@ -3609,8 +3701,8 @@
         </p:nvSpPr>
         <p:spPr>
           <a:xfrm>
-            <a:off x="283029" y="315686"/>
-            <a:ext cx="1790875" cy="461665"/>
+            <a:off x="3067050" y="6324600"/>
+            <a:ext cx="7016601" cy="369332"/>
           </a:xfrm>
           <a:prstGeom prst="rect">
             <a:avLst/>
@@ -3624,9 +3716,533 @@
           <a:lstStyle/>
           <a:p>
             <a:r>
+              <a:rPr lang="en-US" dirty="0"/>
+              <a:t>‘purpose’ small business is the riskiest category with 25% charge offs</a:t>
+            </a:r>
+          </a:p>
+        </p:txBody>
+      </p:sp>
+    </p:spTree>
+    <p:extLst>
+      <p:ext uri="{BB962C8B-B14F-4D97-AF65-F5344CB8AC3E}">
+        <p14:creationId xmlns:p14="http://schemas.microsoft.com/office/powerpoint/2010/main" val="4273900342"/>
+      </p:ext>
+    </p:extLst>
+  </p:cSld>
+  <p:clrMapOvr>
+    <a:masterClrMapping/>
+  </p:clrMapOvr>
+</p:sld>
+</file>
+
+<file path=ppt/slides/slide11.xml><?xml version="1.0" encoding="utf-8"?>
+<p:sld xmlns:a="http://schemas.openxmlformats.org/drawingml/2006/main" xmlns:r="http://schemas.openxmlformats.org/officeDocument/2006/relationships" xmlns:p="http://schemas.openxmlformats.org/presentationml/2006/main">
+  <p:cSld>
+    <p:spTree>
+      <p:nvGrpSpPr>
+        <p:cNvPr id="1" name=""/>
+        <p:cNvGrpSpPr/>
+        <p:nvPr/>
+      </p:nvGrpSpPr>
+      <p:grpSpPr>
+        <a:xfrm>
+          <a:off x="0" y="0"/>
+          <a:ext cx="0" cy="0"/>
+          <a:chOff x="0" y="0"/>
+          <a:chExt cx="0" cy="0"/>
+        </a:xfrm>
+      </p:grpSpPr>
+      <p:pic>
+        <p:nvPicPr>
+          <p:cNvPr id="6" name="Picture 5">
+            <a:extLst>
+              <a:ext uri="{FF2B5EF4-FFF2-40B4-BE49-F238E27FC236}">
+                <a16:creationId xmlns:a16="http://schemas.microsoft.com/office/drawing/2014/main" id="{8C0B31FD-8220-8C98-BA09-6A35D23CF776}"/>
+              </a:ext>
+            </a:extLst>
+          </p:cNvPr>
+          <p:cNvPicPr>
+            <a:picLocks noChangeAspect="1"/>
+          </p:cNvPicPr>
+          <p:nvPr/>
+        </p:nvPicPr>
+        <p:blipFill>
+          <a:blip r:embed="rId2"/>
+          <a:stretch>
+            <a:fillRect/>
+          </a:stretch>
+        </p:blipFill>
+        <p:spPr>
+          <a:xfrm>
+            <a:off x="6096000" y="2572744"/>
+            <a:ext cx="4634143" cy="3772719"/>
+          </a:xfrm>
+          <a:prstGeom prst="rect">
+            <a:avLst/>
+          </a:prstGeom>
+        </p:spPr>
+      </p:pic>
+      <p:sp>
+        <p:nvSpPr>
+          <p:cNvPr id="7" name="TextBox 6">
+            <a:extLst>
+              <a:ext uri="{FF2B5EF4-FFF2-40B4-BE49-F238E27FC236}">
+                <a16:creationId xmlns:a16="http://schemas.microsoft.com/office/drawing/2014/main" id="{FA1DD6CF-3205-5544-C097-D76A268AA658}"/>
+              </a:ext>
+            </a:extLst>
+          </p:cNvPr>
+          <p:cNvSpPr txBox="1"/>
+          <p:nvPr/>
+        </p:nvSpPr>
+        <p:spPr>
+          <a:xfrm>
+            <a:off x="718457" y="381000"/>
+            <a:ext cx="9622972" cy="1200329"/>
+          </a:xfrm>
+          <a:prstGeom prst="rect">
+            <a:avLst/>
+          </a:prstGeom>
+          <a:noFill/>
+        </p:spPr>
+        <p:txBody>
+          <a:bodyPr wrap="square" rtlCol="0">
+            <a:spAutoFit/>
+          </a:bodyPr>
+          <a:lstStyle/>
+          <a:p>
+            <a:pPr marL="285750" indent="-285750">
+              <a:buFont typeface="Arial" panose="020B0604020202020204" pitchFamily="34" charset="0"/>
+              <a:buChar char="•"/>
+            </a:pPr>
+            <a:r>
+              <a:rPr lang="en-US" dirty="0"/>
+              <a:t>Interest rate ranges from, 15-25 has highest default ranges</a:t>
+            </a:r>
+          </a:p>
+          <a:p>
+            <a:pPr marL="285750" indent="-285750">
+              <a:buFont typeface="Arial" panose="020B0604020202020204" pitchFamily="34" charset="0"/>
+              <a:buChar char="•"/>
+            </a:pPr>
+            <a:r>
+              <a:rPr lang="en-US" dirty="0"/>
+              <a:t>May be the interest rates are high due to </a:t>
+            </a:r>
+            <a:r>
+              <a:rPr lang="en-US" dirty="0" err="1"/>
+              <a:t>revol_util</a:t>
+            </a:r>
+            <a:r>
+              <a:rPr lang="en-US" dirty="0"/>
+              <a:t> of customer</a:t>
+            </a:r>
+          </a:p>
+          <a:p>
+            <a:pPr marL="285750" indent="-285750">
+              <a:buFont typeface="Arial" panose="020B0604020202020204" pitchFamily="34" charset="0"/>
+              <a:buChar char="•"/>
+            </a:pPr>
+            <a:r>
+              <a:rPr lang="en-US" dirty="0"/>
+              <a:t>But high interest rates are also observed with high loan amounts</a:t>
+            </a:r>
+          </a:p>
+          <a:p>
+            <a:pPr marL="742950" lvl="1" indent="-285750">
+              <a:buFont typeface="Arial" panose="020B0604020202020204" pitchFamily="34" charset="0"/>
+              <a:buChar char="•"/>
+            </a:pPr>
+            <a:r>
+              <a:rPr lang="en-US" dirty="0"/>
+              <a:t>Loans at higher risk of default are exposing more money at risk</a:t>
+            </a:r>
+          </a:p>
+        </p:txBody>
+      </p:sp>
+      <p:pic>
+        <p:nvPicPr>
+          <p:cNvPr id="2" name="Picture 1">
+            <a:extLst>
+              <a:ext uri="{FF2B5EF4-FFF2-40B4-BE49-F238E27FC236}">
+                <a16:creationId xmlns:a16="http://schemas.microsoft.com/office/drawing/2014/main" id="{41619437-8CE5-BD79-932B-B74F15B175AA}"/>
+              </a:ext>
+            </a:extLst>
+          </p:cNvPr>
+          <p:cNvPicPr>
+            <a:picLocks noChangeAspect="1"/>
+          </p:cNvPicPr>
+          <p:nvPr/>
+        </p:nvPicPr>
+        <p:blipFill>
+          <a:blip r:embed="rId3"/>
+          <a:stretch>
+            <a:fillRect/>
+          </a:stretch>
+        </p:blipFill>
+        <p:spPr>
+          <a:xfrm>
+            <a:off x="631571" y="2183623"/>
+            <a:ext cx="3635629" cy="3649584"/>
+          </a:xfrm>
+          <a:prstGeom prst="rect">
+            <a:avLst/>
+          </a:prstGeom>
+        </p:spPr>
+      </p:pic>
+    </p:spTree>
+    <p:extLst>
+      <p:ext uri="{BB962C8B-B14F-4D97-AF65-F5344CB8AC3E}">
+        <p14:creationId xmlns:p14="http://schemas.microsoft.com/office/powerpoint/2010/main" val="1732107542"/>
+      </p:ext>
+    </p:extLst>
+  </p:cSld>
+  <p:clrMapOvr>
+    <a:masterClrMapping/>
+  </p:clrMapOvr>
+</p:sld>
+</file>
+
+<file path=ppt/slides/slide12.xml><?xml version="1.0" encoding="utf-8"?>
+<p:sld xmlns:a="http://schemas.openxmlformats.org/drawingml/2006/main" xmlns:r="http://schemas.openxmlformats.org/officeDocument/2006/relationships" xmlns:p="http://schemas.openxmlformats.org/presentationml/2006/main">
+  <p:cSld>
+    <p:spTree>
+      <p:nvGrpSpPr>
+        <p:cNvPr id="1" name=""/>
+        <p:cNvGrpSpPr/>
+        <p:nvPr/>
+      </p:nvGrpSpPr>
+      <p:grpSpPr>
+        <a:xfrm>
+          <a:off x="0" y="0"/>
+          <a:ext cx="0" cy="0"/>
+          <a:chOff x="0" y="0"/>
+          <a:chExt cx="0" cy="0"/>
+        </a:xfrm>
+      </p:grpSpPr>
+      <p:sp>
+        <p:nvSpPr>
+          <p:cNvPr id="4" name="TextBox 3">
+            <a:extLst>
+              <a:ext uri="{FF2B5EF4-FFF2-40B4-BE49-F238E27FC236}">
+                <a16:creationId xmlns:a16="http://schemas.microsoft.com/office/drawing/2014/main" id="{3BB8BA09-9AF8-43B5-937E-6A82DFE4DEEB}"/>
+              </a:ext>
+            </a:extLst>
+          </p:cNvPr>
+          <p:cNvSpPr txBox="1"/>
+          <p:nvPr/>
+        </p:nvSpPr>
+        <p:spPr>
+          <a:xfrm>
+            <a:off x="283029" y="315686"/>
+            <a:ext cx="1790875" cy="461665"/>
+          </a:xfrm>
+          <a:prstGeom prst="rect">
+            <a:avLst/>
+          </a:prstGeom>
+          <a:noFill/>
+        </p:spPr>
+        <p:txBody>
+          <a:bodyPr wrap="none" rtlCol="0">
+            <a:spAutoFit/>
+          </a:bodyPr>
+          <a:lstStyle/>
+          <a:p>
+            <a:r>
               <a:rPr lang="en-US" sz="2400" b="1" dirty="0"/>
               <a:t>Conclusion</a:t>
             </a:r>
+          </a:p>
+        </p:txBody>
+      </p:sp>
+      <p:sp>
+        <p:nvSpPr>
+          <p:cNvPr id="3" name="TextBox 2">
+            <a:extLst>
+              <a:ext uri="{FF2B5EF4-FFF2-40B4-BE49-F238E27FC236}">
+                <a16:creationId xmlns:a16="http://schemas.microsoft.com/office/drawing/2014/main" id="{BE0DE9FA-0F09-BF16-A4B9-95F132047798}"/>
+              </a:ext>
+            </a:extLst>
+          </p:cNvPr>
+          <p:cNvSpPr txBox="1"/>
+          <p:nvPr/>
+        </p:nvSpPr>
+        <p:spPr>
+          <a:xfrm>
+            <a:off x="279627" y="866775"/>
+            <a:ext cx="11731398" cy="5876925"/>
+          </a:xfrm>
+          <a:prstGeom prst="rect">
+            <a:avLst/>
+          </a:prstGeom>
+          <a:noFill/>
+        </p:spPr>
+        <p:txBody>
+          <a:bodyPr wrap="square" rtlCol="0">
+            <a:spAutoFit/>
+          </a:bodyPr>
+          <a:lstStyle/>
+          <a:p>
+            <a:pPr marL="285750" indent="-285750">
+              <a:buFont typeface="Arial" panose="020B0604020202020204" pitchFamily="34" charset="0"/>
+              <a:buChar char="•"/>
+            </a:pPr>
+            <a:r>
+              <a:rPr lang="en-US" sz="1400" u="sng" dirty="0"/>
+              <a:t>Interest rate, revolving utilization, term, grade, </a:t>
+            </a:r>
+            <a:r>
+              <a:rPr lang="en-US" sz="1400" u="sng" dirty="0" err="1"/>
+              <a:t>home_ownership</a:t>
+            </a:r>
+            <a:r>
+              <a:rPr lang="en-US" sz="1400" u="sng" dirty="0"/>
+              <a:t>, purpose, </a:t>
+            </a:r>
+            <a:r>
+              <a:rPr lang="en-US" sz="1400" u="sng" dirty="0" err="1"/>
+              <a:t>address_state</a:t>
+            </a:r>
+            <a:r>
+              <a:rPr lang="en-US" sz="1400" u="sng" dirty="0"/>
+              <a:t> and </a:t>
+            </a:r>
+            <a:r>
+              <a:rPr lang="en-US" sz="1400" u="sng" dirty="0" err="1"/>
+              <a:t>earliest_cr_line</a:t>
+            </a:r>
+            <a:r>
+              <a:rPr lang="en-US" sz="1400" u="sng" dirty="0"/>
+              <a:t> </a:t>
+            </a:r>
+            <a:r>
+              <a:rPr lang="en-US" sz="1400" dirty="0"/>
+              <a:t>seem to have direct impactful relationship with high ‘Charge offs’</a:t>
+            </a:r>
+          </a:p>
+          <a:p>
+            <a:pPr marL="285750" indent="-285750">
+              <a:buFont typeface="Arial" panose="020B0604020202020204" pitchFamily="34" charset="0"/>
+              <a:buChar char="•"/>
+            </a:pPr>
+            <a:endParaRPr lang="en-US" sz="1400" dirty="0"/>
+          </a:p>
+          <a:p>
+            <a:pPr marL="285750" indent="-285750">
+              <a:buFont typeface="Arial" panose="020B0604020202020204" pitchFamily="34" charset="0"/>
+              <a:buChar char="•"/>
+            </a:pPr>
+            <a:r>
+              <a:rPr lang="en-US" sz="1400" dirty="0"/>
+              <a:t>Interest ranges between 15-25 have highest loan default percentage (charge off/total loan records)</a:t>
+            </a:r>
+          </a:p>
+          <a:p>
+            <a:pPr marL="742950" lvl="1" indent="-285750">
+              <a:buFont typeface="Arial" panose="020B0604020202020204" pitchFamily="34" charset="0"/>
+              <a:buChar char="•"/>
+            </a:pPr>
+            <a:r>
+              <a:rPr lang="en-US" sz="1400" dirty="0"/>
+              <a:t>Loan amounts are also increasing in range 15-25 with highest loan amounts being in 22.5-25% interest rate category</a:t>
+            </a:r>
+          </a:p>
+          <a:p>
+            <a:pPr marL="742950" lvl="1" indent="-285750">
+              <a:buFont typeface="Arial" panose="020B0604020202020204" pitchFamily="34" charset="0"/>
+              <a:buChar char="•"/>
+            </a:pPr>
+            <a:r>
+              <a:rPr lang="en-US" sz="1400" b="1" dirty="0"/>
+              <a:t>Recommendation</a:t>
+            </a:r>
+            <a:r>
+              <a:rPr lang="en-US" sz="1400" dirty="0"/>
+              <a:t> would be to put a </a:t>
+            </a:r>
+            <a:r>
+              <a:rPr lang="en-US" sz="1400" b="1" dirty="0"/>
+              <a:t>cap loan amounts at higher interest rate to limit the losses</a:t>
+            </a:r>
+          </a:p>
+          <a:p>
+            <a:pPr lvl="1"/>
+            <a:endParaRPr lang="en-US" sz="1400" dirty="0"/>
+          </a:p>
+          <a:p>
+            <a:pPr marL="285750" indent="-285750">
+              <a:buFont typeface="Arial" panose="020B0604020202020204" pitchFamily="34" charset="0"/>
+              <a:buChar char="•"/>
+            </a:pPr>
+            <a:r>
+              <a:rPr lang="en-IN" sz="1400" dirty="0"/>
+              <a:t>Loan term significantly impacts default rates. Although 36-month loans are more common</a:t>
+            </a:r>
+            <a:r>
+              <a:rPr lang="en-IN" sz="1400" b="1" dirty="0"/>
+              <a:t>, 60-month loans have a much higher proportion of defaults</a:t>
+            </a:r>
+            <a:r>
+              <a:rPr lang="en-IN" sz="1400" dirty="0"/>
+              <a:t>—about 25% of 60-month loans default compared to only 10% of 36-month loans. </a:t>
+            </a:r>
+            <a:r>
+              <a:rPr lang="en-IN" sz="1400" u="sng" dirty="0"/>
+              <a:t>This indicates that longer-term loans are riskier and more likely to result in charge-offs.</a:t>
+            </a:r>
+          </a:p>
+          <a:p>
+            <a:pPr marL="285750" indent="-285750">
+              <a:buFont typeface="Arial" panose="020B0604020202020204" pitchFamily="34" charset="0"/>
+              <a:buChar char="•"/>
+            </a:pPr>
+            <a:endParaRPr lang="en-IN" sz="1400" u="sng" dirty="0"/>
+          </a:p>
+          <a:p>
+            <a:pPr marL="285750" indent="-285750">
+              <a:buFont typeface="Arial" panose="020B0604020202020204" pitchFamily="34" charset="0"/>
+              <a:buChar char="•"/>
+            </a:pPr>
+            <a:r>
+              <a:rPr lang="en-IN" sz="1400" dirty="0"/>
+              <a:t>Credit grade is a strong indicator of loan default risk. </a:t>
+            </a:r>
+            <a:r>
+              <a:rPr lang="en-IN" sz="1400" b="1" dirty="0"/>
+              <a:t>Lower credit grades (such as F and G) have significantly higher default rates</a:t>
+            </a:r>
+            <a:r>
+              <a:rPr lang="en-IN" sz="1400" dirty="0"/>
+              <a:t>, with grade G experiencing defaults in over 30% of cases, compared to only 6% for grade</a:t>
+            </a:r>
+          </a:p>
+          <a:p>
+            <a:endParaRPr lang="en-US" sz="1400" dirty="0"/>
+          </a:p>
+          <a:p>
+            <a:pPr marL="285750" indent="-285750">
+              <a:buFont typeface="Arial" panose="020B0604020202020204" pitchFamily="34" charset="0"/>
+              <a:buChar char="•"/>
+            </a:pPr>
+            <a:r>
+              <a:rPr lang="en-US" sz="1400" dirty="0"/>
+              <a:t>High Revolving utilization for a customer is also an indicator of risk</a:t>
+            </a:r>
+          </a:p>
+          <a:p>
+            <a:pPr marL="742950" lvl="1" indent="-285750">
+              <a:buFont typeface="Arial" panose="020B0604020202020204" pitchFamily="34" charset="0"/>
+              <a:buChar char="•"/>
+            </a:pPr>
+            <a:r>
+              <a:rPr lang="en-US" sz="1400" dirty="0"/>
+              <a:t>If revolving utilization crosses </a:t>
+            </a:r>
+            <a:r>
+              <a:rPr lang="en-US" sz="1400" b="1" dirty="0"/>
+              <a:t>70-75 mark it is safer to reject loans</a:t>
+            </a:r>
+          </a:p>
+          <a:p>
+            <a:endParaRPr lang="en-US" sz="1400" dirty="0"/>
+          </a:p>
+          <a:p>
+            <a:pPr marL="285750" indent="-285750">
+              <a:buFont typeface="Arial" panose="020B0604020202020204" pitchFamily="34" charset="0"/>
+              <a:buChar char="•"/>
+            </a:pPr>
+            <a:r>
+              <a:rPr lang="en-US" sz="1400" dirty="0"/>
+              <a:t>Loans with purpose of </a:t>
+            </a:r>
+            <a:r>
+              <a:rPr lang="en-US" sz="1400" b="1" dirty="0" err="1"/>
+              <a:t>small_business</a:t>
+            </a:r>
+            <a:r>
+              <a:rPr lang="en-US" sz="1400" b="1" dirty="0"/>
+              <a:t>(25%) </a:t>
+            </a:r>
+            <a:r>
+              <a:rPr lang="en-US" sz="1400" dirty="0"/>
+              <a:t>and </a:t>
+            </a:r>
+            <a:r>
+              <a:rPr lang="en-US" sz="1400" b="1" dirty="0"/>
+              <a:t>renewable energy(18%) </a:t>
+            </a:r>
+            <a:r>
+              <a:rPr lang="en-US" sz="1400" dirty="0"/>
+              <a:t>has highest charge off rate</a:t>
+            </a:r>
+          </a:p>
+          <a:p>
+            <a:pPr marL="285750" indent="-285750">
+              <a:buFont typeface="Arial" panose="020B0604020202020204" pitchFamily="34" charset="0"/>
+              <a:buChar char="•"/>
+            </a:pPr>
+            <a:endParaRPr lang="en-US" sz="1400" dirty="0"/>
+          </a:p>
+          <a:p>
+            <a:pPr marL="285750" indent="-285750">
+              <a:buFont typeface="Arial" panose="020B0604020202020204" pitchFamily="34" charset="0"/>
+              <a:buChar char="•"/>
+            </a:pPr>
+            <a:r>
+              <a:rPr lang="en-US" sz="1400" dirty="0"/>
+              <a:t>‘</a:t>
+            </a:r>
+            <a:r>
+              <a:rPr lang="en-US" sz="1400" dirty="0" err="1"/>
+              <a:t>earliest_cr_line</a:t>
+            </a:r>
+            <a:r>
+              <a:rPr lang="en-US" sz="1400" dirty="0"/>
+              <a:t> ’ seems to have interesting pattern where people starting their credit relations in </a:t>
+            </a:r>
+            <a:r>
+              <a:rPr lang="en-US" sz="1400" b="1" dirty="0"/>
+              <a:t>2007 (20%), 2006(19%), 1973 (18%)</a:t>
+            </a:r>
+            <a:r>
+              <a:rPr lang="en-US" sz="1400" dirty="0"/>
+              <a:t> has the most charge offs, it should be investigated what is common from new accounts policy perspective in these years</a:t>
+            </a:r>
+          </a:p>
+          <a:p>
+            <a:pPr marL="285750" indent="-285750">
+              <a:buFont typeface="Arial" panose="020B0604020202020204" pitchFamily="34" charset="0"/>
+              <a:buChar char="•"/>
+            </a:pPr>
+            <a:endParaRPr lang="en-US" sz="1400" dirty="0"/>
+          </a:p>
+          <a:p>
+            <a:pPr marL="285750" indent="-285750">
+              <a:buFont typeface="Arial" panose="020B0604020202020204" pitchFamily="34" charset="0"/>
+              <a:buChar char="•"/>
+            </a:pPr>
+            <a:r>
+              <a:rPr lang="en-US" sz="1400" dirty="0"/>
+              <a:t>Older credit relations are trusted with more loan amount </a:t>
+            </a:r>
+            <a:r>
+              <a:rPr lang="en-US" sz="1400" dirty="0" err="1"/>
+              <a:t>earliest_cr_line</a:t>
+            </a:r>
+            <a:r>
+              <a:rPr lang="en-US" sz="1400" dirty="0"/>
+              <a:t>  with 1973 had an average loan amount of ~13000 whereas for 2006-07 average loan amount is ~7000-7500.</a:t>
+            </a:r>
+          </a:p>
+          <a:p>
+            <a:pPr lvl="1"/>
+            <a:endParaRPr lang="en-US" sz="1400" dirty="0"/>
+          </a:p>
+          <a:p>
+            <a:pPr marL="285750" indent="-285750">
+              <a:buFont typeface="Arial" panose="020B0604020202020204" pitchFamily="34" charset="0"/>
+              <a:buChar char="•"/>
+            </a:pPr>
+            <a:endParaRPr lang="en-US" dirty="0"/>
           </a:p>
         </p:txBody>
       </p:sp>
@@ -3726,7 +4342,7 @@
         <p:spPr>
           <a:xfrm>
             <a:off x="360382" y="1151068"/>
-            <a:ext cx="10671586" cy="4924425"/>
+            <a:ext cx="10671586" cy="4647426"/>
           </a:xfrm>
           <a:prstGeom prst="rect">
             <a:avLst/>
@@ -3757,8 +4373,16 @@
               <a:t>Data has </a:t>
             </a:r>
             <a:r>
+              <a:rPr lang="en-IN" sz="1400" b="1" dirty="0"/>
+              <a:t>39717 rows </a:t>
+            </a:r>
+            <a:r>
               <a:rPr lang="en-IN" sz="1400" dirty="0"/>
-              <a:t>39717 rows and 111 columns</a:t>
+              <a:t>and </a:t>
+            </a:r>
+            <a:r>
+              <a:rPr lang="en-IN" sz="1400" b="1" dirty="0"/>
+              <a:t>111 columns</a:t>
             </a:r>
           </a:p>
           <a:p>
@@ -3768,7 +4392,15 @@
             </a:pPr>
             <a:r>
               <a:rPr lang="en-IN" sz="1400" dirty="0"/>
-              <a:t>For the sake of having a clearer view we set a threshold of 75% non-null values to keep it in scope of analysis</a:t>
+              <a:t>For the sake of having a clearer view we set a threshold of </a:t>
+            </a:r>
+            <a:r>
+              <a:rPr lang="en-IN" sz="1400" b="1" dirty="0"/>
+              <a:t>75% non-null values to keep </a:t>
+            </a:r>
+            <a:r>
+              <a:rPr lang="en-IN" sz="1400" dirty="0"/>
+              <a:t>it in scope of analysis</a:t>
             </a:r>
           </a:p>
           <a:p>
@@ -3778,7 +4410,15 @@
             </a:pPr>
             <a:r>
               <a:rPr lang="en-IN" sz="1400" dirty="0"/>
-              <a:t>On deleting columns with more than 75% null values, 55 columns remain in the scope of analysis</a:t>
+              <a:t>On deleting columns with more than 75% null values, </a:t>
+            </a:r>
+            <a:r>
+              <a:rPr lang="en-IN" sz="1400" b="1" dirty="0"/>
+              <a:t>55 columns remain </a:t>
+            </a:r>
+            <a:r>
+              <a:rPr lang="en-IN" sz="1400" dirty="0"/>
+              <a:t>in the scope of analysis</a:t>
             </a:r>
           </a:p>
           <a:p>
@@ -3795,7 +4435,15 @@
             </a:pPr>
             <a:r>
               <a:rPr lang="en-IN" sz="1400" dirty="0"/>
-              <a:t>On taking a deeper look at the columns 8 more columns can be dropped,</a:t>
+              <a:t>On taking a deeper look at the columns </a:t>
+            </a:r>
+            <a:r>
+              <a:rPr lang="en-IN" sz="1400" b="1" dirty="0"/>
+              <a:t>8 more columns can be dropped</a:t>
+            </a:r>
+            <a:r>
+              <a:rPr lang="en-IN" sz="1400" dirty="0"/>
+              <a:t>,</a:t>
             </a:r>
           </a:p>
           <a:p>
@@ -3815,7 +4463,15 @@
             </a:pPr>
             <a:r>
               <a:rPr lang="en-IN" sz="1400" dirty="0"/>
-              <a:t>Because all of these columns has one single value in all rows.</a:t>
+              <a:t>Because all of these columns </a:t>
+            </a:r>
+            <a:r>
+              <a:rPr lang="en-IN" sz="1400" b="1" dirty="0"/>
+              <a:t>has one single value in all rows</a:t>
+            </a:r>
+            <a:r>
+              <a:rPr lang="en-IN" sz="1400" dirty="0"/>
+              <a:t>.</a:t>
             </a:r>
           </a:p>
           <a:p>
@@ -3828,7 +4484,7 @@
           <a:p>
             <a:r>
               <a:rPr lang="en-IN" sz="1600" b="1" dirty="0"/>
-              <a:t>Null value processing and Derived Columns</a:t>
+              <a:t>Null value/ Data Type processing also creating Derived Columns</a:t>
             </a:r>
           </a:p>
           <a:p>
@@ -3908,23 +4564,8 @@
             </a:r>
             <a:r>
               <a:rPr lang="en-IN" sz="1400" dirty="0"/>
-              <a:t> </a:t>
-            </a:r>
-            <a:r>
-              <a:rPr lang="en-IN" sz="1400" dirty="0" err="1"/>
-              <a:t>nll</a:t>
-            </a:r>
-            <a:r>
-              <a:rPr lang="en-IN" sz="1400" dirty="0"/>
-              <a:t> values are filled with 0</a:t>
-            </a:r>
-          </a:p>
-          <a:p>
-            <a:pPr marL="742950" lvl="1" indent="-285750">
-              <a:buFont typeface="Arial" panose="020B0604020202020204" pitchFamily="34" charset="0"/>
-              <a:buChar char="•"/>
-            </a:pPr>
-            <a:endParaRPr lang="en-IN" sz="1400" dirty="0"/>
+              <a:t> null values are filled with 0</a:t>
+            </a:r>
           </a:p>
           <a:p>
             <a:pPr marL="742950" lvl="1" indent="-285750">
@@ -4000,8 +4641,8 @@
         </p:nvSpPr>
         <p:spPr>
           <a:xfrm>
-            <a:off x="297836" y="112208"/>
-            <a:ext cx="2862002" cy="461665"/>
+            <a:off x="276790" y="0"/>
+            <a:ext cx="2656910" cy="400110"/>
           </a:xfrm>
           <a:prstGeom prst="rect">
             <a:avLst/>
@@ -4009,13 +4650,13 @@
           <a:noFill/>
         </p:spPr>
         <p:txBody>
-          <a:bodyPr wrap="none" rtlCol="0">
+          <a:bodyPr wrap="square" rtlCol="0">
             <a:spAutoFit/>
           </a:bodyPr>
           <a:lstStyle/>
           <a:p>
             <a:r>
-              <a:rPr lang="en-US" sz="2400" b="1" dirty="0"/>
+              <a:rPr lang="en-US" sz="2000" b="1" dirty="0"/>
               <a:t>Univariate Analysis</a:t>
             </a:r>
           </a:p>
@@ -4035,8 +4676,8 @@
         </p:nvSpPr>
         <p:spPr>
           <a:xfrm>
-            <a:off x="393068" y="600165"/>
-            <a:ext cx="10822193" cy="2092881"/>
+            <a:off x="276790" y="412794"/>
+            <a:ext cx="10822193" cy="1815882"/>
           </a:xfrm>
           <a:prstGeom prst="rect">
             <a:avLst/>
@@ -4117,9 +4758,6 @@
           <a:p>
             <a:pPr lvl="1"/>
             <a:endParaRPr lang="en-IN" sz="1400" dirty="0"/>
-          </a:p>
-          <a:p>
-            <a:endParaRPr lang="en-US" dirty="0"/>
           </a:p>
         </p:txBody>
       </p:sp>
@@ -4145,8 +4783,8 @@
         </p:blipFill>
         <p:spPr>
           <a:xfrm>
-            <a:off x="297836" y="2440868"/>
-            <a:ext cx="3093142" cy="2111486"/>
+            <a:off x="62146" y="2843656"/>
+            <a:ext cx="3518406" cy="1937893"/>
           </a:xfrm>
           <a:prstGeom prst="rect">
             <a:avLst/>
@@ -4175,8 +4813,8 @@
         </p:blipFill>
         <p:spPr>
           <a:xfrm>
-            <a:off x="3652539" y="2440592"/>
-            <a:ext cx="3313340" cy="2237704"/>
+            <a:off x="3712368" y="2756184"/>
+            <a:ext cx="3812381" cy="2092881"/>
           </a:xfrm>
           <a:prstGeom prst="rect">
             <a:avLst/>
@@ -4205,8 +4843,8 @@
         </p:blipFill>
         <p:spPr>
           <a:xfrm>
-            <a:off x="7425617" y="2440592"/>
-            <a:ext cx="3496235" cy="2290287"/>
+            <a:off x="7656565" y="2756183"/>
+            <a:ext cx="3812380" cy="2092881"/>
           </a:xfrm>
           <a:prstGeom prst="rect">
             <a:avLst/>
@@ -4235,8 +4873,8 @@
         </p:blipFill>
         <p:spPr>
           <a:xfrm>
-            <a:off x="522160" y="4730879"/>
-            <a:ext cx="3129983" cy="2068667"/>
+            <a:off x="62146" y="5032057"/>
+            <a:ext cx="3416707" cy="1774707"/>
           </a:xfrm>
           <a:prstGeom prst="rect">
             <a:avLst/>
@@ -4265,8 +4903,8 @@
         </p:blipFill>
         <p:spPr>
           <a:xfrm>
-            <a:off x="7829105" y="4678296"/>
-            <a:ext cx="3092747" cy="2121250"/>
+            <a:off x="8248650" y="4965035"/>
+            <a:ext cx="3220295" cy="1841729"/>
           </a:xfrm>
           <a:prstGeom prst="rect">
             <a:avLst/>
@@ -4366,7 +5004,15 @@
             </a:pPr>
             <a:r>
               <a:rPr lang="en-IN" sz="1400" dirty="0"/>
-              <a:t>Loan Amount by Default (Box Plot): Defaulters took larger loans (median ~$12,000) than non-defaulters (~$10,000).</a:t>
+              <a:t>Loan Amount by Default (Box Plot): </a:t>
+            </a:r>
+            <a:r>
+              <a:rPr lang="en-IN" sz="1400" b="1" dirty="0"/>
+              <a:t>Defaulters took larger loans (median ~$12,000)</a:t>
+            </a:r>
+            <a:r>
+              <a:rPr lang="en-IN" sz="1400" dirty="0"/>
+              <a:t> than non-defaulters (~$10,000).</a:t>
             </a:r>
             <a:endParaRPr lang="en-IN" sz="1600" b="1" dirty="0"/>
           </a:p>
@@ -4414,8 +5060,8 @@
         </p:blipFill>
         <p:spPr>
           <a:xfrm>
-            <a:off x="203498" y="2117539"/>
-            <a:ext cx="3570119" cy="2333056"/>
+            <a:off x="77218" y="2530444"/>
+            <a:ext cx="3808981" cy="2727356"/>
           </a:xfrm>
           <a:prstGeom prst="rect">
             <a:avLst/>
@@ -4444,8 +5090,8 @@
         </p:blipFill>
         <p:spPr>
           <a:xfrm>
-            <a:off x="3962400" y="2019300"/>
-            <a:ext cx="3531112" cy="2333056"/>
+            <a:off x="4057519" y="2530443"/>
+            <a:ext cx="3692497" cy="2525049"/>
           </a:xfrm>
           <a:prstGeom prst="rect">
             <a:avLst/>
@@ -4474,8 +5120,8 @@
         </p:blipFill>
         <p:spPr>
           <a:xfrm>
-            <a:off x="7913914" y="2019301"/>
-            <a:ext cx="3429392" cy="2340182"/>
+            <a:off x="8037819" y="2530444"/>
+            <a:ext cx="3692498" cy="2525049"/>
           </a:xfrm>
           <a:prstGeom prst="rect">
             <a:avLst/>
@@ -4562,7 +5208,7 @@
         <p:spPr>
           <a:xfrm>
             <a:off x="152400" y="412644"/>
-            <a:ext cx="11778343" cy="2492990"/>
+            <a:ext cx="11778343" cy="1415772"/>
           </a:xfrm>
           <a:prstGeom prst="rect">
             <a:avLst/>
@@ -4586,15 +5232,15 @@
               <a:buChar char="•"/>
             </a:pPr>
             <a:r>
-              <a:rPr lang="en-IN" sz="1400" dirty="0"/>
+              <a:rPr lang="en-IN" sz="1400" b="1" dirty="0"/>
               <a:t>'</a:t>
             </a:r>
             <a:r>
-              <a:rPr lang="en-IN" sz="1400" dirty="0" err="1"/>
+              <a:rPr lang="en-IN" sz="1400" b="1" dirty="0" err="1"/>
               <a:t>int_rate</a:t>
             </a:r>
             <a:r>
-              <a:rPr lang="en-IN" sz="1400" dirty="0"/>
+              <a:rPr lang="en-IN" sz="1400" b="1" dirty="0"/>
               <a:t>':</a:t>
             </a:r>
           </a:p>
@@ -4615,7 +5261,11 @@
             </a:pPr>
             <a:r>
               <a:rPr lang="en-IN" sz="1400" dirty="0"/>
-              <a:t>Highest loan defaults observed by interest rate range 22.5-25(38%), 20-22.5(33%), 17.5-20 (26%), 15-17.5(22%)</a:t>
+              <a:t>Highest loan defaults observed by interest rate </a:t>
+            </a:r>
+            <a:r>
+              <a:rPr lang="en-IN" sz="1400" b="1" dirty="0"/>
+              <a:t>range 22.5-25(38%), 20-22.5(33%), 17.5-20 (26%), 15-17.5(22%)</a:t>
             </a:r>
           </a:p>
           <a:p>
@@ -4625,73 +5275,12 @@
             </a:pPr>
             <a:r>
               <a:rPr lang="en-IN" sz="1400" dirty="0"/>
-              <a:t>Loans from 15-25 % interest rates are most defaulted</a:t>
-            </a:r>
-          </a:p>
-          <a:p>
-            <a:pPr marL="742950" lvl="1" indent="-285750">
-              <a:buFont typeface="Arial" panose="020B0604020202020204" pitchFamily="34" charset="0"/>
-              <a:buChar char="•"/>
-            </a:pPr>
-            <a:r>
-              <a:rPr lang="en-IN" sz="1400" dirty="0"/>
-              <a:t>'</a:t>
-            </a:r>
-            <a:r>
-              <a:rPr lang="en-IN" sz="1400" dirty="0" err="1"/>
-              <a:t>revol_util</a:t>
-            </a:r>
-            <a:r>
-              <a:rPr lang="en-IN" sz="1400" dirty="0"/>
-              <a:t>':</a:t>
-            </a:r>
-          </a:p>
-          <a:p>
-            <a:pPr marL="1200150" lvl="2" indent="-285750">
-              <a:buFont typeface="Arial" panose="020B0604020202020204" pitchFamily="34" charset="0"/>
-              <a:buChar char="•"/>
-            </a:pPr>
-            <a:r>
-              <a:rPr lang="en-IN" sz="1400" dirty="0"/>
-              <a:t>More charge offs(compared to general data pattern) is observed in range of 50-95</a:t>
-            </a:r>
-          </a:p>
-          <a:p>
-            <a:pPr marL="1200150" lvl="2" indent="-285750">
-              <a:buFont typeface="Arial" panose="020B0604020202020204" pitchFamily="34" charset="0"/>
-              <a:buChar char="•"/>
-            </a:pPr>
-            <a:r>
-              <a:rPr lang="en-IN" sz="1400" dirty="0"/>
-              <a:t>A high revolving balance on a loan means you are carrying over a large p  debt from one month to the next on a revolving credit account, such as a credit card or a revolving line of credit. Instead of paying your balance in full, you are only making minimum payments</a:t>
-            </a:r>
-          </a:p>
-          <a:p>
-            <a:pPr marL="1200150" lvl="2" indent="-285750">
-              <a:buFont typeface="Arial" panose="020B0604020202020204" pitchFamily="34" charset="0"/>
-              <a:buChar char="•"/>
-            </a:pPr>
-            <a:r>
-              <a:rPr lang="en-IN" sz="1400" dirty="0" err="1"/>
-              <a:t>revol_util</a:t>
-            </a:r>
-            <a:r>
-              <a:rPr lang="en-IN" sz="1400" dirty="0"/>
-              <a:t> = </a:t>
-            </a:r>
-            <a:r>
-              <a:rPr lang="en-IN" sz="1400" dirty="0" err="1"/>
-              <a:t>revol_bal</a:t>
-            </a:r>
-            <a:r>
-              <a:rPr lang="en-IN" sz="1400" dirty="0"/>
-              <a:t>/</a:t>
-            </a:r>
-            <a:r>
-              <a:rPr lang="en-IN" sz="1400" dirty="0" err="1"/>
-              <a:t>total_credit</a:t>
-            </a:r>
-            <a:endParaRPr lang="en-IN" sz="1400" dirty="0"/>
+              <a:t>Loans from </a:t>
+            </a:r>
+            <a:r>
+              <a:rPr lang="en-IN" sz="1400" b="1" dirty="0"/>
+              <a:t>15-25 % interest rates are most defaulted</a:t>
+            </a:r>
           </a:p>
           <a:p>
             <a:endParaRPr lang="en-US" sz="1400" b="1" dirty="0"/>
@@ -4720,8 +5309,8 @@
         </p:blipFill>
         <p:spPr>
           <a:xfrm>
-            <a:off x="7543802" y="2695782"/>
-            <a:ext cx="2895599" cy="2245977"/>
+            <a:off x="8569781" y="1828416"/>
+            <a:ext cx="2947704" cy="2286393"/>
           </a:xfrm>
           <a:prstGeom prst="rect">
             <a:avLst/>
@@ -4750,8 +5339,8 @@
         </p:blipFill>
         <p:spPr>
           <a:xfrm>
-            <a:off x="4000501" y="2710889"/>
-            <a:ext cx="2895599" cy="2230870"/>
+            <a:off x="4211690" y="1863099"/>
+            <a:ext cx="2877631" cy="2217026"/>
           </a:xfrm>
           <a:prstGeom prst="rect">
             <a:avLst/>
@@ -4780,8 +5369,8 @@
         </p:blipFill>
         <p:spPr>
           <a:xfrm>
-            <a:off x="325055" y="2710888"/>
-            <a:ext cx="2875345" cy="2230871"/>
+            <a:off x="76200" y="1863099"/>
+            <a:ext cx="2752725" cy="2135734"/>
           </a:xfrm>
           <a:prstGeom prst="rect">
             <a:avLst/>
@@ -4790,10 +5379,10 @@
       </p:pic>
       <p:pic>
         <p:nvPicPr>
-          <p:cNvPr id="14" name="Picture 13">
-            <a:extLst>
-              <a:ext uri="{FF2B5EF4-FFF2-40B4-BE49-F238E27FC236}">
-                <a16:creationId xmlns:a16="http://schemas.microsoft.com/office/drawing/2014/main" id="{64231C9A-6157-2BC8-8ADC-E98C5D2EF104}"/>
+          <p:cNvPr id="2" name="Picture 1">
+            <a:extLst>
+              <a:ext uri="{FF2B5EF4-FFF2-40B4-BE49-F238E27FC236}">
+                <a16:creationId xmlns:a16="http://schemas.microsoft.com/office/drawing/2014/main" id="{FAFF0A81-DB1E-9633-15A1-663E680D59C5}"/>
               </a:ext>
             </a:extLst>
           </p:cNvPr>
@@ -4810,68 +5399,8 @@
         </p:blipFill>
         <p:spPr>
           <a:xfrm>
-            <a:off x="544286" y="4941760"/>
-            <a:ext cx="2656114" cy="2087612"/>
-          </a:xfrm>
-          <a:prstGeom prst="rect">
-            <a:avLst/>
-          </a:prstGeom>
-        </p:spPr>
-      </p:pic>
-      <p:pic>
-        <p:nvPicPr>
-          <p:cNvPr id="15" name="Picture 14">
-            <a:extLst>
-              <a:ext uri="{FF2B5EF4-FFF2-40B4-BE49-F238E27FC236}">
-                <a16:creationId xmlns:a16="http://schemas.microsoft.com/office/drawing/2014/main" id="{15150063-8EF0-EB93-DC88-2492AA45446A}"/>
-              </a:ext>
-            </a:extLst>
-          </p:cNvPr>
-          <p:cNvPicPr>
-            <a:picLocks noChangeAspect="1"/>
-          </p:cNvPicPr>
-          <p:nvPr/>
-        </p:nvPicPr>
-        <p:blipFill>
-          <a:blip r:embed="rId6"/>
-          <a:stretch>
-            <a:fillRect/>
-          </a:stretch>
-        </p:blipFill>
-        <p:spPr>
-          <a:xfrm>
-            <a:off x="4347014" y="4941759"/>
-            <a:ext cx="2660773" cy="2087612"/>
-          </a:xfrm>
-          <a:prstGeom prst="rect">
-            <a:avLst/>
-          </a:prstGeom>
-        </p:spPr>
-      </p:pic>
-      <p:pic>
-        <p:nvPicPr>
-          <p:cNvPr id="16" name="Picture 15">
-            <a:extLst>
-              <a:ext uri="{FF2B5EF4-FFF2-40B4-BE49-F238E27FC236}">
-                <a16:creationId xmlns:a16="http://schemas.microsoft.com/office/drawing/2014/main" id="{CE2691ED-2595-5CA3-AA5A-F26A5359D936}"/>
-              </a:ext>
-            </a:extLst>
-          </p:cNvPr>
-          <p:cNvPicPr>
-            <a:picLocks noChangeAspect="1"/>
-          </p:cNvPicPr>
-          <p:nvPr/>
-        </p:nvPicPr>
-        <p:blipFill>
-          <a:blip r:embed="rId7"/>
-          <a:stretch>
-            <a:fillRect/>
-          </a:stretch>
-        </p:blipFill>
-        <p:spPr>
-          <a:xfrm>
-            <a:off x="8042714" y="4941759"/>
-            <a:ext cx="2549088" cy="2069421"/>
+            <a:off x="2009775" y="4279810"/>
+            <a:ext cx="6381750" cy="2561390"/>
           </a:xfrm>
           <a:prstGeom prst="rect">
             <a:avLst/>
@@ -4910,10 +5439,10 @@
       </p:grpSpPr>
       <p:sp>
         <p:nvSpPr>
-          <p:cNvPr id="7" name="TextBox 6">
-            <a:extLst>
-              <a:ext uri="{FF2B5EF4-FFF2-40B4-BE49-F238E27FC236}">
-                <a16:creationId xmlns:a16="http://schemas.microsoft.com/office/drawing/2014/main" id="{B21FFE52-F027-D459-1549-9141BD0D1441}"/>
+          <p:cNvPr id="6" name="TextBox 5">
+            <a:extLst>
+              <a:ext uri="{FF2B5EF4-FFF2-40B4-BE49-F238E27FC236}">
+                <a16:creationId xmlns:a16="http://schemas.microsoft.com/office/drawing/2014/main" id="{2BA0DB41-E89C-9496-943C-48C745FE4EB8}"/>
               </a:ext>
             </a:extLst>
           </p:cNvPr>
@@ -4922,8 +5451,8 @@
         </p:nvSpPr>
         <p:spPr>
           <a:xfrm>
-            <a:off x="293914" y="475480"/>
-            <a:ext cx="11658600" cy="5047536"/>
+            <a:off x="142874" y="489288"/>
+            <a:ext cx="10144125" cy="1384995"/>
           </a:xfrm>
           <a:prstGeom prst="rect">
             <a:avLst/>
@@ -4931,363 +5460,175 @@
           <a:noFill/>
         </p:spPr>
         <p:txBody>
-          <a:bodyPr wrap="square" rtlCol="0">
+          <a:bodyPr wrap="square">
             <a:spAutoFit/>
           </a:bodyPr>
           <a:lstStyle/>
           <a:p>
-            <a:r>
-              <a:rPr lang="en-US" sz="1400" b="1" dirty="0"/>
-              <a:t>-   'term’</a:t>
-            </a:r>
-          </a:p>
-          <a:p>
             <a:pPr marL="742950" lvl="1" indent="-285750">
               <a:buFont typeface="Arial" panose="020B0604020202020204" pitchFamily="34" charset="0"/>
               <a:buChar char="•"/>
             </a:pPr>
             <a:r>
-              <a:rPr lang="en-US" sz="1400" dirty="0"/>
-              <a:t>60 Month term loan is more charged off</a:t>
-            </a:r>
-          </a:p>
-          <a:p>
-            <a:pPr marL="742950" lvl="1" indent="-285750">
-              <a:buFont typeface="Arial" panose="020B0604020202020204" pitchFamily="34" charset="0"/>
-              <a:buChar char="•"/>
-            </a:pPr>
-            <a:r>
-              <a:rPr lang="en-US" sz="1400" dirty="0"/>
-              <a:t>General trend is people opt for 36 month loan more hence 36 month loans are more in number as well as more charged off</a:t>
-            </a:r>
-          </a:p>
-          <a:p>
-            <a:pPr marL="742950" lvl="1" indent="-285750">
-              <a:buFont typeface="Arial" panose="020B0604020202020204" pitchFamily="34" charset="0"/>
-              <a:buChar char="•"/>
-            </a:pPr>
-            <a:r>
-              <a:rPr lang="en-US" sz="1400" dirty="0"/>
-              <a:t>General trend is people opt for 36 month loan more hence 36 month loans are more in number as well as more charged off</a:t>
-            </a:r>
-          </a:p>
-          <a:p>
-            <a:pPr marL="742950" lvl="1" indent="-285750">
-              <a:buFont typeface="Arial" panose="020B0604020202020204" pitchFamily="34" charset="0"/>
-              <a:buChar char="•"/>
-            </a:pPr>
-            <a:r>
-              <a:rPr lang="en-US" sz="1400" dirty="0"/>
-              <a:t>But Although 60 month loans are opted less but whoever opts it has more chances of defaulting</a:t>
-            </a:r>
-          </a:p>
-          <a:p>
-            <a:pPr marL="742950" lvl="1" indent="-285750">
-              <a:buFont typeface="Arial" panose="020B0604020202020204" pitchFamily="34" charset="0"/>
-              <a:buChar char="•"/>
-            </a:pPr>
-            <a:r>
-              <a:rPr lang="en-US" sz="1400" dirty="0"/>
-              <a:t>in terms of </a:t>
-            </a:r>
-            <a:r>
-              <a:rPr lang="en-US" sz="1400" dirty="0" err="1"/>
-              <a:t>approx</a:t>
-            </a:r>
-            <a:r>
-              <a:rPr lang="en-US" sz="1400" dirty="0"/>
-              <a:t> ratio </a:t>
-            </a:r>
-            <a:r>
-              <a:rPr lang="en-US" sz="1400" b="1" dirty="0"/>
-              <a:t>36M - 3000/30000 (10%), 60M - 2500/10000 (25%)</a:t>
-            </a:r>
-          </a:p>
-          <a:p>
-            <a:r>
-              <a:rPr lang="en-US" sz="1400" dirty="0"/>
-              <a:t>-   </a:t>
-            </a:r>
-            <a:r>
-              <a:rPr lang="en-US" sz="1400" b="1" dirty="0"/>
-              <a:t>'grade'</a:t>
-            </a:r>
-          </a:p>
-          <a:p>
-            <a:pPr marL="742950" lvl="1" indent="-285750">
-              <a:buFont typeface="Arial" panose="020B0604020202020204" pitchFamily="34" charset="0"/>
-              <a:buChar char="•"/>
-            </a:pPr>
-            <a:r>
-              <a:rPr lang="en-US" sz="1400" dirty="0"/>
-              <a:t>General trend of loans given is B &gt; A &gt; C &gt; D &gt; E &gt; F &gt; G</a:t>
-            </a:r>
-          </a:p>
-          <a:p>
-            <a:pPr marL="742950" lvl="1" indent="-285750">
-              <a:buFont typeface="Arial" panose="020B0604020202020204" pitchFamily="34" charset="0"/>
-              <a:buChar char="•"/>
-            </a:pPr>
-            <a:r>
-              <a:rPr lang="en-US" sz="1400" dirty="0"/>
-              <a:t>Charge off % by grade </a:t>
-            </a:r>
-            <a:r>
-              <a:rPr lang="en-US" sz="1400" b="1" dirty="0"/>
-              <a:t>G(32) &gt; F(30%) &gt; E(25%) &gt; D (21%) &gt; C (16.6%) &gt; B (11.8%) &gt; A (6%)</a:t>
-            </a:r>
-          </a:p>
-          <a:p>
-            <a:pPr marL="742950" lvl="1" indent="-285750">
-              <a:buFont typeface="Arial" panose="020B0604020202020204" pitchFamily="34" charset="0"/>
-              <a:buChar char="•"/>
-            </a:pPr>
-            <a:r>
-              <a:rPr lang="en-US" sz="1400" dirty="0"/>
-              <a:t>80% grade G loans (worst performing) are of 60 months</a:t>
-            </a:r>
-          </a:p>
-          <a:p>
-            <a:pPr marL="742950" lvl="1" indent="-285750">
-              <a:buFont typeface="Arial" panose="020B0604020202020204" pitchFamily="34" charset="0"/>
-              <a:buChar char="•"/>
-            </a:pPr>
-            <a:r>
-              <a:rPr lang="en-US" sz="1400" dirty="0"/>
-              <a:t>mean </a:t>
-            </a:r>
-            <a:r>
-              <a:rPr lang="en-US" sz="1400" dirty="0" err="1"/>
+              <a:rPr lang="en-IN" sz="1400" b="1" dirty="0"/>
+              <a:t>'</a:t>
+            </a:r>
+            <a:r>
+              <a:rPr lang="en-IN" sz="1400" b="1" dirty="0" err="1"/>
               <a:t>revol_util</a:t>
             </a:r>
             <a:r>
-              <a:rPr lang="en-US" sz="1400" dirty="0"/>
-              <a:t> for grade G loans is 71.4</a:t>
-            </a:r>
-          </a:p>
-          <a:p>
-            <a:pPr marL="742950" lvl="1" indent="-285750">
-              <a:buFont typeface="Arial" panose="020B0604020202020204" pitchFamily="34" charset="0"/>
-              <a:buChar char="•"/>
-            </a:pPr>
-            <a:endParaRPr lang="en-US" sz="1400" dirty="0"/>
-          </a:p>
-          <a:p>
-            <a:r>
-              <a:rPr lang="en-US" sz="1400" dirty="0"/>
-              <a:t>-   </a:t>
-            </a:r>
-            <a:r>
-              <a:rPr lang="en-US" sz="1400" b="1" dirty="0"/>
-              <a:t>'</a:t>
-            </a:r>
-            <a:r>
-              <a:rPr lang="en-US" sz="1400" b="1" dirty="0" err="1"/>
-              <a:t>home_ownership</a:t>
-            </a:r>
-            <a:r>
-              <a:rPr lang="en-US" sz="1400" b="1" dirty="0"/>
-              <a:t>'</a:t>
-            </a:r>
-          </a:p>
-          <a:p>
-            <a:pPr marL="742950" lvl="1" indent="-285750">
-              <a:buFont typeface="Arial" panose="020B0604020202020204" pitchFamily="34" charset="0"/>
-              <a:buChar char="•"/>
-            </a:pPr>
-            <a:r>
-              <a:rPr lang="en-US" sz="1400" dirty="0"/>
-              <a:t>Most charge offs are done by </a:t>
-            </a:r>
-            <a:r>
-              <a:rPr lang="en-US" sz="1400" b="1" dirty="0"/>
-              <a:t>'OTHER' category with 18.4% </a:t>
-            </a:r>
-            <a:r>
-              <a:rPr lang="en-US" sz="1400" dirty="0"/>
-              <a:t>charge off</a:t>
-            </a:r>
-          </a:p>
-          <a:p>
-            <a:pPr marL="742950" lvl="1" indent="-285750">
-              <a:buFont typeface="Arial" panose="020B0604020202020204" pitchFamily="34" charset="0"/>
-              <a:buChar char="•"/>
-            </a:pPr>
-            <a:r>
-              <a:rPr lang="en-US" sz="1400" dirty="0"/>
-              <a:t>OTHER is a confusing category, there is also a NONE, this </a:t>
-            </a:r>
-            <a:r>
-              <a:rPr lang="en-US" sz="1400" b="1" dirty="0"/>
-              <a:t>needs to be clarified if it is conclusive enough.</a:t>
-            </a:r>
-          </a:p>
-          <a:p>
-            <a:r>
-              <a:rPr lang="en-US" sz="1400" dirty="0"/>
-              <a:t>-  </a:t>
-            </a:r>
-            <a:r>
-              <a:rPr lang="en-US" sz="1400" b="1" dirty="0"/>
-              <a:t> 'purpose'</a:t>
-            </a:r>
-          </a:p>
-          <a:p>
-            <a:pPr marL="742950" lvl="1" indent="-285750">
-              <a:buFont typeface="Arial" panose="020B0604020202020204" pitchFamily="34" charset="0"/>
-              <a:buChar char="•"/>
-            </a:pPr>
-            <a:r>
-              <a:rPr lang="en-US" sz="1400" dirty="0"/>
-              <a:t>Most charge offs done by loans with purpose</a:t>
-            </a:r>
-            <a:r>
-              <a:rPr lang="en-US" sz="1400" b="1" dirty="0"/>
-              <a:t>: </a:t>
-            </a:r>
-            <a:r>
-              <a:rPr lang="en-US" sz="1400" b="1" dirty="0" err="1"/>
-              <a:t>small_business</a:t>
-            </a:r>
-            <a:r>
-              <a:rPr lang="en-US" sz="1400" b="1" dirty="0"/>
-              <a:t> with 25% charge offs</a:t>
-            </a:r>
-          </a:p>
-          <a:p>
-            <a:endParaRPr lang="en-US" sz="1400" dirty="0"/>
-          </a:p>
-          <a:p>
-            <a:r>
-              <a:rPr lang="en-US" sz="1400" dirty="0"/>
-              <a:t>-   </a:t>
-            </a:r>
-            <a:r>
-              <a:rPr lang="en-US" sz="1400" b="1" dirty="0"/>
-              <a:t>'</a:t>
-            </a:r>
-            <a:r>
-              <a:rPr lang="en-US" sz="1400" b="1" dirty="0" err="1"/>
-              <a:t>addr_state</a:t>
-            </a:r>
-            <a:r>
-              <a:rPr lang="en-US" sz="1400" b="1" dirty="0"/>
-              <a:t>'</a:t>
-            </a:r>
-          </a:p>
-          <a:p>
-            <a:pPr marL="742950" lvl="1" indent="-285750">
-              <a:buFont typeface="Arial" panose="020B0604020202020204" pitchFamily="34" charset="0"/>
-              <a:buChar char="•"/>
-            </a:pPr>
-            <a:r>
-              <a:rPr lang="en-US" sz="1400" dirty="0"/>
-              <a:t>Most </a:t>
-            </a:r>
-            <a:r>
-              <a:rPr lang="en-US" sz="1400" dirty="0" err="1"/>
-              <a:t>charege</a:t>
-            </a:r>
-            <a:r>
-              <a:rPr lang="en-US" sz="1400" dirty="0"/>
-              <a:t> offs by </a:t>
-            </a:r>
-            <a:r>
-              <a:rPr lang="en-US" sz="1400" b="1" dirty="0"/>
-              <a:t>state - NV at 22% </a:t>
-            </a:r>
-            <a:r>
-              <a:rPr lang="en-US" sz="1400" dirty="0"/>
-              <a:t>deviation from general pattern </a:t>
-            </a:r>
-            <a:r>
-              <a:rPr lang="en-US" sz="1400" dirty="0" err="1"/>
-              <a:t>fo</a:t>
-            </a:r>
-            <a:r>
-              <a:rPr lang="en-US" sz="1400" dirty="0"/>
-              <a:t> 12-17 percent</a:t>
-            </a:r>
-          </a:p>
-          <a:p>
-            <a:endParaRPr lang="en-US" sz="1400" dirty="0"/>
-          </a:p>
-          <a:p>
-            <a:pPr marL="285750" indent="-285750">
-              <a:buFontTx/>
-              <a:buChar char="-"/>
-            </a:pPr>
-            <a:r>
-              <a:rPr lang="en-US" sz="1400" b="1" dirty="0"/>
-              <a:t>'</a:t>
-            </a:r>
-            <a:r>
-              <a:rPr lang="en-US" sz="1400" b="1" dirty="0" err="1"/>
-              <a:t>earliest_cr_line</a:t>
-            </a:r>
-            <a:r>
-              <a:rPr lang="en-US" sz="1400" b="1" dirty="0"/>
-              <a:t>’</a:t>
-            </a:r>
-          </a:p>
-          <a:p>
-            <a:pPr marL="742950" lvl="1" indent="-285750">
-              <a:buFont typeface="Arial" panose="020B0604020202020204" pitchFamily="34" charset="0"/>
-              <a:buChar char="•"/>
-            </a:pPr>
-            <a:r>
-              <a:rPr lang="en-US" sz="1400" dirty="0"/>
-              <a:t>Most defaulting customer started their credit relations </a:t>
-            </a:r>
-            <a:r>
-              <a:rPr lang="en-US" sz="1400" b="1" dirty="0"/>
-              <a:t>in 2007 (20%), 2006(19%), 1973 (18%)</a:t>
-            </a:r>
-          </a:p>
-        </p:txBody>
-      </p:sp>
-      <p:sp>
-        <p:nvSpPr>
-          <p:cNvPr id="9" name="TextBox 8">
-            <a:extLst>
-              <a:ext uri="{FF2B5EF4-FFF2-40B4-BE49-F238E27FC236}">
-                <a16:creationId xmlns:a16="http://schemas.microsoft.com/office/drawing/2014/main" id="{BAE471D5-BE78-B475-EACD-E8098A762254}"/>
-              </a:ext>
-            </a:extLst>
-          </p:cNvPr>
-          <p:cNvSpPr txBox="1"/>
+              <a:rPr lang="en-IN" sz="1400" b="1" dirty="0"/>
+              <a:t>':</a:t>
+            </a:r>
+          </a:p>
+          <a:p>
+            <a:pPr marL="1200150" lvl="2" indent="-285750">
+              <a:buFont typeface="Arial" panose="020B0604020202020204" pitchFamily="34" charset="0"/>
+              <a:buChar char="•"/>
+            </a:pPr>
+            <a:r>
+              <a:rPr lang="en-IN" sz="1400" dirty="0"/>
+              <a:t>More charge offs(compared to general data pattern) is observed in </a:t>
+            </a:r>
+            <a:r>
+              <a:rPr lang="en-IN" sz="1400" b="1" dirty="0"/>
+              <a:t>range of 50-95</a:t>
+            </a:r>
+          </a:p>
+          <a:p>
+            <a:pPr marL="1200150" lvl="2" indent="-285750">
+              <a:buFont typeface="Arial" panose="020B0604020202020204" pitchFamily="34" charset="0"/>
+              <a:buChar char="•"/>
+            </a:pPr>
+            <a:r>
+              <a:rPr lang="en-IN" sz="1400" dirty="0"/>
+              <a:t>A high revolving balance on a loan means you are carrying over a large p  debt from one month to the next on a revolving credit account, such as a credit card or a revolving line of credit. Instead of paying your balance in full, you are only making minimum payments</a:t>
+            </a:r>
+          </a:p>
+          <a:p>
+            <a:pPr marL="1200150" lvl="2" indent="-285750">
+              <a:buFont typeface="Arial" panose="020B0604020202020204" pitchFamily="34" charset="0"/>
+              <a:buChar char="•"/>
+            </a:pPr>
+            <a:r>
+              <a:rPr lang="en-IN" sz="1400" dirty="0" err="1"/>
+              <a:t>revol_util</a:t>
+            </a:r>
+            <a:r>
+              <a:rPr lang="en-IN" sz="1400" dirty="0"/>
+              <a:t> = </a:t>
+            </a:r>
+            <a:r>
+              <a:rPr lang="en-IN" sz="1400" dirty="0" err="1"/>
+              <a:t>revol_bal</a:t>
+            </a:r>
+            <a:r>
+              <a:rPr lang="en-IN" sz="1400" dirty="0"/>
+              <a:t>/</a:t>
+            </a:r>
+            <a:r>
+              <a:rPr lang="en-IN" sz="1400" dirty="0" err="1"/>
+              <a:t>total_credit</a:t>
+            </a:r>
+            <a:endParaRPr lang="en-IN" sz="1400" dirty="0"/>
+          </a:p>
+        </p:txBody>
+      </p:sp>
+      <p:pic>
+        <p:nvPicPr>
+          <p:cNvPr id="7" name="Picture 6">
+            <a:extLst>
+              <a:ext uri="{FF2B5EF4-FFF2-40B4-BE49-F238E27FC236}">
+                <a16:creationId xmlns:a16="http://schemas.microsoft.com/office/drawing/2014/main" id="{878A3CB4-70D6-70C7-473A-4C54DB8163D1}"/>
+              </a:ext>
+            </a:extLst>
+          </p:cNvPr>
+          <p:cNvPicPr>
+            <a:picLocks noChangeAspect="1"/>
+          </p:cNvPicPr>
           <p:nvPr/>
-        </p:nvSpPr>
-        <p:spPr>
-          <a:xfrm>
-            <a:off x="293914" y="0"/>
-            <a:ext cx="2426755" cy="646331"/>
+        </p:nvPicPr>
+        <p:blipFill>
+          <a:blip r:embed="rId2"/>
+          <a:stretch>
+            <a:fillRect/>
+          </a:stretch>
+        </p:blipFill>
+        <p:spPr>
+          <a:xfrm>
+            <a:off x="209549" y="2727625"/>
+            <a:ext cx="3497929" cy="2749249"/>
           </a:xfrm>
           <a:prstGeom prst="rect">
             <a:avLst/>
           </a:prstGeom>
-          <a:noFill/>
-        </p:spPr>
-        <p:txBody>
-          <a:bodyPr wrap="none" rtlCol="0">
-            <a:spAutoFit/>
-          </a:bodyPr>
-          <a:lstStyle/>
-          <a:p>
-            <a:r>
-              <a:rPr lang="en-US" b="1" dirty="0"/>
-              <a:t>Categorical Variables</a:t>
-            </a:r>
-          </a:p>
-          <a:p>
-            <a:endParaRPr lang="en-US" dirty="0"/>
-          </a:p>
-        </p:txBody>
-      </p:sp>
+        </p:spPr>
+      </p:pic>
+      <p:pic>
+        <p:nvPicPr>
+          <p:cNvPr id="8" name="Picture 7">
+            <a:extLst>
+              <a:ext uri="{FF2B5EF4-FFF2-40B4-BE49-F238E27FC236}">
+                <a16:creationId xmlns:a16="http://schemas.microsoft.com/office/drawing/2014/main" id="{EDEDE07F-1A51-4B71-9883-0A46AE9C8AAC}"/>
+              </a:ext>
+            </a:extLst>
+          </p:cNvPr>
+          <p:cNvPicPr>
+            <a:picLocks noChangeAspect="1"/>
+          </p:cNvPicPr>
+          <p:nvPr/>
+        </p:nvPicPr>
+        <p:blipFill>
+          <a:blip r:embed="rId3"/>
+          <a:stretch>
+            <a:fillRect/>
+          </a:stretch>
+        </p:blipFill>
+        <p:spPr>
+          <a:xfrm>
+            <a:off x="4089859" y="2727625"/>
+            <a:ext cx="3681414" cy="2888395"/>
+          </a:xfrm>
+          <a:prstGeom prst="rect">
+            <a:avLst/>
+          </a:prstGeom>
+        </p:spPr>
+      </p:pic>
+      <p:pic>
+        <p:nvPicPr>
+          <p:cNvPr id="9" name="Picture 8">
+            <a:extLst>
+              <a:ext uri="{FF2B5EF4-FFF2-40B4-BE49-F238E27FC236}">
+                <a16:creationId xmlns:a16="http://schemas.microsoft.com/office/drawing/2014/main" id="{A1C11BBC-4D0B-74C3-02BD-CB4DE3CA634F}"/>
+              </a:ext>
+            </a:extLst>
+          </p:cNvPr>
+          <p:cNvPicPr>
+            <a:picLocks noChangeAspect="1"/>
+          </p:cNvPicPr>
+          <p:nvPr/>
+        </p:nvPicPr>
+        <p:blipFill>
+          <a:blip r:embed="rId4"/>
+          <a:stretch>
+            <a:fillRect/>
+          </a:stretch>
+        </p:blipFill>
+        <p:spPr>
+          <a:xfrm>
+            <a:off x="8153654" y="2727625"/>
+            <a:ext cx="3531267" cy="2866781"/>
+          </a:xfrm>
+          <a:prstGeom prst="rect">
+            <a:avLst/>
+          </a:prstGeom>
+        </p:spPr>
+      </p:pic>
     </p:spTree>
     <p:extLst>
       <p:ext uri="{BB962C8B-B14F-4D97-AF65-F5344CB8AC3E}">
-        <p14:creationId xmlns:p14="http://schemas.microsoft.com/office/powerpoint/2010/main" val="1214522842"/>
+        <p14:creationId xmlns:p14="http://schemas.microsoft.com/office/powerpoint/2010/main" val="3474324312"/>
       </p:ext>
     </p:extLst>
   </p:cSld>
@@ -5316,10 +5657,10 @@
       </p:grpSpPr>
       <p:sp>
         <p:nvSpPr>
-          <p:cNvPr id="5" name="TextBox 4">
-            <a:extLst>
-              <a:ext uri="{FF2B5EF4-FFF2-40B4-BE49-F238E27FC236}">
-                <a16:creationId xmlns:a16="http://schemas.microsoft.com/office/drawing/2014/main" id="{F9975C7E-9D2B-5A75-A9DC-98CFBCAC5CB6}"/>
+          <p:cNvPr id="7" name="TextBox 6">
+            <a:extLst>
+              <a:ext uri="{FF2B5EF4-FFF2-40B4-BE49-F238E27FC236}">
+                <a16:creationId xmlns:a16="http://schemas.microsoft.com/office/drawing/2014/main" id="{B21FFE52-F027-D459-1549-9141BD0D1441}"/>
               </a:ext>
             </a:extLst>
           </p:cNvPr>
@@ -5328,8 +5669,8 @@
         </p:nvSpPr>
         <p:spPr>
           <a:xfrm>
-            <a:off x="555171" y="239486"/>
-            <a:ext cx="910377" cy="369332"/>
+            <a:off x="239486" y="475480"/>
+            <a:ext cx="11658600" cy="5047536"/>
           </a:xfrm>
           <a:prstGeom prst="rect">
             <a:avLst/>
@@ -5337,202 +5678,363 @@
           <a:noFill/>
         </p:spPr>
         <p:txBody>
+          <a:bodyPr wrap="square" rtlCol="0">
+            <a:spAutoFit/>
+          </a:bodyPr>
+          <a:lstStyle/>
+          <a:p>
+            <a:r>
+              <a:rPr lang="en-US" sz="1400" b="1" dirty="0"/>
+              <a:t>-   'term’</a:t>
+            </a:r>
+          </a:p>
+          <a:p>
+            <a:pPr marL="742950" lvl="1" indent="-285750">
+              <a:buFont typeface="Arial" panose="020B0604020202020204" pitchFamily="34" charset="0"/>
+              <a:buChar char="•"/>
+            </a:pPr>
+            <a:r>
+              <a:rPr lang="en-US" sz="1400" dirty="0"/>
+              <a:t>60 Month term loan is more charged off</a:t>
+            </a:r>
+          </a:p>
+          <a:p>
+            <a:pPr marL="742950" lvl="1" indent="-285750">
+              <a:buFont typeface="Arial" panose="020B0604020202020204" pitchFamily="34" charset="0"/>
+              <a:buChar char="•"/>
+            </a:pPr>
+            <a:r>
+              <a:rPr lang="en-US" sz="1400" dirty="0"/>
+              <a:t>General trend is people opt for 36 month loan more hence 36 month loans are more in number as well as more charged off</a:t>
+            </a:r>
+          </a:p>
+          <a:p>
+            <a:pPr marL="742950" lvl="1" indent="-285750">
+              <a:buFont typeface="Arial" panose="020B0604020202020204" pitchFamily="34" charset="0"/>
+              <a:buChar char="•"/>
+            </a:pPr>
+            <a:r>
+              <a:rPr lang="en-US" sz="1400" dirty="0"/>
+              <a:t>General trend is people opt for 36 month loan more hence 36 month loans are more in number as well as more charged off</a:t>
+            </a:r>
+          </a:p>
+          <a:p>
+            <a:pPr marL="742950" lvl="1" indent="-285750">
+              <a:buFont typeface="Arial" panose="020B0604020202020204" pitchFamily="34" charset="0"/>
+              <a:buChar char="•"/>
+            </a:pPr>
+            <a:r>
+              <a:rPr lang="en-US" sz="1400" dirty="0"/>
+              <a:t>But Although 60 month loans are opted less but whoever opts it has more chances of defaulting</a:t>
+            </a:r>
+          </a:p>
+          <a:p>
+            <a:pPr marL="742950" lvl="1" indent="-285750">
+              <a:buFont typeface="Arial" panose="020B0604020202020204" pitchFamily="34" charset="0"/>
+              <a:buChar char="•"/>
+            </a:pPr>
+            <a:r>
+              <a:rPr lang="en-US" sz="1400" dirty="0"/>
+              <a:t>in terms of </a:t>
+            </a:r>
+            <a:r>
+              <a:rPr lang="en-US" sz="1400" dirty="0" err="1"/>
+              <a:t>approx</a:t>
+            </a:r>
+            <a:r>
+              <a:rPr lang="en-US" sz="1400" dirty="0"/>
+              <a:t> ratio </a:t>
+            </a:r>
+            <a:r>
+              <a:rPr lang="en-US" sz="1400" b="1" dirty="0"/>
+              <a:t>36M - 3000/30000 (10%), 60M - 2500/10000 (25%)</a:t>
+            </a:r>
+          </a:p>
+          <a:p>
+            <a:r>
+              <a:rPr lang="en-US" sz="1400" dirty="0"/>
+              <a:t>-   </a:t>
+            </a:r>
+            <a:r>
+              <a:rPr lang="en-US" sz="1400" b="1" dirty="0"/>
+              <a:t>'grade'</a:t>
+            </a:r>
+          </a:p>
+          <a:p>
+            <a:pPr marL="742950" lvl="1" indent="-285750">
+              <a:buFont typeface="Arial" panose="020B0604020202020204" pitchFamily="34" charset="0"/>
+              <a:buChar char="•"/>
+            </a:pPr>
+            <a:r>
+              <a:rPr lang="en-US" sz="1400" dirty="0"/>
+              <a:t>General trend of loans given is B &gt; A &gt; C &gt; D &gt; E &gt; F &gt; G</a:t>
+            </a:r>
+          </a:p>
+          <a:p>
+            <a:pPr marL="742950" lvl="1" indent="-285750">
+              <a:buFont typeface="Arial" panose="020B0604020202020204" pitchFamily="34" charset="0"/>
+              <a:buChar char="•"/>
+            </a:pPr>
+            <a:r>
+              <a:rPr lang="en-US" sz="1400" dirty="0"/>
+              <a:t>Charge off % by grade </a:t>
+            </a:r>
+            <a:r>
+              <a:rPr lang="en-US" sz="1400" b="1" dirty="0"/>
+              <a:t>G(32%) &gt; F(30%) &gt; E(25%) &gt; D (21%) &gt; C (16.6%) &gt; B (11.8%) &gt; A (6%)</a:t>
+            </a:r>
+          </a:p>
+          <a:p>
+            <a:pPr marL="742950" lvl="1" indent="-285750">
+              <a:buFont typeface="Arial" panose="020B0604020202020204" pitchFamily="34" charset="0"/>
+              <a:buChar char="•"/>
+            </a:pPr>
+            <a:r>
+              <a:rPr lang="en-US" sz="1400" dirty="0"/>
+              <a:t>80% grade G loans (worst performing) are of 60 months</a:t>
+            </a:r>
+          </a:p>
+          <a:p>
+            <a:pPr marL="742950" lvl="1" indent="-285750">
+              <a:buFont typeface="Arial" panose="020B0604020202020204" pitchFamily="34" charset="0"/>
+              <a:buChar char="•"/>
+            </a:pPr>
+            <a:r>
+              <a:rPr lang="en-US" sz="1400" dirty="0"/>
+              <a:t>mean </a:t>
+            </a:r>
+            <a:r>
+              <a:rPr lang="en-US" sz="1400" dirty="0" err="1"/>
+              <a:t>revol_util</a:t>
+            </a:r>
+            <a:r>
+              <a:rPr lang="en-US" sz="1400" dirty="0"/>
+              <a:t> for grade G loans is 71.4</a:t>
+            </a:r>
+          </a:p>
+          <a:p>
+            <a:pPr marL="742950" lvl="1" indent="-285750">
+              <a:buFont typeface="Arial" panose="020B0604020202020204" pitchFamily="34" charset="0"/>
+              <a:buChar char="•"/>
+            </a:pPr>
+            <a:endParaRPr lang="en-US" sz="1400" dirty="0"/>
+          </a:p>
+          <a:p>
+            <a:r>
+              <a:rPr lang="en-US" sz="1400" dirty="0"/>
+              <a:t>-   </a:t>
+            </a:r>
+            <a:r>
+              <a:rPr lang="en-US" sz="1400" b="1" dirty="0"/>
+              <a:t>'</a:t>
+            </a:r>
+            <a:r>
+              <a:rPr lang="en-US" sz="1400" b="1" dirty="0" err="1"/>
+              <a:t>home_ownership</a:t>
+            </a:r>
+            <a:r>
+              <a:rPr lang="en-US" sz="1400" b="1" dirty="0"/>
+              <a:t>'</a:t>
+            </a:r>
+          </a:p>
+          <a:p>
+            <a:pPr marL="742950" lvl="1" indent="-285750">
+              <a:buFont typeface="Arial" panose="020B0604020202020204" pitchFamily="34" charset="0"/>
+              <a:buChar char="•"/>
+            </a:pPr>
+            <a:r>
+              <a:rPr lang="en-US" sz="1400" dirty="0"/>
+              <a:t>Most charge offs are done by </a:t>
+            </a:r>
+            <a:r>
+              <a:rPr lang="en-US" sz="1400" b="1" dirty="0"/>
+              <a:t>'OTHER' category with 18.4% </a:t>
+            </a:r>
+            <a:r>
+              <a:rPr lang="en-US" sz="1400" dirty="0"/>
+              <a:t>charge off</a:t>
+            </a:r>
+          </a:p>
+          <a:p>
+            <a:pPr marL="742950" lvl="1" indent="-285750">
+              <a:buFont typeface="Arial" panose="020B0604020202020204" pitchFamily="34" charset="0"/>
+              <a:buChar char="•"/>
+            </a:pPr>
+            <a:r>
+              <a:rPr lang="en-US" sz="1400" dirty="0"/>
+              <a:t>OTHER is a confusing category, there is also a NONE, this </a:t>
+            </a:r>
+            <a:r>
+              <a:rPr lang="en-US" sz="1400" b="1" dirty="0"/>
+              <a:t>needs to be clarified if it is conclusive enough.</a:t>
+            </a:r>
+          </a:p>
+          <a:p>
+            <a:r>
+              <a:rPr lang="en-US" sz="1400" dirty="0"/>
+              <a:t>-  </a:t>
+            </a:r>
+            <a:r>
+              <a:rPr lang="en-US" sz="1400" b="1" dirty="0"/>
+              <a:t> 'purpose'</a:t>
+            </a:r>
+          </a:p>
+          <a:p>
+            <a:pPr marL="742950" lvl="1" indent="-285750">
+              <a:buFont typeface="Arial" panose="020B0604020202020204" pitchFamily="34" charset="0"/>
+              <a:buChar char="•"/>
+            </a:pPr>
+            <a:r>
+              <a:rPr lang="en-US" sz="1400" dirty="0"/>
+              <a:t>Most charge offs done by loans with purpose</a:t>
+            </a:r>
+            <a:r>
+              <a:rPr lang="en-US" sz="1400" b="1" dirty="0"/>
+              <a:t>: </a:t>
+            </a:r>
+            <a:r>
+              <a:rPr lang="en-US" sz="1400" b="1" dirty="0" err="1"/>
+              <a:t>small_business</a:t>
+            </a:r>
+            <a:r>
+              <a:rPr lang="en-US" sz="1400" b="1" dirty="0"/>
+              <a:t> with 25% charge offs</a:t>
+            </a:r>
+          </a:p>
+          <a:p>
+            <a:endParaRPr lang="en-US" sz="1400" dirty="0"/>
+          </a:p>
+          <a:p>
+            <a:r>
+              <a:rPr lang="en-US" sz="1400" dirty="0"/>
+              <a:t>-   </a:t>
+            </a:r>
+            <a:r>
+              <a:rPr lang="en-US" sz="1400" b="1" dirty="0"/>
+              <a:t>'</a:t>
+            </a:r>
+            <a:r>
+              <a:rPr lang="en-US" sz="1400" b="1" dirty="0" err="1"/>
+              <a:t>addr_state</a:t>
+            </a:r>
+            <a:r>
+              <a:rPr lang="en-US" sz="1400" b="1" dirty="0"/>
+              <a:t>'</a:t>
+            </a:r>
+          </a:p>
+          <a:p>
+            <a:pPr marL="742950" lvl="1" indent="-285750">
+              <a:buFont typeface="Arial" panose="020B0604020202020204" pitchFamily="34" charset="0"/>
+              <a:buChar char="•"/>
+            </a:pPr>
+            <a:r>
+              <a:rPr lang="en-US" sz="1400" dirty="0"/>
+              <a:t>Most </a:t>
+            </a:r>
+            <a:r>
+              <a:rPr lang="en-US" sz="1400" dirty="0" err="1"/>
+              <a:t>charege</a:t>
+            </a:r>
+            <a:r>
+              <a:rPr lang="en-US" sz="1400" dirty="0"/>
+              <a:t> offs by </a:t>
+            </a:r>
+            <a:r>
+              <a:rPr lang="en-US" sz="1400" b="1" dirty="0"/>
+              <a:t>state - NV at 22% </a:t>
+            </a:r>
+            <a:r>
+              <a:rPr lang="en-US" sz="1400" dirty="0"/>
+              <a:t>deviation from general pattern </a:t>
+            </a:r>
+            <a:r>
+              <a:rPr lang="en-US" sz="1400" dirty="0" err="1"/>
+              <a:t>fo</a:t>
+            </a:r>
+            <a:r>
+              <a:rPr lang="en-US" sz="1400" dirty="0"/>
+              <a:t> 12-17 percent</a:t>
+            </a:r>
+          </a:p>
+          <a:p>
+            <a:endParaRPr lang="en-US" sz="1400" dirty="0"/>
+          </a:p>
+          <a:p>
+            <a:pPr marL="285750" indent="-285750">
+              <a:buFontTx/>
+              <a:buChar char="-"/>
+            </a:pPr>
+            <a:r>
+              <a:rPr lang="en-US" sz="1400" b="1" dirty="0"/>
+              <a:t>'</a:t>
+            </a:r>
+            <a:r>
+              <a:rPr lang="en-US" sz="1400" b="1" dirty="0" err="1"/>
+              <a:t>earliest_cr_line</a:t>
+            </a:r>
+            <a:r>
+              <a:rPr lang="en-US" sz="1400" b="1" dirty="0"/>
+              <a:t>’</a:t>
+            </a:r>
+          </a:p>
+          <a:p>
+            <a:pPr marL="742950" lvl="1" indent="-285750">
+              <a:buFont typeface="Arial" panose="020B0604020202020204" pitchFamily="34" charset="0"/>
+              <a:buChar char="•"/>
+            </a:pPr>
+            <a:r>
+              <a:rPr lang="en-US" sz="1400" dirty="0"/>
+              <a:t>Most defaulting customer started their credit relations </a:t>
+            </a:r>
+            <a:r>
+              <a:rPr lang="en-US" sz="1400" b="1" dirty="0"/>
+              <a:t>in 2007 (20%), 2006(19%), 1973 (18%)</a:t>
+            </a:r>
+          </a:p>
+        </p:txBody>
+      </p:sp>
+      <p:sp>
+        <p:nvSpPr>
+          <p:cNvPr id="9" name="TextBox 8">
+            <a:extLst>
+              <a:ext uri="{FF2B5EF4-FFF2-40B4-BE49-F238E27FC236}">
+                <a16:creationId xmlns:a16="http://schemas.microsoft.com/office/drawing/2014/main" id="{BAE471D5-BE78-B475-EACD-E8098A762254}"/>
+              </a:ext>
+            </a:extLst>
+          </p:cNvPr>
+          <p:cNvSpPr txBox="1"/>
+          <p:nvPr/>
+        </p:nvSpPr>
+        <p:spPr>
+          <a:xfrm>
+            <a:off x="293914" y="0"/>
+            <a:ext cx="2426755" cy="646331"/>
+          </a:xfrm>
+          <a:prstGeom prst="rect">
+            <a:avLst/>
+          </a:prstGeom>
+          <a:noFill/>
+        </p:spPr>
+        <p:txBody>
           <a:bodyPr wrap="none" rtlCol="0">
             <a:spAutoFit/>
           </a:bodyPr>
           <a:lstStyle/>
           <a:p>
             <a:r>
-              <a:rPr lang="en-US" dirty="0"/>
-              <a:t>Graphs</a:t>
-            </a:r>
-          </a:p>
-        </p:txBody>
-      </p:sp>
-      <p:pic>
-        <p:nvPicPr>
-          <p:cNvPr id="6" name="Picture 5">
-            <a:extLst>
-              <a:ext uri="{FF2B5EF4-FFF2-40B4-BE49-F238E27FC236}">
-                <a16:creationId xmlns:a16="http://schemas.microsoft.com/office/drawing/2014/main" id="{E9F37BCF-A891-B0C9-8674-899CA9FD9F4C}"/>
-              </a:ext>
-            </a:extLst>
-          </p:cNvPr>
-          <p:cNvPicPr>
-            <a:picLocks noChangeAspect="1"/>
-          </p:cNvPicPr>
-          <p:nvPr/>
-        </p:nvPicPr>
-        <p:blipFill>
-          <a:blip r:embed="rId2"/>
-          <a:stretch>
-            <a:fillRect/>
-          </a:stretch>
-        </p:blipFill>
-        <p:spPr>
-          <a:xfrm>
-            <a:off x="0" y="761219"/>
-            <a:ext cx="2982685" cy="2233082"/>
-          </a:xfrm>
-          <a:prstGeom prst="rect">
-            <a:avLst/>
-          </a:prstGeom>
-        </p:spPr>
-      </p:pic>
-      <p:pic>
-        <p:nvPicPr>
-          <p:cNvPr id="7" name="Picture 6">
-            <a:extLst>
-              <a:ext uri="{FF2B5EF4-FFF2-40B4-BE49-F238E27FC236}">
-                <a16:creationId xmlns:a16="http://schemas.microsoft.com/office/drawing/2014/main" id="{0D247022-25A9-334E-1CEE-E93CE79E9476}"/>
-              </a:ext>
-            </a:extLst>
-          </p:cNvPr>
-          <p:cNvPicPr>
-            <a:picLocks noChangeAspect="1"/>
-          </p:cNvPicPr>
-          <p:nvPr/>
-        </p:nvPicPr>
-        <p:blipFill>
-          <a:blip r:embed="rId3"/>
-          <a:stretch>
-            <a:fillRect/>
-          </a:stretch>
-        </p:blipFill>
-        <p:spPr>
-          <a:xfrm>
-            <a:off x="3264807" y="761219"/>
-            <a:ext cx="2831193" cy="2137323"/>
-          </a:xfrm>
-          <a:prstGeom prst="rect">
-            <a:avLst/>
-          </a:prstGeom>
-        </p:spPr>
-      </p:pic>
-      <p:pic>
-        <p:nvPicPr>
-          <p:cNvPr id="8" name="Picture 7">
-            <a:extLst>
-              <a:ext uri="{FF2B5EF4-FFF2-40B4-BE49-F238E27FC236}">
-                <a16:creationId xmlns:a16="http://schemas.microsoft.com/office/drawing/2014/main" id="{29F299A2-3423-1D4F-DEA3-B37F649B801D}"/>
-              </a:ext>
-            </a:extLst>
-          </p:cNvPr>
-          <p:cNvPicPr>
-            <a:picLocks noChangeAspect="1"/>
-          </p:cNvPicPr>
-          <p:nvPr/>
-        </p:nvPicPr>
-        <p:blipFill>
-          <a:blip r:embed="rId4"/>
-          <a:stretch>
-            <a:fillRect/>
-          </a:stretch>
-        </p:blipFill>
-        <p:spPr>
-          <a:xfrm>
-            <a:off x="36646" y="3429000"/>
-            <a:ext cx="3704560" cy="2089328"/>
-          </a:xfrm>
-          <a:prstGeom prst="rect">
-            <a:avLst/>
-          </a:prstGeom>
-        </p:spPr>
-      </p:pic>
-      <p:pic>
-        <p:nvPicPr>
-          <p:cNvPr id="9" name="Picture 8">
-            <a:extLst>
-              <a:ext uri="{FF2B5EF4-FFF2-40B4-BE49-F238E27FC236}">
-                <a16:creationId xmlns:a16="http://schemas.microsoft.com/office/drawing/2014/main" id="{813C157B-5B02-F502-9CB2-108840EFA5E8}"/>
-              </a:ext>
-            </a:extLst>
-          </p:cNvPr>
-          <p:cNvPicPr>
-            <a:picLocks noChangeAspect="1"/>
-          </p:cNvPicPr>
-          <p:nvPr/>
-        </p:nvPicPr>
-        <p:blipFill>
-          <a:blip r:embed="rId5"/>
-          <a:stretch>
-            <a:fillRect/>
-          </a:stretch>
-        </p:blipFill>
-        <p:spPr>
-          <a:xfrm>
-            <a:off x="4142424" y="3446125"/>
-            <a:ext cx="3594311" cy="2072203"/>
-          </a:xfrm>
-          <a:prstGeom prst="rect">
-            <a:avLst/>
-          </a:prstGeom>
-        </p:spPr>
-      </p:pic>
-      <p:pic>
-        <p:nvPicPr>
-          <p:cNvPr id="10" name="Picture 9">
-            <a:extLst>
-              <a:ext uri="{FF2B5EF4-FFF2-40B4-BE49-F238E27FC236}">
-                <a16:creationId xmlns:a16="http://schemas.microsoft.com/office/drawing/2014/main" id="{0831B36D-4DA9-A1E3-F801-E360AE28F449}"/>
-              </a:ext>
-            </a:extLst>
-          </p:cNvPr>
-          <p:cNvPicPr>
-            <a:picLocks noChangeAspect="1"/>
-          </p:cNvPicPr>
-          <p:nvPr/>
-        </p:nvPicPr>
-        <p:blipFill>
-          <a:blip r:embed="rId6"/>
-          <a:stretch>
-            <a:fillRect/>
-          </a:stretch>
-        </p:blipFill>
-        <p:spPr>
-          <a:xfrm>
-            <a:off x="8137953" y="3429000"/>
-            <a:ext cx="3651274" cy="2072203"/>
-          </a:xfrm>
-          <a:prstGeom prst="rect">
-            <a:avLst/>
-          </a:prstGeom>
-        </p:spPr>
-      </p:pic>
-      <p:pic>
-        <p:nvPicPr>
-          <p:cNvPr id="11" name="Picture 10">
-            <a:extLst>
-              <a:ext uri="{FF2B5EF4-FFF2-40B4-BE49-F238E27FC236}">
-                <a16:creationId xmlns:a16="http://schemas.microsoft.com/office/drawing/2014/main" id="{F506992A-1A8E-F833-FFD3-D435658585C6}"/>
-              </a:ext>
-            </a:extLst>
-          </p:cNvPr>
-          <p:cNvPicPr>
-            <a:picLocks noChangeAspect="1"/>
-          </p:cNvPicPr>
-          <p:nvPr/>
-        </p:nvPicPr>
-        <p:blipFill>
-          <a:blip r:embed="rId7"/>
-          <a:stretch>
-            <a:fillRect/>
-          </a:stretch>
-        </p:blipFill>
-        <p:spPr>
-          <a:xfrm>
-            <a:off x="7206342" y="424152"/>
-            <a:ext cx="3362779" cy="2588321"/>
-          </a:xfrm>
-          <a:prstGeom prst="rect">
-            <a:avLst/>
-          </a:prstGeom>
-        </p:spPr>
-      </p:pic>
+              <a:rPr lang="en-US" b="1" dirty="0"/>
+              <a:t>Categorical Variables</a:t>
+            </a:r>
+          </a:p>
+          <a:p>
+            <a:endParaRPr lang="en-US" dirty="0"/>
+          </a:p>
+        </p:txBody>
+      </p:sp>
     </p:spTree>
     <p:extLst>
       <p:ext uri="{BB962C8B-B14F-4D97-AF65-F5344CB8AC3E}">
-        <p14:creationId xmlns:p14="http://schemas.microsoft.com/office/powerpoint/2010/main" val="647899411"/>
+        <p14:creationId xmlns:p14="http://schemas.microsoft.com/office/powerpoint/2010/main" val="1214522842"/>
       </p:ext>
     </p:extLst>
   </p:cSld>
@@ -5559,12 +6061,47 @@
           <a:chExt cx="0" cy="0"/>
         </a:xfrm>
       </p:grpSpPr>
+      <p:sp>
+        <p:nvSpPr>
+          <p:cNvPr id="5" name="TextBox 4">
+            <a:extLst>
+              <a:ext uri="{FF2B5EF4-FFF2-40B4-BE49-F238E27FC236}">
+                <a16:creationId xmlns:a16="http://schemas.microsoft.com/office/drawing/2014/main" id="{F9975C7E-9D2B-5A75-A9DC-98CFBCAC5CB6}"/>
+              </a:ext>
+            </a:extLst>
+          </p:cNvPr>
+          <p:cNvSpPr txBox="1"/>
+          <p:nvPr/>
+        </p:nvSpPr>
+        <p:spPr>
+          <a:xfrm>
+            <a:off x="126546" y="0"/>
+            <a:ext cx="910377" cy="369332"/>
+          </a:xfrm>
+          <a:prstGeom prst="rect">
+            <a:avLst/>
+          </a:prstGeom>
+          <a:noFill/>
+        </p:spPr>
+        <p:txBody>
+          <a:bodyPr wrap="none" rtlCol="0">
+            <a:spAutoFit/>
+          </a:bodyPr>
+          <a:lstStyle/>
+          <a:p>
+            <a:r>
+              <a:rPr lang="en-US" dirty="0"/>
+              <a:t>Graphs</a:t>
+            </a:r>
+          </a:p>
+        </p:txBody>
+      </p:sp>
       <p:pic>
         <p:nvPicPr>
-          <p:cNvPr id="9" name="Picture 8">
-            <a:extLst>
-              <a:ext uri="{FF2B5EF4-FFF2-40B4-BE49-F238E27FC236}">
-                <a16:creationId xmlns:a16="http://schemas.microsoft.com/office/drawing/2014/main" id="{0363F0A2-C836-2054-DAFB-379E6F0132E1}"/>
+          <p:cNvPr id="6" name="Picture 5">
+            <a:extLst>
+              <a:ext uri="{FF2B5EF4-FFF2-40B4-BE49-F238E27FC236}">
+                <a16:creationId xmlns:a16="http://schemas.microsoft.com/office/drawing/2014/main" id="{E9F37BCF-A891-B0C9-8674-899CA9FD9F4C}"/>
               </a:ext>
             </a:extLst>
           </p:cNvPr>
@@ -5581,8 +6118,8 @@
         </p:blipFill>
         <p:spPr>
           <a:xfrm>
-            <a:off x="0" y="233570"/>
-            <a:ext cx="5170714" cy="2699312"/>
+            <a:off x="9156963" y="4654485"/>
+            <a:ext cx="2908491" cy="2177535"/>
           </a:xfrm>
           <a:prstGeom prst="rect">
             <a:avLst/>
@@ -5591,10 +6128,10 @@
       </p:pic>
       <p:pic>
         <p:nvPicPr>
-          <p:cNvPr id="10" name="Picture 9">
-            <a:extLst>
-              <a:ext uri="{FF2B5EF4-FFF2-40B4-BE49-F238E27FC236}">
-                <a16:creationId xmlns:a16="http://schemas.microsoft.com/office/drawing/2014/main" id="{8340E38B-E7EE-6F7B-8BA1-EB781ED2F995}"/>
+          <p:cNvPr id="8" name="Picture 7">
+            <a:extLst>
+              <a:ext uri="{FF2B5EF4-FFF2-40B4-BE49-F238E27FC236}">
+                <a16:creationId xmlns:a16="http://schemas.microsoft.com/office/drawing/2014/main" id="{29F299A2-3423-1D4F-DEA3-B37F649B801D}"/>
               </a:ext>
             </a:extLst>
           </p:cNvPr>
@@ -5611,8 +6148,8 @@
         </p:blipFill>
         <p:spPr>
           <a:xfrm>
-            <a:off x="6029695" y="395566"/>
-            <a:ext cx="5040582" cy="2537316"/>
+            <a:off x="183764" y="5149820"/>
+            <a:ext cx="2982685" cy="1682200"/>
           </a:xfrm>
           <a:prstGeom prst="rect">
             <a:avLst/>
@@ -5621,10 +6158,10 @@
       </p:pic>
       <p:pic>
         <p:nvPicPr>
-          <p:cNvPr id="11" name="Picture 10">
-            <a:extLst>
-              <a:ext uri="{FF2B5EF4-FFF2-40B4-BE49-F238E27FC236}">
-                <a16:creationId xmlns:a16="http://schemas.microsoft.com/office/drawing/2014/main" id="{70B3AD5B-8D42-7478-FB34-E2A089D107B2}"/>
+          <p:cNvPr id="9" name="Picture 8">
+            <a:extLst>
+              <a:ext uri="{FF2B5EF4-FFF2-40B4-BE49-F238E27FC236}">
+                <a16:creationId xmlns:a16="http://schemas.microsoft.com/office/drawing/2014/main" id="{813C157B-5B02-F502-9CB2-108840EFA5E8}"/>
               </a:ext>
             </a:extLst>
           </p:cNvPr>
@@ -5641,18 +6178,308 @@
         </p:blipFill>
         <p:spPr>
           <a:xfrm>
-            <a:off x="3015343" y="3522305"/>
-            <a:ext cx="5464629" cy="2626833"/>
+            <a:off x="183764" y="3385637"/>
+            <a:ext cx="3060039" cy="1764183"/>
           </a:xfrm>
           <a:prstGeom prst="rect">
             <a:avLst/>
           </a:prstGeom>
         </p:spPr>
       </p:pic>
+      <p:pic>
+        <p:nvPicPr>
+          <p:cNvPr id="11" name="Picture 10">
+            <a:extLst>
+              <a:ext uri="{FF2B5EF4-FFF2-40B4-BE49-F238E27FC236}">
+                <a16:creationId xmlns:a16="http://schemas.microsoft.com/office/drawing/2014/main" id="{F506992A-1A8E-F833-FFD3-D435658585C6}"/>
+              </a:ext>
+            </a:extLst>
+          </p:cNvPr>
+          <p:cNvPicPr>
+            <a:picLocks noChangeAspect="1"/>
+          </p:cNvPicPr>
+          <p:nvPr/>
+        </p:nvPicPr>
+        <p:blipFill>
+          <a:blip r:embed="rId5"/>
+          <a:stretch>
+            <a:fillRect/>
+          </a:stretch>
+        </p:blipFill>
+        <p:spPr>
+          <a:xfrm>
+            <a:off x="9156962" y="208863"/>
+            <a:ext cx="2851273" cy="2194616"/>
+          </a:xfrm>
+          <a:prstGeom prst="rect">
+            <a:avLst/>
+          </a:prstGeom>
+        </p:spPr>
+      </p:pic>
+      <p:pic>
+        <p:nvPicPr>
+          <p:cNvPr id="3" name="Picture 2">
+            <a:extLst>
+              <a:ext uri="{FF2B5EF4-FFF2-40B4-BE49-F238E27FC236}">
+                <a16:creationId xmlns:a16="http://schemas.microsoft.com/office/drawing/2014/main" id="{964E7B93-6BDD-B584-2738-CB868AF2751B}"/>
+              </a:ext>
+            </a:extLst>
+          </p:cNvPr>
+          <p:cNvPicPr>
+            <a:picLocks noChangeAspect="1"/>
+          </p:cNvPicPr>
+          <p:nvPr/>
+        </p:nvPicPr>
+        <p:blipFill>
+          <a:blip r:embed="rId6"/>
+          <a:stretch>
+            <a:fillRect/>
+          </a:stretch>
+        </p:blipFill>
+        <p:spPr>
+          <a:xfrm>
+            <a:off x="9272204" y="2464687"/>
+            <a:ext cx="2736032" cy="2066474"/>
+          </a:xfrm>
+          <a:prstGeom prst="rect">
+            <a:avLst/>
+          </a:prstGeom>
+        </p:spPr>
+      </p:pic>
+      <p:pic>
+        <p:nvPicPr>
+          <p:cNvPr id="12" name="Picture 11">
+            <a:extLst>
+              <a:ext uri="{FF2B5EF4-FFF2-40B4-BE49-F238E27FC236}">
+                <a16:creationId xmlns:a16="http://schemas.microsoft.com/office/drawing/2014/main" id="{A7D4B0EF-5BE6-7F5F-C3C6-14AA817F5319}"/>
+              </a:ext>
+            </a:extLst>
+          </p:cNvPr>
+          <p:cNvPicPr>
+            <a:picLocks noChangeAspect="1"/>
+          </p:cNvPicPr>
+          <p:nvPr/>
+        </p:nvPicPr>
+        <p:blipFill>
+          <a:blip r:embed="rId7"/>
+          <a:stretch>
+            <a:fillRect/>
+          </a:stretch>
+        </p:blipFill>
+        <p:spPr>
+          <a:xfrm>
+            <a:off x="269148" y="1657166"/>
+            <a:ext cx="2982685" cy="1692760"/>
+          </a:xfrm>
+          <a:prstGeom prst="rect">
+            <a:avLst/>
+          </a:prstGeom>
+        </p:spPr>
+      </p:pic>
+      <p:sp>
+        <p:nvSpPr>
+          <p:cNvPr id="23" name="TextBox 22">
+            <a:extLst>
+              <a:ext uri="{FF2B5EF4-FFF2-40B4-BE49-F238E27FC236}">
+                <a16:creationId xmlns:a16="http://schemas.microsoft.com/office/drawing/2014/main" id="{5C7EA5AA-C98C-BB50-1396-298E9922E916}"/>
+              </a:ext>
+            </a:extLst>
+          </p:cNvPr>
+          <p:cNvSpPr txBox="1"/>
+          <p:nvPr/>
+        </p:nvSpPr>
+        <p:spPr>
+          <a:xfrm>
+            <a:off x="108971" y="547851"/>
+            <a:ext cx="3303040" cy="1169551"/>
+          </a:xfrm>
+          <a:prstGeom prst="rect">
+            <a:avLst/>
+          </a:prstGeom>
+          <a:noFill/>
+        </p:spPr>
+        <p:txBody>
+          <a:bodyPr wrap="square" rtlCol="0">
+            <a:spAutoFit/>
+          </a:bodyPr>
+          <a:lstStyle/>
+          <a:p>
+            <a:r>
+              <a:rPr lang="en-US" sz="1400" dirty="0"/>
+              <a:t>Comparison of loan terms for </a:t>
+            </a:r>
+          </a:p>
+          <a:p>
+            <a:pPr marL="285750" indent="-285750">
+              <a:buFontTx/>
+              <a:buChar char="-"/>
+            </a:pPr>
+            <a:r>
+              <a:rPr lang="en-US" sz="1400" dirty="0"/>
+              <a:t>total loans vs paid loans vs charged off</a:t>
+            </a:r>
+          </a:p>
+          <a:p>
+            <a:pPr marL="285750" indent="-285750">
+              <a:buFontTx/>
+              <a:buChar char="-"/>
+            </a:pPr>
+            <a:r>
+              <a:rPr lang="en-US" sz="1400" dirty="0"/>
+              <a:t> 60M loans are charged of more</a:t>
+            </a:r>
+          </a:p>
+          <a:p>
+            <a:endParaRPr lang="en-US" sz="1400" dirty="0"/>
+          </a:p>
+        </p:txBody>
+      </p:sp>
+      <p:sp>
+        <p:nvSpPr>
+          <p:cNvPr id="24" name="TextBox 23">
+            <a:extLst>
+              <a:ext uri="{FF2B5EF4-FFF2-40B4-BE49-F238E27FC236}">
+                <a16:creationId xmlns:a16="http://schemas.microsoft.com/office/drawing/2014/main" id="{C8CB0DA1-3D7C-03C1-09E7-17F754A34154}"/>
+              </a:ext>
+            </a:extLst>
+          </p:cNvPr>
+          <p:cNvSpPr txBox="1"/>
+          <p:nvPr/>
+        </p:nvSpPr>
+        <p:spPr>
+          <a:xfrm>
+            <a:off x="6096001" y="1437588"/>
+            <a:ext cx="2892753" cy="5262979"/>
+          </a:xfrm>
+          <a:prstGeom prst="rect">
+            <a:avLst/>
+          </a:prstGeom>
+          <a:noFill/>
+        </p:spPr>
+        <p:txBody>
+          <a:bodyPr wrap="square" rtlCol="0">
+            <a:spAutoFit/>
+          </a:bodyPr>
+          <a:lstStyle/>
+          <a:p>
+            <a:r>
+              <a:rPr lang="en-US" sz="1400" dirty="0"/>
+              <a:t>Grades</a:t>
+            </a:r>
+          </a:p>
+          <a:p>
+            <a:pPr marL="285750" indent="-285750">
+              <a:buFont typeface="Arial" panose="020B0604020202020204" pitchFamily="34" charset="0"/>
+              <a:buChar char="•"/>
+            </a:pPr>
+            <a:r>
+              <a:rPr lang="en-US" sz="1400" dirty="0"/>
+              <a:t>Grades by most default</a:t>
+            </a:r>
+          </a:p>
+          <a:p>
+            <a:pPr marL="742950" lvl="1" indent="-285750">
+              <a:buFont typeface="Arial" panose="020B0604020202020204" pitchFamily="34" charset="0"/>
+              <a:buChar char="•"/>
+            </a:pPr>
+            <a:r>
+              <a:rPr lang="en-US" sz="1400" dirty="0"/>
+              <a:t>G&gt;F&gt;E&gt;D&gt;C&gt;B&gt;A</a:t>
+            </a:r>
+          </a:p>
+          <a:p>
+            <a:pPr marL="285750" indent="-285750">
+              <a:buFont typeface="Arial" panose="020B0604020202020204" pitchFamily="34" charset="0"/>
+              <a:buChar char="•"/>
+            </a:pPr>
+            <a:endParaRPr lang="en-US" sz="1400" dirty="0"/>
+          </a:p>
+          <a:p>
+            <a:endParaRPr lang="en-US" sz="1400" dirty="0"/>
+          </a:p>
+          <a:p>
+            <a:endParaRPr lang="en-US" sz="1400" dirty="0"/>
+          </a:p>
+          <a:p>
+            <a:pPr marL="285750" indent="-285750">
+              <a:buFont typeface="Arial" panose="020B0604020202020204" pitchFamily="34" charset="0"/>
+              <a:buChar char="•"/>
+            </a:pPr>
+            <a:r>
+              <a:rPr lang="en-US" sz="1400" dirty="0"/>
+              <a:t>Revolving utilization increases with grade A&lt;B&lt;C&lt;D&lt;E&lt;F&lt;G</a:t>
+            </a:r>
+          </a:p>
+          <a:p>
+            <a:pPr marL="285750" indent="-285750">
+              <a:buFont typeface="Arial" panose="020B0604020202020204" pitchFamily="34" charset="0"/>
+              <a:buChar char="•"/>
+            </a:pPr>
+            <a:endParaRPr lang="en-US" sz="1400" dirty="0"/>
+          </a:p>
+          <a:p>
+            <a:endParaRPr lang="en-US" sz="1400" dirty="0"/>
+          </a:p>
+          <a:p>
+            <a:endParaRPr lang="en-US" sz="1400" dirty="0"/>
+          </a:p>
+          <a:p>
+            <a:endParaRPr lang="en-US" sz="1400" dirty="0"/>
+          </a:p>
+          <a:p>
+            <a:pPr marL="285750" indent="-285750">
+              <a:buFont typeface="Arial" panose="020B0604020202020204" pitchFamily="34" charset="0"/>
+              <a:buChar char="•"/>
+            </a:pPr>
+            <a:r>
+              <a:rPr lang="en-US" sz="1400" dirty="0"/>
+              <a:t>Interest rates increase with grade A&lt;B&lt;C&lt;D&lt;E&lt;F&lt;G</a:t>
+            </a:r>
+          </a:p>
+          <a:p>
+            <a:endParaRPr lang="en-US" sz="1400" dirty="0"/>
+          </a:p>
+          <a:p>
+            <a:endParaRPr lang="en-US" sz="1400" dirty="0"/>
+          </a:p>
+          <a:p>
+            <a:endParaRPr lang="en-US" sz="1400" dirty="0"/>
+          </a:p>
+          <a:p>
+            <a:pPr marL="285750" indent="-285750">
+              <a:buFont typeface="Arial" panose="020B0604020202020204" pitchFamily="34" charset="0"/>
+              <a:buChar char="•"/>
+            </a:pPr>
+            <a:r>
+              <a:rPr lang="en-US" sz="1400" dirty="0"/>
+              <a:t>That should mean more defaults are happening with high interest rate and high revolving </a:t>
+            </a:r>
+            <a:r>
+              <a:rPr lang="en-US" sz="1400" dirty="0" err="1"/>
+              <a:t>utilisation</a:t>
+            </a:r>
+            <a:endParaRPr lang="en-US" sz="1400" dirty="0"/>
+          </a:p>
+          <a:p>
+            <a:endParaRPr lang="en-US" sz="1400" dirty="0"/>
+          </a:p>
+          <a:p>
+            <a:pPr lvl="1"/>
+            <a:endParaRPr lang="en-US" sz="1400" dirty="0"/>
+          </a:p>
+          <a:p>
+            <a:pPr marL="285750" indent="-285750">
+              <a:buFont typeface="Arial" panose="020B0604020202020204" pitchFamily="34" charset="0"/>
+              <a:buChar char="•"/>
+            </a:pPr>
+            <a:endParaRPr lang="en-US" sz="1400" dirty="0"/>
+          </a:p>
+        </p:txBody>
+      </p:sp>
     </p:spTree>
     <p:extLst>
       <p:ext uri="{BB962C8B-B14F-4D97-AF65-F5344CB8AC3E}">
-        <p14:creationId xmlns:p14="http://schemas.microsoft.com/office/powerpoint/2010/main" val="4273900342"/>
+        <p14:creationId xmlns:p14="http://schemas.microsoft.com/office/powerpoint/2010/main" val="647899411"/>
       </p:ext>
     </p:extLst>
   </p:cSld>
@@ -5681,10 +6508,10 @@
       </p:grpSpPr>
       <p:pic>
         <p:nvPicPr>
-          <p:cNvPr id="5" name="Picture 4">
-            <a:extLst>
-              <a:ext uri="{FF2B5EF4-FFF2-40B4-BE49-F238E27FC236}">
-                <a16:creationId xmlns:a16="http://schemas.microsoft.com/office/drawing/2014/main" id="{62EC973B-6D88-FF2C-0CB1-43DB11B720A2}"/>
+          <p:cNvPr id="2" name="Picture 1">
+            <a:extLst>
+              <a:ext uri="{FF2B5EF4-FFF2-40B4-BE49-F238E27FC236}">
+                <a16:creationId xmlns:a16="http://schemas.microsoft.com/office/drawing/2014/main" id="{E0C9AA58-B695-D6EA-B58B-F8E1433178D2}"/>
               </a:ext>
             </a:extLst>
           </p:cNvPr>
@@ -5701,8 +6528,8 @@
         </p:blipFill>
         <p:spPr>
           <a:xfrm>
-            <a:off x="1292677" y="2572745"/>
-            <a:ext cx="3758293" cy="3772719"/>
+            <a:off x="5635799" y="518041"/>
+            <a:ext cx="4260676" cy="2436676"/>
           </a:xfrm>
           <a:prstGeom prst="rect">
             <a:avLst/>
@@ -5711,10 +6538,10 @@
       </p:pic>
       <p:pic>
         <p:nvPicPr>
-          <p:cNvPr id="6" name="Picture 5">
-            <a:extLst>
-              <a:ext uri="{FF2B5EF4-FFF2-40B4-BE49-F238E27FC236}">
-                <a16:creationId xmlns:a16="http://schemas.microsoft.com/office/drawing/2014/main" id="{8C0B31FD-8220-8C98-BA09-6A35D23CF776}"/>
+          <p:cNvPr id="3" name="Picture 2">
+            <a:extLst>
+              <a:ext uri="{FF2B5EF4-FFF2-40B4-BE49-F238E27FC236}">
+                <a16:creationId xmlns:a16="http://schemas.microsoft.com/office/drawing/2014/main" id="{02455D76-8947-650E-2443-9B8354DD456E}"/>
               </a:ext>
             </a:extLst>
           </p:cNvPr>
@@ -5731,8 +6558,8 @@
         </p:blipFill>
         <p:spPr>
           <a:xfrm>
-            <a:off x="6096000" y="2572744"/>
-            <a:ext cx="4634143" cy="3772719"/>
+            <a:off x="5915025" y="3610428"/>
+            <a:ext cx="3784937" cy="3074551"/>
           </a:xfrm>
           <a:prstGeom prst="rect">
             <a:avLst/>
@@ -5741,10 +6568,10 @@
       </p:pic>
       <p:sp>
         <p:nvSpPr>
-          <p:cNvPr id="7" name="TextBox 6">
-            <a:extLst>
-              <a:ext uri="{FF2B5EF4-FFF2-40B4-BE49-F238E27FC236}">
-                <a16:creationId xmlns:a16="http://schemas.microsoft.com/office/drawing/2014/main" id="{FA1DD6CF-3205-5544-C097-D76A268AA658}"/>
+          <p:cNvPr id="5" name="TextBox 4">
+            <a:extLst>
+              <a:ext uri="{FF2B5EF4-FFF2-40B4-BE49-F238E27FC236}">
+                <a16:creationId xmlns:a16="http://schemas.microsoft.com/office/drawing/2014/main" id="{0585A1A4-14A3-1F23-6304-0102CF0A946B}"/>
               </a:ext>
             </a:extLst>
           </p:cNvPr>
@@ -5753,8 +6580,8 @@
         </p:nvSpPr>
         <p:spPr>
           <a:xfrm>
-            <a:off x="718457" y="381000"/>
-            <a:ext cx="9622972" cy="1200329"/>
+            <a:off x="152401" y="4010867"/>
+            <a:ext cx="5483398" cy="1446550"/>
           </a:xfrm>
           <a:prstGeom prst="rect">
             <a:avLst/>
@@ -5767,13 +6594,94 @@
           </a:bodyPr>
           <a:lstStyle/>
           <a:p>
+            <a:r>
+              <a:rPr lang="en-US" dirty="0"/>
+              <a:t>Loan Status by Term For Grade G</a:t>
+            </a:r>
+          </a:p>
+          <a:p>
+            <a:pPr marL="742950" lvl="1" indent="-285750">
+              <a:buFont typeface="Arial" panose="020B0604020202020204" pitchFamily="34" charset="0"/>
+              <a:buChar char="•"/>
+            </a:pPr>
+            <a:r>
+              <a:rPr lang="en-US" sz="1400" dirty="0"/>
+              <a:t>More Charge offs observed in 60M category</a:t>
+            </a:r>
+          </a:p>
+          <a:p>
+            <a:pPr marL="742950" lvl="1" indent="-285750">
+              <a:buFont typeface="Arial" panose="020B0604020202020204" pitchFamily="34" charset="0"/>
+              <a:buChar char="•"/>
+            </a:pPr>
+            <a:r>
+              <a:rPr lang="en-US" sz="1400" dirty="0"/>
+              <a:t>Grade G mostly have 60M term loans</a:t>
+            </a:r>
+          </a:p>
+          <a:p>
+            <a:pPr marL="742950" lvl="1" indent="-285750">
+              <a:buFont typeface="Arial" panose="020B0604020202020204" pitchFamily="34" charset="0"/>
+              <a:buChar char="•"/>
+            </a:pPr>
+            <a:r>
+              <a:rPr lang="en-US" sz="1400" dirty="0"/>
+              <a:t>It is very clear that the financier wants to monetize more on Grade G with higher interest rates, term and loan amount</a:t>
+            </a:r>
+          </a:p>
+          <a:p>
+            <a:pPr marL="742950" lvl="1" indent="-285750">
+              <a:buFont typeface="Arial" panose="020B0604020202020204" pitchFamily="34" charset="0"/>
+              <a:buChar char="•"/>
+            </a:pPr>
+            <a:r>
+              <a:rPr lang="en-US" sz="1400" dirty="0"/>
+              <a:t>But Grade G also comes with risk of more defaults</a:t>
+            </a:r>
+          </a:p>
+        </p:txBody>
+      </p:sp>
+      <p:sp>
+        <p:nvSpPr>
+          <p:cNvPr id="6" name="TextBox 5">
+            <a:extLst>
+              <a:ext uri="{FF2B5EF4-FFF2-40B4-BE49-F238E27FC236}">
+                <a16:creationId xmlns:a16="http://schemas.microsoft.com/office/drawing/2014/main" id="{CE7F033B-A84B-9CC9-5335-3713D6764A65}"/>
+              </a:ext>
+            </a:extLst>
+          </p:cNvPr>
+          <p:cNvSpPr txBox="1"/>
+          <p:nvPr/>
+        </p:nvSpPr>
+        <p:spPr>
+          <a:xfrm>
+            <a:off x="1028701" y="518041"/>
+            <a:ext cx="4484934" cy="1446550"/>
+          </a:xfrm>
+          <a:prstGeom prst="rect">
+            <a:avLst/>
+          </a:prstGeom>
+          <a:noFill/>
+        </p:spPr>
+        <p:txBody>
+          <a:bodyPr wrap="square" rtlCol="0">
+            <a:spAutoFit/>
+          </a:bodyPr>
+          <a:lstStyle/>
+          <a:p>
+            <a:r>
+              <a:rPr lang="en-US" dirty="0"/>
+              <a:t>Home Ownership Split by loan status</a:t>
+            </a:r>
+          </a:p>
+          <a:p>
             <a:pPr marL="285750" indent="-285750">
               <a:buFont typeface="Arial" panose="020B0604020202020204" pitchFamily="34" charset="0"/>
               <a:buChar char="•"/>
             </a:pPr>
             <a:r>
-              <a:rPr lang="en-US" dirty="0"/>
-              <a:t>Interest rate ranges from, 15-25 has highest default ranges</a:t>
+              <a:rPr lang="en-US" sz="1400" dirty="0"/>
+              <a:t>Other Category has highest charge offs</a:t>
             </a:r>
           </a:p>
           <a:p>
@@ -5782,16 +6690,8 @@
               <a:buChar char="•"/>
             </a:pPr>
             <a:r>
-              <a:rPr lang="en-US" dirty="0"/>
-              <a:t>May be the interest rates are high due to </a:t>
-            </a:r>
-            <a:r>
-              <a:rPr lang="en-US" dirty="0" err="1"/>
-              <a:t>revol_util</a:t>
-            </a:r>
-            <a:r>
-              <a:rPr lang="en-US" dirty="0"/>
-              <a:t> of customer</a:t>
+              <a:rPr lang="en-US" sz="1400" dirty="0"/>
+              <a:t>Rent is second highest charge off category</a:t>
             </a:r>
           </a:p>
           <a:p>
@@ -5800,18 +6700,18 @@
               <a:buChar char="•"/>
             </a:pPr>
             <a:r>
-              <a:rPr lang="en-US" dirty="0"/>
-              <a:t>But high interest rates are also observed with high loan amounts</a:t>
-            </a:r>
-          </a:p>
-          <a:p>
-            <a:pPr marL="742950" lvl="1" indent="-285750">
-              <a:buFont typeface="Arial" panose="020B0604020202020204" pitchFamily="34" charset="0"/>
-              <a:buChar char="•"/>
-            </a:pPr>
-            <a:r>
-              <a:rPr lang="en-US" dirty="0"/>
-              <a:t>Loans at higher risk of default are exposing more money at risk</a:t>
+              <a:rPr lang="en-US" sz="1400" dirty="0"/>
+              <a:t>Other is very less in quantity</a:t>
+            </a:r>
+          </a:p>
+          <a:p>
+            <a:pPr marL="285750" indent="-285750">
+              <a:buFont typeface="Arial" panose="020B0604020202020204" pitchFamily="34" charset="0"/>
+              <a:buChar char="•"/>
+            </a:pPr>
+            <a:r>
+              <a:rPr lang="en-US" sz="1400" dirty="0"/>
+              <a:t>Conclusion would be to be more careful for RENT category while approving loan</a:t>
             </a:r>
           </a:p>
         </p:txBody>
@@ -5819,7 +6719,7 @@
     </p:spTree>
     <p:extLst>
       <p:ext uri="{BB962C8B-B14F-4D97-AF65-F5344CB8AC3E}">
-        <p14:creationId xmlns:p14="http://schemas.microsoft.com/office/powerpoint/2010/main" val="1732107542"/>
+        <p14:creationId xmlns:p14="http://schemas.microsoft.com/office/powerpoint/2010/main" val="2550810436"/>
       </p:ext>
     </p:extLst>
   </p:cSld>
